--- a/slides/ML - Module 4 - Unsupervised Machine Learning.pptx
+++ b/slides/ML - Module 4 - Unsupervised Machine Learning.pptx
@@ -11,10 +11,13 @@
     <p:sldId id="258" r:id="rId5"/>
     <p:sldId id="259" r:id="rId6"/>
     <p:sldId id="260" r:id="rId7"/>
-    <p:sldId id="261" r:id="rId8"/>
-    <p:sldId id="262" r:id="rId9"/>
-    <p:sldId id="263" r:id="rId10"/>
-    <p:sldId id="264" r:id="rId11"/>
+    <p:sldId id="266" r:id="rId8"/>
+    <p:sldId id="261" r:id="rId9"/>
+    <p:sldId id="262" r:id="rId10"/>
+    <p:sldId id="263" r:id="rId11"/>
+    <p:sldId id="264" r:id="rId12"/>
+    <p:sldId id="267" r:id="rId13"/>
+    <p:sldId id="268" r:id="rId14"/>
   </p:sldIdLst>
   <p:sldSz cx="12192000" cy="6858000"/>
   <p:notesSz cx="6858000" cy="9144000"/>
@@ -270,7 +273,7 @@
           <a:p>
             <a:fld id="{1E72A6B1-85D5-4955-A616-DF87C3C0F9B2}" type="datetimeFigureOut">
               <a:rPr lang="en-GB" smtClean="0"/>
-              <a:t>25/01/2026</a:t>
+              <a:t>30/01/2026</a:t>
             </a:fld>
             <a:endParaRPr lang="en-GB"/>
           </a:p>
@@ -470,7 +473,7 @@
           <a:p>
             <a:fld id="{1E72A6B1-85D5-4955-A616-DF87C3C0F9B2}" type="datetimeFigureOut">
               <a:rPr lang="en-GB" smtClean="0"/>
-              <a:t>25/01/2026</a:t>
+              <a:t>30/01/2026</a:t>
             </a:fld>
             <a:endParaRPr lang="en-GB"/>
           </a:p>
@@ -680,7 +683,7 @@
           <a:p>
             <a:fld id="{1E72A6B1-85D5-4955-A616-DF87C3C0F9B2}" type="datetimeFigureOut">
               <a:rPr lang="en-GB" smtClean="0"/>
-              <a:t>25/01/2026</a:t>
+              <a:t>30/01/2026</a:t>
             </a:fld>
             <a:endParaRPr lang="en-GB"/>
           </a:p>
@@ -880,7 +883,7 @@
           <a:p>
             <a:fld id="{1E72A6B1-85D5-4955-A616-DF87C3C0F9B2}" type="datetimeFigureOut">
               <a:rPr lang="en-GB" smtClean="0"/>
-              <a:t>25/01/2026</a:t>
+              <a:t>30/01/2026</a:t>
             </a:fld>
             <a:endParaRPr lang="en-GB"/>
           </a:p>
@@ -1156,7 +1159,7 @@
           <a:p>
             <a:fld id="{1E72A6B1-85D5-4955-A616-DF87C3C0F9B2}" type="datetimeFigureOut">
               <a:rPr lang="en-GB" smtClean="0"/>
-              <a:t>25/01/2026</a:t>
+              <a:t>30/01/2026</a:t>
             </a:fld>
             <a:endParaRPr lang="en-GB"/>
           </a:p>
@@ -1424,7 +1427,7 @@
           <a:p>
             <a:fld id="{1E72A6B1-85D5-4955-A616-DF87C3C0F9B2}" type="datetimeFigureOut">
               <a:rPr lang="en-GB" smtClean="0"/>
-              <a:t>25/01/2026</a:t>
+              <a:t>30/01/2026</a:t>
             </a:fld>
             <a:endParaRPr lang="en-GB"/>
           </a:p>
@@ -1839,7 +1842,7 @@
           <a:p>
             <a:fld id="{1E72A6B1-85D5-4955-A616-DF87C3C0F9B2}" type="datetimeFigureOut">
               <a:rPr lang="en-GB" smtClean="0"/>
-              <a:t>25/01/2026</a:t>
+              <a:t>30/01/2026</a:t>
             </a:fld>
             <a:endParaRPr lang="en-GB"/>
           </a:p>
@@ -1981,7 +1984,7 @@
           <a:p>
             <a:fld id="{1E72A6B1-85D5-4955-A616-DF87C3C0F9B2}" type="datetimeFigureOut">
               <a:rPr lang="en-GB" smtClean="0"/>
-              <a:t>25/01/2026</a:t>
+              <a:t>30/01/2026</a:t>
             </a:fld>
             <a:endParaRPr lang="en-GB"/>
           </a:p>
@@ -2094,7 +2097,7 @@
           <a:p>
             <a:fld id="{1E72A6B1-85D5-4955-A616-DF87C3C0F9B2}" type="datetimeFigureOut">
               <a:rPr lang="en-GB" smtClean="0"/>
-              <a:t>25/01/2026</a:t>
+              <a:t>30/01/2026</a:t>
             </a:fld>
             <a:endParaRPr lang="en-GB"/>
           </a:p>
@@ -2407,7 +2410,7 @@
           <a:p>
             <a:fld id="{1E72A6B1-85D5-4955-A616-DF87C3C0F9B2}" type="datetimeFigureOut">
               <a:rPr lang="en-GB" smtClean="0"/>
-              <a:t>25/01/2026</a:t>
+              <a:t>30/01/2026</a:t>
             </a:fld>
             <a:endParaRPr lang="en-GB"/>
           </a:p>
@@ -2696,7 +2699,7 @@
           <a:p>
             <a:fld id="{1E72A6B1-85D5-4955-A616-DF87C3C0F9B2}" type="datetimeFigureOut">
               <a:rPr lang="en-GB" smtClean="0"/>
-              <a:t>25/01/2026</a:t>
+              <a:t>30/01/2026</a:t>
             </a:fld>
             <a:endParaRPr lang="en-GB"/>
           </a:p>
@@ -2939,7 +2942,7 @@
           <a:p>
             <a:fld id="{1E72A6B1-85D5-4955-A616-DF87C3C0F9B2}" type="datetimeFigureOut">
               <a:rPr lang="en-GB" smtClean="0"/>
-              <a:t>25/01/2026</a:t>
+              <a:t>30/01/2026</a:t>
             </a:fld>
             <a:endParaRPr lang="en-GB"/>
           </a:p>
@@ -3451,6 +3454,2379 @@
       </p:grpSpPr>
       <p:sp>
         <p:nvSpPr>
+          <p:cNvPr id="4" name="Title 1">
+            <a:extLst>
+              <a:ext uri="{FF2B5EF4-FFF2-40B4-BE49-F238E27FC236}">
+                <a16:creationId xmlns:a16="http://schemas.microsoft.com/office/drawing/2014/main" id="{AC4EB731-D35D-C6AC-B632-2A0B9233FF19}"/>
+              </a:ext>
+            </a:extLst>
+          </p:cNvPr>
+          <p:cNvSpPr txBox="1">
+            <a:spLocks/>
+          </p:cNvSpPr>
+          <p:nvPr/>
+        </p:nvSpPr>
+        <p:spPr>
+          <a:xfrm>
+            <a:off x="91324" y="120820"/>
+            <a:ext cx="3840443" cy="807539"/>
+          </a:xfrm>
+          <a:prstGeom prst="rect">
+            <a:avLst/>
+          </a:prstGeom>
+        </p:spPr>
+        <p:txBody>
+          <a:bodyPr vert="horz" lIns="91440" tIns="45720" rIns="91440" bIns="45720" rtlCol="0" anchor="ctr">
+            <a:normAutofit fontScale="97500"/>
+          </a:bodyPr>
+          <a:lstStyle>
+            <a:lvl1pPr algn="l" defTabSz="914400" rtl="0" eaLnBrk="1" latinLnBrk="0" hangingPunct="1">
+              <a:lnSpc>
+                <a:spcPct val="90000"/>
+              </a:lnSpc>
+              <a:spcBef>
+                <a:spcPct val="0"/>
+              </a:spcBef>
+              <a:buNone/>
+              <a:defRPr sz="4400" kern="1200">
+                <a:solidFill>
+                  <a:schemeClr val="tx1"/>
+                </a:solidFill>
+                <a:latin typeface="+mj-lt"/>
+                <a:ea typeface="+mj-ea"/>
+                <a:cs typeface="+mj-cs"/>
+              </a:defRPr>
+            </a:lvl1pPr>
+          </a:lstStyle>
+          <a:p>
+            <a:r>
+              <a:rPr lang="en-IN" sz="3200" dirty="0"/>
+              <a:t>ELCAT Algorithm</a:t>
+            </a:r>
+            <a:endParaRPr lang="en-GB" sz="3200" dirty="0"/>
+          </a:p>
+        </p:txBody>
+      </p:sp>
+      <p:sp>
+        <p:nvSpPr>
+          <p:cNvPr id="5" name="TextBox 4">
+            <a:extLst>
+              <a:ext uri="{FF2B5EF4-FFF2-40B4-BE49-F238E27FC236}">
+                <a16:creationId xmlns:a16="http://schemas.microsoft.com/office/drawing/2014/main" id="{F1292BB4-C195-E7DF-EC23-7E1E281BFEC2}"/>
+              </a:ext>
+            </a:extLst>
+          </p:cNvPr>
+          <p:cNvSpPr txBox="1"/>
+          <p:nvPr/>
+        </p:nvSpPr>
+        <p:spPr>
+          <a:xfrm>
+            <a:off x="137373" y="767816"/>
+            <a:ext cx="3541167" cy="954107"/>
+          </a:xfrm>
+          <a:prstGeom prst="rect">
+            <a:avLst/>
+          </a:prstGeom>
+          <a:solidFill>
+            <a:schemeClr val="accent4">
+              <a:lumMod val="40000"/>
+              <a:lumOff val="60000"/>
+            </a:schemeClr>
+          </a:solidFill>
+        </p:spPr>
+        <p:txBody>
+          <a:bodyPr wrap="square" rtlCol="0">
+            <a:spAutoFit/>
+          </a:bodyPr>
+          <a:lstStyle/>
+          <a:p>
+            <a:r>
+              <a:rPr lang="en-IN" sz="1400" b="1" dirty="0"/>
+              <a:t>Equivalent Class Transformation</a:t>
+            </a:r>
+            <a:endParaRPr lang="en-IN" sz="1400" dirty="0"/>
+          </a:p>
+          <a:p>
+            <a:endParaRPr lang="en-IN" sz="1400" dirty="0"/>
+          </a:p>
+          <a:p>
+            <a:r>
+              <a:rPr lang="en-US" sz="1400" dirty="0"/>
+              <a:t>Finds frequent </a:t>
+            </a:r>
+            <a:r>
+              <a:rPr lang="en-US" sz="1400" dirty="0" err="1"/>
+              <a:t>itemsets</a:t>
+            </a:r>
+            <a:r>
+              <a:rPr lang="en-US" sz="1400" dirty="0"/>
+              <a:t> by intersecting transaction ID lists (TID-lists)</a:t>
+            </a:r>
+            <a:endParaRPr lang="en-IN" sz="1400" dirty="0"/>
+          </a:p>
+        </p:txBody>
+      </p:sp>
+      <p:graphicFrame>
+        <p:nvGraphicFramePr>
+          <p:cNvPr id="6" name="Table 5">
+            <a:extLst>
+              <a:ext uri="{FF2B5EF4-FFF2-40B4-BE49-F238E27FC236}">
+                <a16:creationId xmlns:a16="http://schemas.microsoft.com/office/drawing/2014/main" id="{3B00494F-402E-E7B4-0F10-FA3E5C4D5072}"/>
+              </a:ext>
+            </a:extLst>
+          </p:cNvPr>
+          <p:cNvGraphicFramePr>
+            <a:graphicFrameLocks noGrp="1"/>
+          </p:cNvGraphicFramePr>
+          <p:nvPr>
+            <p:extLst>
+              <p:ext uri="{D42A27DB-BD31-4B8C-83A1-F6EECF244321}">
+                <p14:modId xmlns:p14="http://schemas.microsoft.com/office/powerpoint/2010/main" val="3482068169"/>
+              </p:ext>
+            </p:extLst>
+          </p:nvPr>
+        </p:nvGraphicFramePr>
+        <p:xfrm>
+          <a:off x="169899" y="2150158"/>
+          <a:ext cx="3541167" cy="1828800"/>
+        </p:xfrm>
+        <a:graphic>
+          <a:graphicData uri="http://schemas.openxmlformats.org/drawingml/2006/table">
+            <a:tbl>
+              <a:tblPr firstRow="1">
+                <a:tableStyleId>{5A111915-BE36-4E01-A7E5-04B1672EAD32}</a:tableStyleId>
+              </a:tblPr>
+              <a:tblGrid>
+                <a:gridCol w="715961">
+                  <a:extLst>
+                    <a:ext uri="{9D8B030D-6E8A-4147-A177-3AD203B41FA5}">
+                      <a16:colId xmlns:a16="http://schemas.microsoft.com/office/drawing/2014/main" val="3645117958"/>
+                    </a:ext>
+                  </a:extLst>
+                </a:gridCol>
+                <a:gridCol w="2825206">
+                  <a:extLst>
+                    <a:ext uri="{9D8B030D-6E8A-4147-A177-3AD203B41FA5}">
+                      <a16:colId xmlns:a16="http://schemas.microsoft.com/office/drawing/2014/main" val="2794275391"/>
+                    </a:ext>
+                  </a:extLst>
+                </a:gridCol>
+              </a:tblGrid>
+              <a:tr h="277998">
+                <a:tc>
+                  <a:txBody>
+                    <a:bodyPr/>
+                    <a:lstStyle/>
+                    <a:p>
+                      <a:pPr>
+                        <a:buNone/>
+                      </a:pPr>
+                      <a:r>
+                        <a:rPr lang="en-GB" sz="1400"/>
+                        <a:t>TID</a:t>
+                      </a:r>
+                    </a:p>
+                  </a:txBody>
+                  <a:tcPr anchor="ctr">
+                    <a:lnL w="12700" cap="flat" cmpd="sng" algn="ctr">
+                      <a:solidFill>
+                        <a:schemeClr val="tx1"/>
+                      </a:solidFill>
+                      <a:prstDash val="solid"/>
+                      <a:round/>
+                      <a:headEnd type="none" w="med" len="med"/>
+                      <a:tailEnd type="none" w="med" len="med"/>
+                    </a:lnL>
+                    <a:lnR w="12700" cap="flat" cmpd="sng" algn="ctr">
+                      <a:solidFill>
+                        <a:schemeClr val="tx1"/>
+                      </a:solidFill>
+                      <a:prstDash val="solid"/>
+                      <a:round/>
+                      <a:headEnd type="none" w="med" len="med"/>
+                      <a:tailEnd type="none" w="med" len="med"/>
+                    </a:lnR>
+                    <a:lnT w="12700" cap="flat" cmpd="sng" algn="ctr">
+                      <a:solidFill>
+                        <a:schemeClr val="tx1"/>
+                      </a:solidFill>
+                      <a:prstDash val="solid"/>
+                      <a:round/>
+                      <a:headEnd type="none" w="med" len="med"/>
+                      <a:tailEnd type="none" w="med" len="med"/>
+                    </a:lnT>
+                    <a:lnB w="12700" cap="flat" cmpd="sng" algn="ctr">
+                      <a:solidFill>
+                        <a:schemeClr val="tx1"/>
+                      </a:solidFill>
+                      <a:prstDash val="solid"/>
+                      <a:round/>
+                      <a:headEnd type="none" w="med" len="med"/>
+                      <a:tailEnd type="none" w="med" len="med"/>
+                    </a:lnB>
+                  </a:tcPr>
+                </a:tc>
+                <a:tc>
+                  <a:txBody>
+                    <a:bodyPr/>
+                    <a:lstStyle/>
+                    <a:p>
+                      <a:pPr>
+                        <a:buNone/>
+                      </a:pPr>
+                      <a:r>
+                        <a:rPr lang="en-GB" sz="1400"/>
+                        <a:t>Items</a:t>
+                      </a:r>
+                    </a:p>
+                  </a:txBody>
+                  <a:tcPr anchor="ctr">
+                    <a:lnL w="12700" cap="flat" cmpd="sng" algn="ctr">
+                      <a:solidFill>
+                        <a:schemeClr val="tx1"/>
+                      </a:solidFill>
+                      <a:prstDash val="solid"/>
+                      <a:round/>
+                      <a:headEnd type="none" w="med" len="med"/>
+                      <a:tailEnd type="none" w="med" len="med"/>
+                    </a:lnL>
+                    <a:lnR w="12700" cap="flat" cmpd="sng" algn="ctr">
+                      <a:solidFill>
+                        <a:schemeClr val="tx1"/>
+                      </a:solidFill>
+                      <a:prstDash val="solid"/>
+                      <a:round/>
+                      <a:headEnd type="none" w="med" len="med"/>
+                      <a:tailEnd type="none" w="med" len="med"/>
+                    </a:lnR>
+                    <a:lnT w="12700" cap="flat" cmpd="sng" algn="ctr">
+                      <a:solidFill>
+                        <a:schemeClr val="tx1"/>
+                      </a:solidFill>
+                      <a:prstDash val="solid"/>
+                      <a:round/>
+                      <a:headEnd type="none" w="med" len="med"/>
+                      <a:tailEnd type="none" w="med" len="med"/>
+                    </a:lnT>
+                    <a:lnB w="12700" cap="flat" cmpd="sng" algn="ctr">
+                      <a:solidFill>
+                        <a:schemeClr val="tx1"/>
+                      </a:solidFill>
+                      <a:prstDash val="solid"/>
+                      <a:round/>
+                      <a:headEnd type="none" w="med" len="med"/>
+                      <a:tailEnd type="none" w="med" len="med"/>
+                    </a:lnB>
+                  </a:tcPr>
+                </a:tc>
+                <a:extLst>
+                  <a:ext uri="{0D108BD9-81ED-4DB2-BD59-A6C34878D82A}">
+                    <a16:rowId xmlns:a16="http://schemas.microsoft.com/office/drawing/2014/main" val="1186997191"/>
+                  </a:ext>
+                </a:extLst>
+              </a:tr>
+              <a:tr h="277998">
+                <a:tc>
+                  <a:txBody>
+                    <a:bodyPr/>
+                    <a:lstStyle/>
+                    <a:p>
+                      <a:pPr>
+                        <a:buNone/>
+                      </a:pPr>
+                      <a:r>
+                        <a:rPr lang="en-GB" sz="1400"/>
+                        <a:t>T1</a:t>
+                      </a:r>
+                    </a:p>
+                  </a:txBody>
+                  <a:tcPr anchor="ctr">
+                    <a:lnL w="12700" cap="flat" cmpd="sng" algn="ctr">
+                      <a:solidFill>
+                        <a:schemeClr val="tx1"/>
+                      </a:solidFill>
+                      <a:prstDash val="solid"/>
+                      <a:round/>
+                      <a:headEnd type="none" w="med" len="med"/>
+                      <a:tailEnd type="none" w="med" len="med"/>
+                    </a:lnL>
+                    <a:lnR w="12700" cap="flat" cmpd="sng" algn="ctr">
+                      <a:solidFill>
+                        <a:schemeClr val="tx1"/>
+                      </a:solidFill>
+                      <a:prstDash val="solid"/>
+                      <a:round/>
+                      <a:headEnd type="none" w="med" len="med"/>
+                      <a:tailEnd type="none" w="med" len="med"/>
+                    </a:lnR>
+                    <a:lnT w="12700" cap="flat" cmpd="sng" algn="ctr">
+                      <a:solidFill>
+                        <a:schemeClr val="tx1"/>
+                      </a:solidFill>
+                      <a:prstDash val="solid"/>
+                      <a:round/>
+                      <a:headEnd type="none" w="med" len="med"/>
+                      <a:tailEnd type="none" w="med" len="med"/>
+                    </a:lnT>
+                    <a:lnB w="12700" cap="flat" cmpd="sng" algn="ctr">
+                      <a:solidFill>
+                        <a:schemeClr val="tx1"/>
+                      </a:solidFill>
+                      <a:prstDash val="solid"/>
+                      <a:round/>
+                      <a:headEnd type="none" w="med" len="med"/>
+                      <a:tailEnd type="none" w="med" len="med"/>
+                    </a:lnB>
+                  </a:tcPr>
+                </a:tc>
+                <a:tc>
+                  <a:txBody>
+                    <a:bodyPr/>
+                    <a:lstStyle/>
+                    <a:p>
+                      <a:pPr>
+                        <a:buNone/>
+                      </a:pPr>
+                      <a:r>
+                        <a:rPr lang="en-GB" sz="1400" dirty="0"/>
+                        <a:t>Bread, Milk</a:t>
+                      </a:r>
+                    </a:p>
+                  </a:txBody>
+                  <a:tcPr anchor="ctr">
+                    <a:lnL w="12700" cap="flat" cmpd="sng" algn="ctr">
+                      <a:solidFill>
+                        <a:schemeClr val="tx1"/>
+                      </a:solidFill>
+                      <a:prstDash val="solid"/>
+                      <a:round/>
+                      <a:headEnd type="none" w="med" len="med"/>
+                      <a:tailEnd type="none" w="med" len="med"/>
+                    </a:lnL>
+                    <a:lnR w="12700" cap="flat" cmpd="sng" algn="ctr">
+                      <a:solidFill>
+                        <a:schemeClr val="tx1"/>
+                      </a:solidFill>
+                      <a:prstDash val="solid"/>
+                      <a:round/>
+                      <a:headEnd type="none" w="med" len="med"/>
+                      <a:tailEnd type="none" w="med" len="med"/>
+                    </a:lnR>
+                    <a:lnT w="12700" cap="flat" cmpd="sng" algn="ctr">
+                      <a:solidFill>
+                        <a:schemeClr val="tx1"/>
+                      </a:solidFill>
+                      <a:prstDash val="solid"/>
+                      <a:round/>
+                      <a:headEnd type="none" w="med" len="med"/>
+                      <a:tailEnd type="none" w="med" len="med"/>
+                    </a:lnT>
+                    <a:lnB w="12700" cap="flat" cmpd="sng" algn="ctr">
+                      <a:solidFill>
+                        <a:schemeClr val="tx1"/>
+                      </a:solidFill>
+                      <a:prstDash val="solid"/>
+                      <a:round/>
+                      <a:headEnd type="none" w="med" len="med"/>
+                      <a:tailEnd type="none" w="med" len="med"/>
+                    </a:lnB>
+                  </a:tcPr>
+                </a:tc>
+                <a:extLst>
+                  <a:ext uri="{0D108BD9-81ED-4DB2-BD59-A6C34878D82A}">
+                    <a16:rowId xmlns:a16="http://schemas.microsoft.com/office/drawing/2014/main" val="4156398346"/>
+                  </a:ext>
+                </a:extLst>
+              </a:tr>
+              <a:tr h="277998">
+                <a:tc>
+                  <a:txBody>
+                    <a:bodyPr/>
+                    <a:lstStyle/>
+                    <a:p>
+                      <a:pPr>
+                        <a:buNone/>
+                      </a:pPr>
+                      <a:r>
+                        <a:rPr lang="en-GB" sz="1400"/>
+                        <a:t>T2</a:t>
+                      </a:r>
+                    </a:p>
+                  </a:txBody>
+                  <a:tcPr anchor="ctr">
+                    <a:lnL w="12700" cap="flat" cmpd="sng" algn="ctr">
+                      <a:solidFill>
+                        <a:schemeClr val="tx1"/>
+                      </a:solidFill>
+                      <a:prstDash val="solid"/>
+                      <a:round/>
+                      <a:headEnd type="none" w="med" len="med"/>
+                      <a:tailEnd type="none" w="med" len="med"/>
+                    </a:lnL>
+                    <a:lnR w="12700" cap="flat" cmpd="sng" algn="ctr">
+                      <a:solidFill>
+                        <a:schemeClr val="tx1"/>
+                      </a:solidFill>
+                      <a:prstDash val="solid"/>
+                      <a:round/>
+                      <a:headEnd type="none" w="med" len="med"/>
+                      <a:tailEnd type="none" w="med" len="med"/>
+                    </a:lnR>
+                    <a:lnT w="12700" cap="flat" cmpd="sng" algn="ctr">
+                      <a:solidFill>
+                        <a:schemeClr val="tx1"/>
+                      </a:solidFill>
+                      <a:prstDash val="solid"/>
+                      <a:round/>
+                      <a:headEnd type="none" w="med" len="med"/>
+                      <a:tailEnd type="none" w="med" len="med"/>
+                    </a:lnT>
+                    <a:lnB w="12700" cap="flat" cmpd="sng" algn="ctr">
+                      <a:solidFill>
+                        <a:schemeClr val="tx1"/>
+                      </a:solidFill>
+                      <a:prstDash val="solid"/>
+                      <a:round/>
+                      <a:headEnd type="none" w="med" len="med"/>
+                      <a:tailEnd type="none" w="med" len="med"/>
+                    </a:lnB>
+                  </a:tcPr>
+                </a:tc>
+                <a:tc>
+                  <a:txBody>
+                    <a:bodyPr/>
+                    <a:lstStyle/>
+                    <a:p>
+                      <a:pPr>
+                        <a:buNone/>
+                      </a:pPr>
+                      <a:r>
+                        <a:rPr lang="en-GB" sz="1400" dirty="0"/>
+                        <a:t>Bread, Cola, Eggs</a:t>
+                      </a:r>
+                    </a:p>
+                  </a:txBody>
+                  <a:tcPr anchor="ctr">
+                    <a:lnL w="12700" cap="flat" cmpd="sng" algn="ctr">
+                      <a:solidFill>
+                        <a:schemeClr val="tx1"/>
+                      </a:solidFill>
+                      <a:prstDash val="solid"/>
+                      <a:round/>
+                      <a:headEnd type="none" w="med" len="med"/>
+                      <a:tailEnd type="none" w="med" len="med"/>
+                    </a:lnL>
+                    <a:lnR w="12700" cap="flat" cmpd="sng" algn="ctr">
+                      <a:solidFill>
+                        <a:schemeClr val="tx1"/>
+                      </a:solidFill>
+                      <a:prstDash val="solid"/>
+                      <a:round/>
+                      <a:headEnd type="none" w="med" len="med"/>
+                      <a:tailEnd type="none" w="med" len="med"/>
+                    </a:lnR>
+                    <a:lnT w="12700" cap="flat" cmpd="sng" algn="ctr">
+                      <a:solidFill>
+                        <a:schemeClr val="tx1"/>
+                      </a:solidFill>
+                      <a:prstDash val="solid"/>
+                      <a:round/>
+                      <a:headEnd type="none" w="med" len="med"/>
+                      <a:tailEnd type="none" w="med" len="med"/>
+                    </a:lnT>
+                    <a:lnB w="12700" cap="flat" cmpd="sng" algn="ctr">
+                      <a:solidFill>
+                        <a:schemeClr val="tx1"/>
+                      </a:solidFill>
+                      <a:prstDash val="solid"/>
+                      <a:round/>
+                      <a:headEnd type="none" w="med" len="med"/>
+                      <a:tailEnd type="none" w="med" len="med"/>
+                    </a:lnB>
+                  </a:tcPr>
+                </a:tc>
+                <a:extLst>
+                  <a:ext uri="{0D108BD9-81ED-4DB2-BD59-A6C34878D82A}">
+                    <a16:rowId xmlns:a16="http://schemas.microsoft.com/office/drawing/2014/main" val="181371722"/>
+                  </a:ext>
+                </a:extLst>
+              </a:tr>
+              <a:tr h="277998">
+                <a:tc>
+                  <a:txBody>
+                    <a:bodyPr/>
+                    <a:lstStyle/>
+                    <a:p>
+                      <a:pPr>
+                        <a:buNone/>
+                      </a:pPr>
+                      <a:r>
+                        <a:rPr lang="en-GB" sz="1400"/>
+                        <a:t>T3</a:t>
+                      </a:r>
+                    </a:p>
+                  </a:txBody>
+                  <a:tcPr anchor="ctr">
+                    <a:lnL w="12700" cap="flat" cmpd="sng" algn="ctr">
+                      <a:solidFill>
+                        <a:schemeClr val="tx1"/>
+                      </a:solidFill>
+                      <a:prstDash val="solid"/>
+                      <a:round/>
+                      <a:headEnd type="none" w="med" len="med"/>
+                      <a:tailEnd type="none" w="med" len="med"/>
+                    </a:lnL>
+                    <a:lnR w="12700" cap="flat" cmpd="sng" algn="ctr">
+                      <a:solidFill>
+                        <a:schemeClr val="tx1"/>
+                      </a:solidFill>
+                      <a:prstDash val="solid"/>
+                      <a:round/>
+                      <a:headEnd type="none" w="med" len="med"/>
+                      <a:tailEnd type="none" w="med" len="med"/>
+                    </a:lnR>
+                    <a:lnT w="12700" cap="flat" cmpd="sng" algn="ctr">
+                      <a:solidFill>
+                        <a:schemeClr val="tx1"/>
+                      </a:solidFill>
+                      <a:prstDash val="solid"/>
+                      <a:round/>
+                      <a:headEnd type="none" w="med" len="med"/>
+                      <a:tailEnd type="none" w="med" len="med"/>
+                    </a:lnT>
+                    <a:lnB w="12700" cap="flat" cmpd="sng" algn="ctr">
+                      <a:solidFill>
+                        <a:schemeClr val="tx1"/>
+                      </a:solidFill>
+                      <a:prstDash val="solid"/>
+                      <a:round/>
+                      <a:headEnd type="none" w="med" len="med"/>
+                      <a:tailEnd type="none" w="med" len="med"/>
+                    </a:lnB>
+                  </a:tcPr>
+                </a:tc>
+                <a:tc>
+                  <a:txBody>
+                    <a:bodyPr/>
+                    <a:lstStyle/>
+                    <a:p>
+                      <a:pPr>
+                        <a:buNone/>
+                      </a:pPr>
+                      <a:r>
+                        <a:rPr lang="en-GB" sz="1400" dirty="0"/>
+                        <a:t>Milk, Cola, Eggs</a:t>
+                      </a:r>
+                    </a:p>
+                  </a:txBody>
+                  <a:tcPr anchor="ctr">
+                    <a:lnL w="12700" cap="flat" cmpd="sng" algn="ctr">
+                      <a:solidFill>
+                        <a:schemeClr val="tx1"/>
+                      </a:solidFill>
+                      <a:prstDash val="solid"/>
+                      <a:round/>
+                      <a:headEnd type="none" w="med" len="med"/>
+                      <a:tailEnd type="none" w="med" len="med"/>
+                    </a:lnL>
+                    <a:lnR w="12700" cap="flat" cmpd="sng" algn="ctr">
+                      <a:solidFill>
+                        <a:schemeClr val="tx1"/>
+                      </a:solidFill>
+                      <a:prstDash val="solid"/>
+                      <a:round/>
+                      <a:headEnd type="none" w="med" len="med"/>
+                      <a:tailEnd type="none" w="med" len="med"/>
+                    </a:lnR>
+                    <a:lnT w="12700" cap="flat" cmpd="sng" algn="ctr">
+                      <a:solidFill>
+                        <a:schemeClr val="tx1"/>
+                      </a:solidFill>
+                      <a:prstDash val="solid"/>
+                      <a:round/>
+                      <a:headEnd type="none" w="med" len="med"/>
+                      <a:tailEnd type="none" w="med" len="med"/>
+                    </a:lnT>
+                    <a:lnB w="12700" cap="flat" cmpd="sng" algn="ctr">
+                      <a:solidFill>
+                        <a:schemeClr val="tx1"/>
+                      </a:solidFill>
+                      <a:prstDash val="solid"/>
+                      <a:round/>
+                      <a:headEnd type="none" w="med" len="med"/>
+                      <a:tailEnd type="none" w="med" len="med"/>
+                    </a:lnB>
+                  </a:tcPr>
+                </a:tc>
+                <a:extLst>
+                  <a:ext uri="{0D108BD9-81ED-4DB2-BD59-A6C34878D82A}">
+                    <a16:rowId xmlns:a16="http://schemas.microsoft.com/office/drawing/2014/main" val="2458712475"/>
+                  </a:ext>
+                </a:extLst>
+              </a:tr>
+              <a:tr h="277998">
+                <a:tc>
+                  <a:txBody>
+                    <a:bodyPr/>
+                    <a:lstStyle/>
+                    <a:p>
+                      <a:pPr>
+                        <a:buNone/>
+                      </a:pPr>
+                      <a:r>
+                        <a:rPr lang="en-GB" sz="1400"/>
+                        <a:t>T4</a:t>
+                      </a:r>
+                    </a:p>
+                  </a:txBody>
+                  <a:tcPr anchor="ctr">
+                    <a:lnL w="12700" cap="flat" cmpd="sng" algn="ctr">
+                      <a:solidFill>
+                        <a:schemeClr val="tx1"/>
+                      </a:solidFill>
+                      <a:prstDash val="solid"/>
+                      <a:round/>
+                      <a:headEnd type="none" w="med" len="med"/>
+                      <a:tailEnd type="none" w="med" len="med"/>
+                    </a:lnL>
+                    <a:lnR w="12700" cap="flat" cmpd="sng" algn="ctr">
+                      <a:solidFill>
+                        <a:schemeClr val="tx1"/>
+                      </a:solidFill>
+                      <a:prstDash val="solid"/>
+                      <a:round/>
+                      <a:headEnd type="none" w="med" len="med"/>
+                      <a:tailEnd type="none" w="med" len="med"/>
+                    </a:lnR>
+                    <a:lnT w="12700" cap="flat" cmpd="sng" algn="ctr">
+                      <a:solidFill>
+                        <a:schemeClr val="tx1"/>
+                      </a:solidFill>
+                      <a:prstDash val="solid"/>
+                      <a:round/>
+                      <a:headEnd type="none" w="med" len="med"/>
+                      <a:tailEnd type="none" w="med" len="med"/>
+                    </a:lnT>
+                    <a:lnB w="12700" cap="flat" cmpd="sng" algn="ctr">
+                      <a:solidFill>
+                        <a:schemeClr val="tx1"/>
+                      </a:solidFill>
+                      <a:prstDash val="solid"/>
+                      <a:round/>
+                      <a:headEnd type="none" w="med" len="med"/>
+                      <a:tailEnd type="none" w="med" len="med"/>
+                    </a:lnB>
+                  </a:tcPr>
+                </a:tc>
+                <a:tc>
+                  <a:txBody>
+                    <a:bodyPr/>
+                    <a:lstStyle/>
+                    <a:p>
+                      <a:pPr>
+                        <a:buNone/>
+                      </a:pPr>
+                      <a:r>
+                        <a:rPr lang="en-GB" sz="1400" dirty="0"/>
+                        <a:t>Bread, Milk, Cola</a:t>
+                      </a:r>
+                    </a:p>
+                  </a:txBody>
+                  <a:tcPr anchor="ctr">
+                    <a:lnL w="12700" cap="flat" cmpd="sng" algn="ctr">
+                      <a:solidFill>
+                        <a:schemeClr val="tx1"/>
+                      </a:solidFill>
+                      <a:prstDash val="solid"/>
+                      <a:round/>
+                      <a:headEnd type="none" w="med" len="med"/>
+                      <a:tailEnd type="none" w="med" len="med"/>
+                    </a:lnL>
+                    <a:lnR w="12700" cap="flat" cmpd="sng" algn="ctr">
+                      <a:solidFill>
+                        <a:schemeClr val="tx1"/>
+                      </a:solidFill>
+                      <a:prstDash val="solid"/>
+                      <a:round/>
+                      <a:headEnd type="none" w="med" len="med"/>
+                      <a:tailEnd type="none" w="med" len="med"/>
+                    </a:lnR>
+                    <a:lnT w="12700" cap="flat" cmpd="sng" algn="ctr">
+                      <a:solidFill>
+                        <a:schemeClr val="tx1"/>
+                      </a:solidFill>
+                      <a:prstDash val="solid"/>
+                      <a:round/>
+                      <a:headEnd type="none" w="med" len="med"/>
+                      <a:tailEnd type="none" w="med" len="med"/>
+                    </a:lnT>
+                    <a:lnB w="12700" cap="flat" cmpd="sng" algn="ctr">
+                      <a:solidFill>
+                        <a:schemeClr val="tx1"/>
+                      </a:solidFill>
+                      <a:prstDash val="solid"/>
+                      <a:round/>
+                      <a:headEnd type="none" w="med" len="med"/>
+                      <a:tailEnd type="none" w="med" len="med"/>
+                    </a:lnB>
+                  </a:tcPr>
+                </a:tc>
+                <a:extLst>
+                  <a:ext uri="{0D108BD9-81ED-4DB2-BD59-A6C34878D82A}">
+                    <a16:rowId xmlns:a16="http://schemas.microsoft.com/office/drawing/2014/main" val="3422806461"/>
+                  </a:ext>
+                </a:extLst>
+              </a:tr>
+              <a:tr h="277998">
+                <a:tc>
+                  <a:txBody>
+                    <a:bodyPr/>
+                    <a:lstStyle/>
+                    <a:p>
+                      <a:pPr>
+                        <a:buNone/>
+                      </a:pPr>
+                      <a:r>
+                        <a:rPr lang="en-GB" sz="1400"/>
+                        <a:t>T5</a:t>
+                      </a:r>
+                    </a:p>
+                  </a:txBody>
+                  <a:tcPr anchor="ctr">
+                    <a:lnL w="12700" cap="flat" cmpd="sng" algn="ctr">
+                      <a:solidFill>
+                        <a:schemeClr val="tx1"/>
+                      </a:solidFill>
+                      <a:prstDash val="solid"/>
+                      <a:round/>
+                      <a:headEnd type="none" w="med" len="med"/>
+                      <a:tailEnd type="none" w="med" len="med"/>
+                    </a:lnL>
+                    <a:lnR w="12700" cap="flat" cmpd="sng" algn="ctr">
+                      <a:solidFill>
+                        <a:schemeClr val="tx1"/>
+                      </a:solidFill>
+                      <a:prstDash val="solid"/>
+                      <a:round/>
+                      <a:headEnd type="none" w="med" len="med"/>
+                      <a:tailEnd type="none" w="med" len="med"/>
+                    </a:lnR>
+                    <a:lnT w="12700" cap="flat" cmpd="sng" algn="ctr">
+                      <a:solidFill>
+                        <a:schemeClr val="tx1"/>
+                      </a:solidFill>
+                      <a:prstDash val="solid"/>
+                      <a:round/>
+                      <a:headEnd type="none" w="med" len="med"/>
+                      <a:tailEnd type="none" w="med" len="med"/>
+                    </a:lnT>
+                    <a:lnB w="12700" cap="flat" cmpd="sng" algn="ctr">
+                      <a:solidFill>
+                        <a:schemeClr val="tx1"/>
+                      </a:solidFill>
+                      <a:prstDash val="solid"/>
+                      <a:round/>
+                      <a:headEnd type="none" w="med" len="med"/>
+                      <a:tailEnd type="none" w="med" len="med"/>
+                    </a:lnB>
+                  </a:tcPr>
+                </a:tc>
+                <a:tc>
+                  <a:txBody>
+                    <a:bodyPr/>
+                    <a:lstStyle/>
+                    <a:p>
+                      <a:pPr>
+                        <a:buNone/>
+                      </a:pPr>
+                      <a:r>
+                        <a:rPr lang="en-GB" sz="1400" dirty="0"/>
+                        <a:t>Bread, Milk, Eggs</a:t>
+                      </a:r>
+                    </a:p>
+                  </a:txBody>
+                  <a:tcPr anchor="ctr">
+                    <a:lnL w="12700" cap="flat" cmpd="sng" algn="ctr">
+                      <a:solidFill>
+                        <a:schemeClr val="tx1"/>
+                      </a:solidFill>
+                      <a:prstDash val="solid"/>
+                      <a:round/>
+                      <a:headEnd type="none" w="med" len="med"/>
+                      <a:tailEnd type="none" w="med" len="med"/>
+                    </a:lnL>
+                    <a:lnR w="12700" cap="flat" cmpd="sng" algn="ctr">
+                      <a:solidFill>
+                        <a:schemeClr val="tx1"/>
+                      </a:solidFill>
+                      <a:prstDash val="solid"/>
+                      <a:round/>
+                      <a:headEnd type="none" w="med" len="med"/>
+                      <a:tailEnd type="none" w="med" len="med"/>
+                    </a:lnR>
+                    <a:lnT w="12700" cap="flat" cmpd="sng" algn="ctr">
+                      <a:solidFill>
+                        <a:schemeClr val="tx1"/>
+                      </a:solidFill>
+                      <a:prstDash val="solid"/>
+                      <a:round/>
+                      <a:headEnd type="none" w="med" len="med"/>
+                      <a:tailEnd type="none" w="med" len="med"/>
+                    </a:lnT>
+                    <a:lnB w="12700" cap="flat" cmpd="sng" algn="ctr">
+                      <a:solidFill>
+                        <a:schemeClr val="tx1"/>
+                      </a:solidFill>
+                      <a:prstDash val="solid"/>
+                      <a:round/>
+                      <a:headEnd type="none" w="med" len="med"/>
+                      <a:tailEnd type="none" w="med" len="med"/>
+                    </a:lnB>
+                  </a:tcPr>
+                </a:tc>
+                <a:extLst>
+                  <a:ext uri="{0D108BD9-81ED-4DB2-BD59-A6C34878D82A}">
+                    <a16:rowId xmlns:a16="http://schemas.microsoft.com/office/drawing/2014/main" val="4206445157"/>
+                  </a:ext>
+                </a:extLst>
+              </a:tr>
+            </a:tbl>
+          </a:graphicData>
+        </a:graphic>
+      </p:graphicFrame>
+      <p:sp>
+        <p:nvSpPr>
+          <p:cNvPr id="7" name="TextBox 6">
+            <a:extLst>
+              <a:ext uri="{FF2B5EF4-FFF2-40B4-BE49-F238E27FC236}">
+                <a16:creationId xmlns:a16="http://schemas.microsoft.com/office/drawing/2014/main" id="{71671EED-03C2-0122-50EE-CB307118FBD1}"/>
+              </a:ext>
+            </a:extLst>
+          </p:cNvPr>
+          <p:cNvSpPr txBox="1"/>
+          <p:nvPr/>
+        </p:nvSpPr>
+        <p:spPr>
+          <a:xfrm>
+            <a:off x="202424" y="1842381"/>
+            <a:ext cx="3476116" cy="307777"/>
+          </a:xfrm>
+          <a:prstGeom prst="rect">
+            <a:avLst/>
+          </a:prstGeom>
+          <a:noFill/>
+        </p:spPr>
+        <p:txBody>
+          <a:bodyPr wrap="square" rtlCol="0">
+            <a:spAutoFit/>
+          </a:bodyPr>
+          <a:lstStyle/>
+          <a:p>
+            <a:pPr algn="ctr"/>
+            <a:r>
+              <a:rPr lang="en-IN" sz="1400" dirty="0"/>
+              <a:t>Sample dataset, Min Support = 3</a:t>
+            </a:r>
+            <a:endParaRPr lang="en-GB" sz="1400" dirty="0"/>
+          </a:p>
+        </p:txBody>
+      </p:sp>
+      <p:sp>
+        <p:nvSpPr>
+          <p:cNvPr id="8" name="TextBox 7">
+            <a:extLst>
+              <a:ext uri="{FF2B5EF4-FFF2-40B4-BE49-F238E27FC236}">
+                <a16:creationId xmlns:a16="http://schemas.microsoft.com/office/drawing/2014/main" id="{8F102030-624C-F81A-744D-52BBF8C7C576}"/>
+              </a:ext>
+            </a:extLst>
+          </p:cNvPr>
+          <p:cNvSpPr txBox="1"/>
+          <p:nvPr/>
+        </p:nvSpPr>
+        <p:spPr>
+          <a:xfrm>
+            <a:off x="169899" y="4193529"/>
+            <a:ext cx="3476116" cy="307777"/>
+          </a:xfrm>
+          <a:prstGeom prst="rect">
+            <a:avLst/>
+          </a:prstGeom>
+          <a:noFill/>
+        </p:spPr>
+        <p:txBody>
+          <a:bodyPr wrap="square" rtlCol="0">
+            <a:spAutoFit/>
+          </a:bodyPr>
+          <a:lstStyle/>
+          <a:p>
+            <a:pPr algn="ctr"/>
+            <a:r>
+              <a:rPr lang="en-IN" sz="1400" dirty="0"/>
+              <a:t>Rearrange to have Item -&gt; TID list</a:t>
+            </a:r>
+            <a:endParaRPr lang="en-GB" sz="1400" dirty="0"/>
+          </a:p>
+        </p:txBody>
+      </p:sp>
+      <p:graphicFrame>
+        <p:nvGraphicFramePr>
+          <p:cNvPr id="9" name="Table 8">
+            <a:extLst>
+              <a:ext uri="{FF2B5EF4-FFF2-40B4-BE49-F238E27FC236}">
+                <a16:creationId xmlns:a16="http://schemas.microsoft.com/office/drawing/2014/main" id="{EB5C9EAE-5A60-E65D-4FA1-24A434B56F92}"/>
+              </a:ext>
+            </a:extLst>
+          </p:cNvPr>
+          <p:cNvGraphicFramePr>
+            <a:graphicFrameLocks noGrp="1"/>
+          </p:cNvGraphicFramePr>
+          <p:nvPr>
+            <p:extLst>
+              <p:ext uri="{D42A27DB-BD31-4B8C-83A1-F6EECF244321}">
+                <p14:modId xmlns:p14="http://schemas.microsoft.com/office/powerpoint/2010/main" val="4053822305"/>
+              </p:ext>
+            </p:extLst>
+          </p:nvPr>
+        </p:nvGraphicFramePr>
+        <p:xfrm>
+          <a:off x="137373" y="4501306"/>
+          <a:ext cx="3573693" cy="1524000"/>
+        </p:xfrm>
+        <a:graphic>
+          <a:graphicData uri="http://schemas.openxmlformats.org/drawingml/2006/table">
+            <a:tbl>
+              <a:tblPr firstRow="1">
+                <a:tableStyleId>{69012ECD-51FC-41F1-AA8D-1B2483CD663E}</a:tableStyleId>
+              </a:tblPr>
+              <a:tblGrid>
+                <a:gridCol w="784007">
+                  <a:extLst>
+                    <a:ext uri="{9D8B030D-6E8A-4147-A177-3AD203B41FA5}">
+                      <a16:colId xmlns:a16="http://schemas.microsoft.com/office/drawing/2014/main" val="35555995"/>
+                    </a:ext>
+                  </a:extLst>
+                </a:gridCol>
+                <a:gridCol w="1598455">
+                  <a:extLst>
+                    <a:ext uri="{9D8B030D-6E8A-4147-A177-3AD203B41FA5}">
+                      <a16:colId xmlns:a16="http://schemas.microsoft.com/office/drawing/2014/main" val="3956983461"/>
+                    </a:ext>
+                  </a:extLst>
+                </a:gridCol>
+                <a:gridCol w="1191231">
+                  <a:extLst>
+                    <a:ext uri="{9D8B030D-6E8A-4147-A177-3AD203B41FA5}">
+                      <a16:colId xmlns:a16="http://schemas.microsoft.com/office/drawing/2014/main" val="2689623778"/>
+                    </a:ext>
+                  </a:extLst>
+                </a:gridCol>
+              </a:tblGrid>
+              <a:tr h="266820">
+                <a:tc>
+                  <a:txBody>
+                    <a:bodyPr/>
+                    <a:lstStyle/>
+                    <a:p>
+                      <a:pPr>
+                        <a:buNone/>
+                      </a:pPr>
+                      <a:r>
+                        <a:rPr lang="en-GB" sz="1400"/>
+                        <a:t>Item</a:t>
+                      </a:r>
+                    </a:p>
+                  </a:txBody>
+                  <a:tcPr anchor="ctr">
+                    <a:lnL w="12700" cap="flat" cmpd="sng" algn="ctr">
+                      <a:solidFill>
+                        <a:schemeClr val="tx1"/>
+                      </a:solidFill>
+                      <a:prstDash val="solid"/>
+                      <a:round/>
+                      <a:headEnd type="none" w="med" len="med"/>
+                      <a:tailEnd type="none" w="med" len="med"/>
+                    </a:lnL>
+                    <a:lnR w="12700" cap="flat" cmpd="sng" algn="ctr">
+                      <a:solidFill>
+                        <a:schemeClr val="tx1"/>
+                      </a:solidFill>
+                      <a:prstDash val="solid"/>
+                      <a:round/>
+                      <a:headEnd type="none" w="med" len="med"/>
+                      <a:tailEnd type="none" w="med" len="med"/>
+                    </a:lnR>
+                    <a:lnT w="12700" cap="flat" cmpd="sng" algn="ctr">
+                      <a:solidFill>
+                        <a:schemeClr val="tx1"/>
+                      </a:solidFill>
+                      <a:prstDash val="solid"/>
+                      <a:round/>
+                      <a:headEnd type="none" w="med" len="med"/>
+                      <a:tailEnd type="none" w="med" len="med"/>
+                    </a:lnT>
+                    <a:lnB w="12700" cap="flat" cmpd="sng" algn="ctr">
+                      <a:solidFill>
+                        <a:schemeClr val="tx1"/>
+                      </a:solidFill>
+                      <a:prstDash val="solid"/>
+                      <a:round/>
+                      <a:headEnd type="none" w="med" len="med"/>
+                      <a:tailEnd type="none" w="med" len="med"/>
+                    </a:lnB>
+                  </a:tcPr>
+                </a:tc>
+                <a:tc>
+                  <a:txBody>
+                    <a:bodyPr/>
+                    <a:lstStyle/>
+                    <a:p>
+                      <a:pPr>
+                        <a:buNone/>
+                      </a:pPr>
+                      <a:r>
+                        <a:rPr lang="en-GB" sz="1400"/>
+                        <a:t>TID-list</a:t>
+                      </a:r>
+                    </a:p>
+                  </a:txBody>
+                  <a:tcPr anchor="ctr">
+                    <a:lnL w="12700" cap="flat" cmpd="sng" algn="ctr">
+                      <a:solidFill>
+                        <a:schemeClr val="tx1"/>
+                      </a:solidFill>
+                      <a:prstDash val="solid"/>
+                      <a:round/>
+                      <a:headEnd type="none" w="med" len="med"/>
+                      <a:tailEnd type="none" w="med" len="med"/>
+                    </a:lnL>
+                    <a:lnR w="12700" cap="flat" cmpd="sng" algn="ctr">
+                      <a:solidFill>
+                        <a:schemeClr val="tx1"/>
+                      </a:solidFill>
+                      <a:prstDash val="solid"/>
+                      <a:round/>
+                      <a:headEnd type="none" w="med" len="med"/>
+                      <a:tailEnd type="none" w="med" len="med"/>
+                    </a:lnR>
+                    <a:lnT w="12700" cap="flat" cmpd="sng" algn="ctr">
+                      <a:solidFill>
+                        <a:schemeClr val="tx1"/>
+                      </a:solidFill>
+                      <a:prstDash val="solid"/>
+                      <a:round/>
+                      <a:headEnd type="none" w="med" len="med"/>
+                      <a:tailEnd type="none" w="med" len="med"/>
+                    </a:lnT>
+                    <a:lnB w="12700" cap="flat" cmpd="sng" algn="ctr">
+                      <a:solidFill>
+                        <a:schemeClr val="tx1"/>
+                      </a:solidFill>
+                      <a:prstDash val="solid"/>
+                      <a:round/>
+                      <a:headEnd type="none" w="med" len="med"/>
+                      <a:tailEnd type="none" w="med" len="med"/>
+                    </a:lnB>
+                  </a:tcPr>
+                </a:tc>
+                <a:tc>
+                  <a:txBody>
+                    <a:bodyPr/>
+                    <a:lstStyle/>
+                    <a:p>
+                      <a:pPr>
+                        <a:buNone/>
+                      </a:pPr>
+                      <a:r>
+                        <a:rPr lang="en-GB" sz="1400"/>
+                        <a:t>Support</a:t>
+                      </a:r>
+                    </a:p>
+                  </a:txBody>
+                  <a:tcPr anchor="ctr">
+                    <a:lnL w="12700" cap="flat" cmpd="sng" algn="ctr">
+                      <a:solidFill>
+                        <a:schemeClr val="tx1"/>
+                      </a:solidFill>
+                      <a:prstDash val="solid"/>
+                      <a:round/>
+                      <a:headEnd type="none" w="med" len="med"/>
+                      <a:tailEnd type="none" w="med" len="med"/>
+                    </a:lnL>
+                    <a:lnR w="12700" cap="flat" cmpd="sng" algn="ctr">
+                      <a:solidFill>
+                        <a:schemeClr val="tx1"/>
+                      </a:solidFill>
+                      <a:prstDash val="solid"/>
+                      <a:round/>
+                      <a:headEnd type="none" w="med" len="med"/>
+                      <a:tailEnd type="none" w="med" len="med"/>
+                    </a:lnR>
+                    <a:lnT w="12700" cap="flat" cmpd="sng" algn="ctr">
+                      <a:solidFill>
+                        <a:schemeClr val="tx1"/>
+                      </a:solidFill>
+                      <a:prstDash val="solid"/>
+                      <a:round/>
+                      <a:headEnd type="none" w="med" len="med"/>
+                      <a:tailEnd type="none" w="med" len="med"/>
+                    </a:lnT>
+                    <a:lnB w="12700" cap="flat" cmpd="sng" algn="ctr">
+                      <a:solidFill>
+                        <a:schemeClr val="tx1"/>
+                      </a:solidFill>
+                      <a:prstDash val="solid"/>
+                      <a:round/>
+                      <a:headEnd type="none" w="med" len="med"/>
+                      <a:tailEnd type="none" w="med" len="med"/>
+                    </a:lnB>
+                  </a:tcPr>
+                </a:tc>
+                <a:extLst>
+                  <a:ext uri="{0D108BD9-81ED-4DB2-BD59-A6C34878D82A}">
+                    <a16:rowId xmlns:a16="http://schemas.microsoft.com/office/drawing/2014/main" val="3731177880"/>
+                  </a:ext>
+                </a:extLst>
+              </a:tr>
+              <a:tr h="266820">
+                <a:tc>
+                  <a:txBody>
+                    <a:bodyPr/>
+                    <a:lstStyle/>
+                    <a:p>
+                      <a:pPr>
+                        <a:buNone/>
+                      </a:pPr>
+                      <a:r>
+                        <a:rPr lang="en-GB" sz="1400"/>
+                        <a:t>Bread</a:t>
+                      </a:r>
+                    </a:p>
+                  </a:txBody>
+                  <a:tcPr anchor="ctr">
+                    <a:lnL w="12700" cap="flat" cmpd="sng" algn="ctr">
+                      <a:solidFill>
+                        <a:schemeClr val="tx1"/>
+                      </a:solidFill>
+                      <a:prstDash val="solid"/>
+                      <a:round/>
+                      <a:headEnd type="none" w="med" len="med"/>
+                      <a:tailEnd type="none" w="med" len="med"/>
+                    </a:lnL>
+                    <a:lnR w="12700" cap="flat" cmpd="sng" algn="ctr">
+                      <a:solidFill>
+                        <a:schemeClr val="tx1"/>
+                      </a:solidFill>
+                      <a:prstDash val="solid"/>
+                      <a:round/>
+                      <a:headEnd type="none" w="med" len="med"/>
+                      <a:tailEnd type="none" w="med" len="med"/>
+                    </a:lnR>
+                    <a:lnT w="12700" cap="flat" cmpd="sng" algn="ctr">
+                      <a:solidFill>
+                        <a:schemeClr val="tx1"/>
+                      </a:solidFill>
+                      <a:prstDash val="solid"/>
+                      <a:round/>
+                      <a:headEnd type="none" w="med" len="med"/>
+                      <a:tailEnd type="none" w="med" len="med"/>
+                    </a:lnT>
+                    <a:lnB w="12700" cap="flat" cmpd="sng" algn="ctr">
+                      <a:solidFill>
+                        <a:schemeClr val="tx1"/>
+                      </a:solidFill>
+                      <a:prstDash val="solid"/>
+                      <a:round/>
+                      <a:headEnd type="none" w="med" len="med"/>
+                      <a:tailEnd type="none" w="med" len="med"/>
+                    </a:lnB>
+                  </a:tcPr>
+                </a:tc>
+                <a:tc>
+                  <a:txBody>
+                    <a:bodyPr/>
+                    <a:lstStyle/>
+                    <a:p>
+                      <a:pPr>
+                        <a:buNone/>
+                      </a:pPr>
+                      <a:r>
+                        <a:rPr lang="en-GB" sz="1400"/>
+                        <a:t>{T1, T2, T4, T5}</a:t>
+                      </a:r>
+                    </a:p>
+                  </a:txBody>
+                  <a:tcPr anchor="ctr">
+                    <a:lnL w="12700" cap="flat" cmpd="sng" algn="ctr">
+                      <a:solidFill>
+                        <a:schemeClr val="tx1"/>
+                      </a:solidFill>
+                      <a:prstDash val="solid"/>
+                      <a:round/>
+                      <a:headEnd type="none" w="med" len="med"/>
+                      <a:tailEnd type="none" w="med" len="med"/>
+                    </a:lnL>
+                    <a:lnR w="12700" cap="flat" cmpd="sng" algn="ctr">
+                      <a:solidFill>
+                        <a:schemeClr val="tx1"/>
+                      </a:solidFill>
+                      <a:prstDash val="solid"/>
+                      <a:round/>
+                      <a:headEnd type="none" w="med" len="med"/>
+                      <a:tailEnd type="none" w="med" len="med"/>
+                    </a:lnR>
+                    <a:lnT w="12700" cap="flat" cmpd="sng" algn="ctr">
+                      <a:solidFill>
+                        <a:schemeClr val="tx1"/>
+                      </a:solidFill>
+                      <a:prstDash val="solid"/>
+                      <a:round/>
+                      <a:headEnd type="none" w="med" len="med"/>
+                      <a:tailEnd type="none" w="med" len="med"/>
+                    </a:lnT>
+                    <a:lnB w="12700" cap="flat" cmpd="sng" algn="ctr">
+                      <a:solidFill>
+                        <a:schemeClr val="tx1"/>
+                      </a:solidFill>
+                      <a:prstDash val="solid"/>
+                      <a:round/>
+                      <a:headEnd type="none" w="med" len="med"/>
+                      <a:tailEnd type="none" w="med" len="med"/>
+                    </a:lnB>
+                  </a:tcPr>
+                </a:tc>
+                <a:tc>
+                  <a:txBody>
+                    <a:bodyPr/>
+                    <a:lstStyle/>
+                    <a:p>
+                      <a:pPr>
+                        <a:buNone/>
+                      </a:pPr>
+                      <a:r>
+                        <a:rPr lang="en-GB" sz="1400" dirty="0"/>
+                        <a:t>4</a:t>
+                      </a:r>
+                    </a:p>
+                  </a:txBody>
+                  <a:tcPr anchor="ctr">
+                    <a:lnL w="12700" cap="flat" cmpd="sng" algn="ctr">
+                      <a:solidFill>
+                        <a:schemeClr val="tx1"/>
+                      </a:solidFill>
+                      <a:prstDash val="solid"/>
+                      <a:round/>
+                      <a:headEnd type="none" w="med" len="med"/>
+                      <a:tailEnd type="none" w="med" len="med"/>
+                    </a:lnL>
+                    <a:lnR w="12700" cap="flat" cmpd="sng" algn="ctr">
+                      <a:solidFill>
+                        <a:schemeClr val="tx1"/>
+                      </a:solidFill>
+                      <a:prstDash val="solid"/>
+                      <a:round/>
+                      <a:headEnd type="none" w="med" len="med"/>
+                      <a:tailEnd type="none" w="med" len="med"/>
+                    </a:lnR>
+                    <a:lnT w="12700" cap="flat" cmpd="sng" algn="ctr">
+                      <a:solidFill>
+                        <a:schemeClr val="tx1"/>
+                      </a:solidFill>
+                      <a:prstDash val="solid"/>
+                      <a:round/>
+                      <a:headEnd type="none" w="med" len="med"/>
+                      <a:tailEnd type="none" w="med" len="med"/>
+                    </a:lnT>
+                    <a:lnB w="12700" cap="flat" cmpd="sng" algn="ctr">
+                      <a:solidFill>
+                        <a:schemeClr val="tx1"/>
+                      </a:solidFill>
+                      <a:prstDash val="solid"/>
+                      <a:round/>
+                      <a:headEnd type="none" w="med" len="med"/>
+                      <a:tailEnd type="none" w="med" len="med"/>
+                    </a:lnB>
+                  </a:tcPr>
+                </a:tc>
+                <a:extLst>
+                  <a:ext uri="{0D108BD9-81ED-4DB2-BD59-A6C34878D82A}">
+                    <a16:rowId xmlns:a16="http://schemas.microsoft.com/office/drawing/2014/main" val="3042075438"/>
+                  </a:ext>
+                </a:extLst>
+              </a:tr>
+              <a:tr h="266820">
+                <a:tc>
+                  <a:txBody>
+                    <a:bodyPr/>
+                    <a:lstStyle/>
+                    <a:p>
+                      <a:pPr>
+                        <a:buNone/>
+                      </a:pPr>
+                      <a:r>
+                        <a:rPr lang="en-GB" sz="1400"/>
+                        <a:t>Milk</a:t>
+                      </a:r>
+                    </a:p>
+                  </a:txBody>
+                  <a:tcPr anchor="ctr">
+                    <a:lnL w="12700" cap="flat" cmpd="sng" algn="ctr">
+                      <a:solidFill>
+                        <a:schemeClr val="tx1"/>
+                      </a:solidFill>
+                      <a:prstDash val="solid"/>
+                      <a:round/>
+                      <a:headEnd type="none" w="med" len="med"/>
+                      <a:tailEnd type="none" w="med" len="med"/>
+                    </a:lnL>
+                    <a:lnR w="12700" cap="flat" cmpd="sng" algn="ctr">
+                      <a:solidFill>
+                        <a:schemeClr val="tx1"/>
+                      </a:solidFill>
+                      <a:prstDash val="solid"/>
+                      <a:round/>
+                      <a:headEnd type="none" w="med" len="med"/>
+                      <a:tailEnd type="none" w="med" len="med"/>
+                    </a:lnR>
+                    <a:lnT w="12700" cap="flat" cmpd="sng" algn="ctr">
+                      <a:solidFill>
+                        <a:schemeClr val="tx1"/>
+                      </a:solidFill>
+                      <a:prstDash val="solid"/>
+                      <a:round/>
+                      <a:headEnd type="none" w="med" len="med"/>
+                      <a:tailEnd type="none" w="med" len="med"/>
+                    </a:lnT>
+                    <a:lnB w="12700" cap="flat" cmpd="sng" algn="ctr">
+                      <a:solidFill>
+                        <a:schemeClr val="tx1"/>
+                      </a:solidFill>
+                      <a:prstDash val="solid"/>
+                      <a:round/>
+                      <a:headEnd type="none" w="med" len="med"/>
+                      <a:tailEnd type="none" w="med" len="med"/>
+                    </a:lnB>
+                  </a:tcPr>
+                </a:tc>
+                <a:tc>
+                  <a:txBody>
+                    <a:bodyPr/>
+                    <a:lstStyle/>
+                    <a:p>
+                      <a:pPr>
+                        <a:buNone/>
+                      </a:pPr>
+                      <a:r>
+                        <a:rPr lang="en-GB" sz="1400"/>
+                        <a:t>{T1, T3, T4, T5}</a:t>
+                      </a:r>
+                    </a:p>
+                  </a:txBody>
+                  <a:tcPr anchor="ctr">
+                    <a:lnL w="12700" cap="flat" cmpd="sng" algn="ctr">
+                      <a:solidFill>
+                        <a:schemeClr val="tx1"/>
+                      </a:solidFill>
+                      <a:prstDash val="solid"/>
+                      <a:round/>
+                      <a:headEnd type="none" w="med" len="med"/>
+                      <a:tailEnd type="none" w="med" len="med"/>
+                    </a:lnL>
+                    <a:lnR w="12700" cap="flat" cmpd="sng" algn="ctr">
+                      <a:solidFill>
+                        <a:schemeClr val="tx1"/>
+                      </a:solidFill>
+                      <a:prstDash val="solid"/>
+                      <a:round/>
+                      <a:headEnd type="none" w="med" len="med"/>
+                      <a:tailEnd type="none" w="med" len="med"/>
+                    </a:lnR>
+                    <a:lnT w="12700" cap="flat" cmpd="sng" algn="ctr">
+                      <a:solidFill>
+                        <a:schemeClr val="tx1"/>
+                      </a:solidFill>
+                      <a:prstDash val="solid"/>
+                      <a:round/>
+                      <a:headEnd type="none" w="med" len="med"/>
+                      <a:tailEnd type="none" w="med" len="med"/>
+                    </a:lnT>
+                    <a:lnB w="12700" cap="flat" cmpd="sng" algn="ctr">
+                      <a:solidFill>
+                        <a:schemeClr val="tx1"/>
+                      </a:solidFill>
+                      <a:prstDash val="solid"/>
+                      <a:round/>
+                      <a:headEnd type="none" w="med" len="med"/>
+                      <a:tailEnd type="none" w="med" len="med"/>
+                    </a:lnB>
+                  </a:tcPr>
+                </a:tc>
+                <a:tc>
+                  <a:txBody>
+                    <a:bodyPr/>
+                    <a:lstStyle/>
+                    <a:p>
+                      <a:pPr>
+                        <a:buNone/>
+                      </a:pPr>
+                      <a:r>
+                        <a:rPr lang="en-GB" sz="1400"/>
+                        <a:t>4</a:t>
+                      </a:r>
+                    </a:p>
+                  </a:txBody>
+                  <a:tcPr anchor="ctr">
+                    <a:lnL w="12700" cap="flat" cmpd="sng" algn="ctr">
+                      <a:solidFill>
+                        <a:schemeClr val="tx1"/>
+                      </a:solidFill>
+                      <a:prstDash val="solid"/>
+                      <a:round/>
+                      <a:headEnd type="none" w="med" len="med"/>
+                      <a:tailEnd type="none" w="med" len="med"/>
+                    </a:lnL>
+                    <a:lnR w="12700" cap="flat" cmpd="sng" algn="ctr">
+                      <a:solidFill>
+                        <a:schemeClr val="tx1"/>
+                      </a:solidFill>
+                      <a:prstDash val="solid"/>
+                      <a:round/>
+                      <a:headEnd type="none" w="med" len="med"/>
+                      <a:tailEnd type="none" w="med" len="med"/>
+                    </a:lnR>
+                    <a:lnT w="12700" cap="flat" cmpd="sng" algn="ctr">
+                      <a:solidFill>
+                        <a:schemeClr val="tx1"/>
+                      </a:solidFill>
+                      <a:prstDash val="solid"/>
+                      <a:round/>
+                      <a:headEnd type="none" w="med" len="med"/>
+                      <a:tailEnd type="none" w="med" len="med"/>
+                    </a:lnT>
+                    <a:lnB w="12700" cap="flat" cmpd="sng" algn="ctr">
+                      <a:solidFill>
+                        <a:schemeClr val="tx1"/>
+                      </a:solidFill>
+                      <a:prstDash val="solid"/>
+                      <a:round/>
+                      <a:headEnd type="none" w="med" len="med"/>
+                      <a:tailEnd type="none" w="med" len="med"/>
+                    </a:lnB>
+                  </a:tcPr>
+                </a:tc>
+                <a:extLst>
+                  <a:ext uri="{0D108BD9-81ED-4DB2-BD59-A6C34878D82A}">
+                    <a16:rowId xmlns:a16="http://schemas.microsoft.com/office/drawing/2014/main" val="368282354"/>
+                  </a:ext>
+                </a:extLst>
+              </a:tr>
+              <a:tr h="266820">
+                <a:tc>
+                  <a:txBody>
+                    <a:bodyPr/>
+                    <a:lstStyle/>
+                    <a:p>
+                      <a:pPr>
+                        <a:buNone/>
+                      </a:pPr>
+                      <a:r>
+                        <a:rPr lang="en-GB" sz="1400"/>
+                        <a:t>Cola</a:t>
+                      </a:r>
+                    </a:p>
+                  </a:txBody>
+                  <a:tcPr anchor="ctr">
+                    <a:lnL w="12700" cap="flat" cmpd="sng" algn="ctr">
+                      <a:solidFill>
+                        <a:schemeClr val="tx1"/>
+                      </a:solidFill>
+                      <a:prstDash val="solid"/>
+                      <a:round/>
+                      <a:headEnd type="none" w="med" len="med"/>
+                      <a:tailEnd type="none" w="med" len="med"/>
+                    </a:lnL>
+                    <a:lnR w="12700" cap="flat" cmpd="sng" algn="ctr">
+                      <a:solidFill>
+                        <a:schemeClr val="tx1"/>
+                      </a:solidFill>
+                      <a:prstDash val="solid"/>
+                      <a:round/>
+                      <a:headEnd type="none" w="med" len="med"/>
+                      <a:tailEnd type="none" w="med" len="med"/>
+                    </a:lnR>
+                    <a:lnT w="12700" cap="flat" cmpd="sng" algn="ctr">
+                      <a:solidFill>
+                        <a:schemeClr val="tx1"/>
+                      </a:solidFill>
+                      <a:prstDash val="solid"/>
+                      <a:round/>
+                      <a:headEnd type="none" w="med" len="med"/>
+                      <a:tailEnd type="none" w="med" len="med"/>
+                    </a:lnT>
+                    <a:lnB w="12700" cap="flat" cmpd="sng" algn="ctr">
+                      <a:solidFill>
+                        <a:schemeClr val="tx1"/>
+                      </a:solidFill>
+                      <a:prstDash val="solid"/>
+                      <a:round/>
+                      <a:headEnd type="none" w="med" len="med"/>
+                      <a:tailEnd type="none" w="med" len="med"/>
+                    </a:lnB>
+                  </a:tcPr>
+                </a:tc>
+                <a:tc>
+                  <a:txBody>
+                    <a:bodyPr/>
+                    <a:lstStyle/>
+                    <a:p>
+                      <a:pPr>
+                        <a:buNone/>
+                      </a:pPr>
+                      <a:r>
+                        <a:rPr lang="en-GB" sz="1400"/>
+                        <a:t>{T2, T3, T4}</a:t>
+                      </a:r>
+                    </a:p>
+                  </a:txBody>
+                  <a:tcPr anchor="ctr">
+                    <a:lnL w="12700" cap="flat" cmpd="sng" algn="ctr">
+                      <a:solidFill>
+                        <a:schemeClr val="tx1"/>
+                      </a:solidFill>
+                      <a:prstDash val="solid"/>
+                      <a:round/>
+                      <a:headEnd type="none" w="med" len="med"/>
+                      <a:tailEnd type="none" w="med" len="med"/>
+                    </a:lnL>
+                    <a:lnR w="12700" cap="flat" cmpd="sng" algn="ctr">
+                      <a:solidFill>
+                        <a:schemeClr val="tx1"/>
+                      </a:solidFill>
+                      <a:prstDash val="solid"/>
+                      <a:round/>
+                      <a:headEnd type="none" w="med" len="med"/>
+                      <a:tailEnd type="none" w="med" len="med"/>
+                    </a:lnR>
+                    <a:lnT w="12700" cap="flat" cmpd="sng" algn="ctr">
+                      <a:solidFill>
+                        <a:schemeClr val="tx1"/>
+                      </a:solidFill>
+                      <a:prstDash val="solid"/>
+                      <a:round/>
+                      <a:headEnd type="none" w="med" len="med"/>
+                      <a:tailEnd type="none" w="med" len="med"/>
+                    </a:lnT>
+                    <a:lnB w="12700" cap="flat" cmpd="sng" algn="ctr">
+                      <a:solidFill>
+                        <a:schemeClr val="tx1"/>
+                      </a:solidFill>
+                      <a:prstDash val="solid"/>
+                      <a:round/>
+                      <a:headEnd type="none" w="med" len="med"/>
+                      <a:tailEnd type="none" w="med" len="med"/>
+                    </a:lnB>
+                  </a:tcPr>
+                </a:tc>
+                <a:tc>
+                  <a:txBody>
+                    <a:bodyPr/>
+                    <a:lstStyle/>
+                    <a:p>
+                      <a:pPr>
+                        <a:buNone/>
+                      </a:pPr>
+                      <a:r>
+                        <a:rPr lang="en-GB" sz="1400"/>
+                        <a:t>3</a:t>
+                      </a:r>
+                    </a:p>
+                  </a:txBody>
+                  <a:tcPr anchor="ctr">
+                    <a:lnL w="12700" cap="flat" cmpd="sng" algn="ctr">
+                      <a:solidFill>
+                        <a:schemeClr val="tx1"/>
+                      </a:solidFill>
+                      <a:prstDash val="solid"/>
+                      <a:round/>
+                      <a:headEnd type="none" w="med" len="med"/>
+                      <a:tailEnd type="none" w="med" len="med"/>
+                    </a:lnL>
+                    <a:lnR w="12700" cap="flat" cmpd="sng" algn="ctr">
+                      <a:solidFill>
+                        <a:schemeClr val="tx1"/>
+                      </a:solidFill>
+                      <a:prstDash val="solid"/>
+                      <a:round/>
+                      <a:headEnd type="none" w="med" len="med"/>
+                      <a:tailEnd type="none" w="med" len="med"/>
+                    </a:lnR>
+                    <a:lnT w="12700" cap="flat" cmpd="sng" algn="ctr">
+                      <a:solidFill>
+                        <a:schemeClr val="tx1"/>
+                      </a:solidFill>
+                      <a:prstDash val="solid"/>
+                      <a:round/>
+                      <a:headEnd type="none" w="med" len="med"/>
+                      <a:tailEnd type="none" w="med" len="med"/>
+                    </a:lnT>
+                    <a:lnB w="12700" cap="flat" cmpd="sng" algn="ctr">
+                      <a:solidFill>
+                        <a:schemeClr val="tx1"/>
+                      </a:solidFill>
+                      <a:prstDash val="solid"/>
+                      <a:round/>
+                      <a:headEnd type="none" w="med" len="med"/>
+                      <a:tailEnd type="none" w="med" len="med"/>
+                    </a:lnB>
+                  </a:tcPr>
+                </a:tc>
+                <a:extLst>
+                  <a:ext uri="{0D108BD9-81ED-4DB2-BD59-A6C34878D82A}">
+                    <a16:rowId xmlns:a16="http://schemas.microsoft.com/office/drawing/2014/main" val="3633014095"/>
+                  </a:ext>
+                </a:extLst>
+              </a:tr>
+              <a:tr h="266820">
+                <a:tc>
+                  <a:txBody>
+                    <a:bodyPr/>
+                    <a:lstStyle/>
+                    <a:p>
+                      <a:pPr>
+                        <a:buNone/>
+                      </a:pPr>
+                      <a:r>
+                        <a:rPr lang="en-GB" sz="1400"/>
+                        <a:t>Eggs</a:t>
+                      </a:r>
+                    </a:p>
+                  </a:txBody>
+                  <a:tcPr anchor="ctr">
+                    <a:lnL w="12700" cap="flat" cmpd="sng" algn="ctr">
+                      <a:solidFill>
+                        <a:schemeClr val="tx1"/>
+                      </a:solidFill>
+                      <a:prstDash val="solid"/>
+                      <a:round/>
+                      <a:headEnd type="none" w="med" len="med"/>
+                      <a:tailEnd type="none" w="med" len="med"/>
+                    </a:lnL>
+                    <a:lnR w="12700" cap="flat" cmpd="sng" algn="ctr">
+                      <a:solidFill>
+                        <a:schemeClr val="tx1"/>
+                      </a:solidFill>
+                      <a:prstDash val="solid"/>
+                      <a:round/>
+                      <a:headEnd type="none" w="med" len="med"/>
+                      <a:tailEnd type="none" w="med" len="med"/>
+                    </a:lnR>
+                    <a:lnT w="12700" cap="flat" cmpd="sng" algn="ctr">
+                      <a:solidFill>
+                        <a:schemeClr val="tx1"/>
+                      </a:solidFill>
+                      <a:prstDash val="solid"/>
+                      <a:round/>
+                      <a:headEnd type="none" w="med" len="med"/>
+                      <a:tailEnd type="none" w="med" len="med"/>
+                    </a:lnT>
+                    <a:lnB w="12700" cap="flat" cmpd="sng" algn="ctr">
+                      <a:solidFill>
+                        <a:schemeClr val="tx1"/>
+                      </a:solidFill>
+                      <a:prstDash val="solid"/>
+                      <a:round/>
+                      <a:headEnd type="none" w="med" len="med"/>
+                      <a:tailEnd type="none" w="med" len="med"/>
+                    </a:lnB>
+                  </a:tcPr>
+                </a:tc>
+                <a:tc>
+                  <a:txBody>
+                    <a:bodyPr/>
+                    <a:lstStyle/>
+                    <a:p>
+                      <a:pPr>
+                        <a:buNone/>
+                      </a:pPr>
+                      <a:r>
+                        <a:rPr lang="en-GB" sz="1400"/>
+                        <a:t>{T2, T3, T5}</a:t>
+                      </a:r>
+                    </a:p>
+                  </a:txBody>
+                  <a:tcPr anchor="ctr">
+                    <a:lnL w="12700" cap="flat" cmpd="sng" algn="ctr">
+                      <a:solidFill>
+                        <a:schemeClr val="tx1"/>
+                      </a:solidFill>
+                      <a:prstDash val="solid"/>
+                      <a:round/>
+                      <a:headEnd type="none" w="med" len="med"/>
+                      <a:tailEnd type="none" w="med" len="med"/>
+                    </a:lnL>
+                    <a:lnR w="12700" cap="flat" cmpd="sng" algn="ctr">
+                      <a:solidFill>
+                        <a:schemeClr val="tx1"/>
+                      </a:solidFill>
+                      <a:prstDash val="solid"/>
+                      <a:round/>
+                      <a:headEnd type="none" w="med" len="med"/>
+                      <a:tailEnd type="none" w="med" len="med"/>
+                    </a:lnR>
+                    <a:lnT w="12700" cap="flat" cmpd="sng" algn="ctr">
+                      <a:solidFill>
+                        <a:schemeClr val="tx1"/>
+                      </a:solidFill>
+                      <a:prstDash val="solid"/>
+                      <a:round/>
+                      <a:headEnd type="none" w="med" len="med"/>
+                      <a:tailEnd type="none" w="med" len="med"/>
+                    </a:lnT>
+                    <a:lnB w="12700" cap="flat" cmpd="sng" algn="ctr">
+                      <a:solidFill>
+                        <a:schemeClr val="tx1"/>
+                      </a:solidFill>
+                      <a:prstDash val="solid"/>
+                      <a:round/>
+                      <a:headEnd type="none" w="med" len="med"/>
+                      <a:tailEnd type="none" w="med" len="med"/>
+                    </a:lnB>
+                  </a:tcPr>
+                </a:tc>
+                <a:tc>
+                  <a:txBody>
+                    <a:bodyPr/>
+                    <a:lstStyle/>
+                    <a:p>
+                      <a:pPr>
+                        <a:buNone/>
+                      </a:pPr>
+                      <a:r>
+                        <a:rPr lang="en-GB" sz="1400" dirty="0"/>
+                        <a:t>3</a:t>
+                      </a:r>
+                    </a:p>
+                  </a:txBody>
+                  <a:tcPr anchor="ctr">
+                    <a:lnL w="12700" cap="flat" cmpd="sng" algn="ctr">
+                      <a:solidFill>
+                        <a:schemeClr val="tx1"/>
+                      </a:solidFill>
+                      <a:prstDash val="solid"/>
+                      <a:round/>
+                      <a:headEnd type="none" w="med" len="med"/>
+                      <a:tailEnd type="none" w="med" len="med"/>
+                    </a:lnL>
+                    <a:lnR w="12700" cap="flat" cmpd="sng" algn="ctr">
+                      <a:solidFill>
+                        <a:schemeClr val="tx1"/>
+                      </a:solidFill>
+                      <a:prstDash val="solid"/>
+                      <a:round/>
+                      <a:headEnd type="none" w="med" len="med"/>
+                      <a:tailEnd type="none" w="med" len="med"/>
+                    </a:lnR>
+                    <a:lnT w="12700" cap="flat" cmpd="sng" algn="ctr">
+                      <a:solidFill>
+                        <a:schemeClr val="tx1"/>
+                      </a:solidFill>
+                      <a:prstDash val="solid"/>
+                      <a:round/>
+                      <a:headEnd type="none" w="med" len="med"/>
+                      <a:tailEnd type="none" w="med" len="med"/>
+                    </a:lnT>
+                    <a:lnB w="12700" cap="flat" cmpd="sng" algn="ctr">
+                      <a:solidFill>
+                        <a:schemeClr val="tx1"/>
+                      </a:solidFill>
+                      <a:prstDash val="solid"/>
+                      <a:round/>
+                      <a:headEnd type="none" w="med" len="med"/>
+                      <a:tailEnd type="none" w="med" len="med"/>
+                    </a:lnB>
+                  </a:tcPr>
+                </a:tc>
+                <a:extLst>
+                  <a:ext uri="{0D108BD9-81ED-4DB2-BD59-A6C34878D82A}">
+                    <a16:rowId xmlns:a16="http://schemas.microsoft.com/office/drawing/2014/main" val="794353881"/>
+                  </a:ext>
+                </a:extLst>
+              </a:tr>
+            </a:tbl>
+          </a:graphicData>
+        </a:graphic>
+      </p:graphicFrame>
+      <p:sp>
+        <p:nvSpPr>
+          <p:cNvPr id="10" name="TextBox 9">
+            <a:extLst>
+              <a:ext uri="{FF2B5EF4-FFF2-40B4-BE49-F238E27FC236}">
+                <a16:creationId xmlns:a16="http://schemas.microsoft.com/office/drawing/2014/main" id="{35A3A740-13DB-BC97-49B2-097750C3ADE9}"/>
+              </a:ext>
+            </a:extLst>
+          </p:cNvPr>
+          <p:cNvSpPr txBox="1"/>
+          <p:nvPr/>
+        </p:nvSpPr>
+        <p:spPr>
+          <a:xfrm>
+            <a:off x="137373" y="6093675"/>
+            <a:ext cx="3573693" cy="307777"/>
+          </a:xfrm>
+          <a:prstGeom prst="rect">
+            <a:avLst/>
+          </a:prstGeom>
+          <a:noFill/>
+        </p:spPr>
+        <p:txBody>
+          <a:bodyPr wrap="square" rtlCol="0">
+            <a:spAutoFit/>
+          </a:bodyPr>
+          <a:lstStyle/>
+          <a:p>
+            <a:r>
+              <a:rPr lang="en-IN" sz="1400" dirty="0">
+                <a:solidFill>
+                  <a:srgbClr val="FF0000"/>
+                </a:solidFill>
+              </a:rPr>
+              <a:t>Key point: The only database scan needed</a:t>
+            </a:r>
+            <a:endParaRPr lang="en-GB" sz="1400" dirty="0">
+              <a:solidFill>
+                <a:srgbClr val="FF0000"/>
+              </a:solidFill>
+            </a:endParaRPr>
+          </a:p>
+        </p:txBody>
+      </p:sp>
+      <p:sp>
+        <p:nvSpPr>
+          <p:cNvPr id="11" name="TextBox 10">
+            <a:extLst>
+              <a:ext uri="{FF2B5EF4-FFF2-40B4-BE49-F238E27FC236}">
+                <a16:creationId xmlns:a16="http://schemas.microsoft.com/office/drawing/2014/main" id="{A9B51B20-3983-EED5-7B5E-7B6F0FAD5086}"/>
+              </a:ext>
+            </a:extLst>
+          </p:cNvPr>
+          <p:cNvSpPr txBox="1"/>
+          <p:nvPr/>
+        </p:nvSpPr>
+        <p:spPr>
+          <a:xfrm>
+            <a:off x="4121634" y="205009"/>
+            <a:ext cx="2547174" cy="307777"/>
+          </a:xfrm>
+          <a:prstGeom prst="rect">
+            <a:avLst/>
+          </a:prstGeom>
+          <a:noFill/>
+        </p:spPr>
+        <p:txBody>
+          <a:bodyPr wrap="square" rtlCol="0">
+            <a:spAutoFit/>
+          </a:bodyPr>
+          <a:lstStyle/>
+          <a:p>
+            <a:pPr algn="ctr"/>
+            <a:r>
+              <a:rPr lang="en-IN" sz="1400" dirty="0"/>
+              <a:t>Step 1: Frequent 1-itemsets (L1)</a:t>
+            </a:r>
+            <a:endParaRPr lang="en-GB" sz="1400" dirty="0"/>
+          </a:p>
+        </p:txBody>
+      </p:sp>
+      <p:sp>
+        <p:nvSpPr>
+          <p:cNvPr id="12" name="TextBox 11">
+            <a:extLst>
+              <a:ext uri="{FF2B5EF4-FFF2-40B4-BE49-F238E27FC236}">
+                <a16:creationId xmlns:a16="http://schemas.microsoft.com/office/drawing/2014/main" id="{FB6C445C-8EED-E7F7-7D0F-BBA592858957}"/>
+              </a:ext>
+            </a:extLst>
+          </p:cNvPr>
+          <p:cNvSpPr txBox="1"/>
+          <p:nvPr/>
+        </p:nvSpPr>
+        <p:spPr>
+          <a:xfrm>
+            <a:off x="3977816" y="694324"/>
+            <a:ext cx="3086100" cy="738664"/>
+          </a:xfrm>
+          <a:prstGeom prst="rect">
+            <a:avLst/>
+          </a:prstGeom>
+          <a:solidFill>
+            <a:schemeClr val="accent2">
+              <a:lumMod val="40000"/>
+              <a:lumOff val="60000"/>
+            </a:schemeClr>
+          </a:solidFill>
+        </p:spPr>
+        <p:txBody>
+          <a:bodyPr wrap="square" rtlCol="0">
+            <a:spAutoFit/>
+          </a:bodyPr>
+          <a:lstStyle/>
+          <a:p>
+            <a:pPr algn="ctr"/>
+            <a:r>
+              <a:rPr lang="en-US" sz="1400" dirty="0"/>
+              <a:t>All items satisfy min support ≥ 3</a:t>
+            </a:r>
+          </a:p>
+          <a:p>
+            <a:pPr algn="ctr"/>
+            <a:endParaRPr lang="en-US" sz="1400" dirty="0"/>
+          </a:p>
+          <a:p>
+            <a:pPr algn="ctr"/>
+            <a:r>
+              <a:rPr lang="en-GB" sz="1400" dirty="0"/>
+              <a:t>L1 = {Bread}, {Milk}, {Cola}, {Eggs}</a:t>
+            </a:r>
+          </a:p>
+        </p:txBody>
+      </p:sp>
+      <p:sp>
+        <p:nvSpPr>
+          <p:cNvPr id="17" name="TextBox 16">
+            <a:extLst>
+              <a:ext uri="{FF2B5EF4-FFF2-40B4-BE49-F238E27FC236}">
+                <a16:creationId xmlns:a16="http://schemas.microsoft.com/office/drawing/2014/main" id="{35033F16-998A-692A-484A-C69A0431CD1C}"/>
+              </a:ext>
+            </a:extLst>
+          </p:cNvPr>
+          <p:cNvSpPr txBox="1"/>
+          <p:nvPr/>
+        </p:nvSpPr>
+        <p:spPr>
+          <a:xfrm>
+            <a:off x="7325523" y="183987"/>
+            <a:ext cx="2547174" cy="523220"/>
+          </a:xfrm>
+          <a:prstGeom prst="rect">
+            <a:avLst/>
+          </a:prstGeom>
+          <a:noFill/>
+        </p:spPr>
+        <p:txBody>
+          <a:bodyPr wrap="square" rtlCol="0">
+            <a:spAutoFit/>
+          </a:bodyPr>
+          <a:lstStyle/>
+          <a:p>
+            <a:pPr algn="ctr"/>
+            <a:r>
+              <a:rPr lang="en-IN" sz="1400" dirty="0"/>
+              <a:t>Step 2: Frequent 2-itemsets </a:t>
+            </a:r>
+          </a:p>
+          <a:p>
+            <a:pPr algn="ctr"/>
+            <a:r>
+              <a:rPr lang="en-IN" sz="1400" dirty="0"/>
+              <a:t>(TID intersection)</a:t>
+            </a:r>
+            <a:endParaRPr lang="en-GB" sz="1400" dirty="0"/>
+          </a:p>
+        </p:txBody>
+      </p:sp>
+      <p:sp>
+        <p:nvSpPr>
+          <p:cNvPr id="18" name="TextBox 17">
+            <a:extLst>
+              <a:ext uri="{FF2B5EF4-FFF2-40B4-BE49-F238E27FC236}">
+                <a16:creationId xmlns:a16="http://schemas.microsoft.com/office/drawing/2014/main" id="{404FF4A3-0947-9BE2-0C80-BC74BFC7F350}"/>
+              </a:ext>
+            </a:extLst>
+          </p:cNvPr>
+          <p:cNvSpPr txBox="1"/>
+          <p:nvPr/>
+        </p:nvSpPr>
+        <p:spPr>
+          <a:xfrm>
+            <a:off x="7181704" y="707207"/>
+            <a:ext cx="3086100" cy="5693866"/>
+          </a:xfrm>
+          <a:prstGeom prst="rect">
+            <a:avLst/>
+          </a:prstGeom>
+          <a:solidFill>
+            <a:schemeClr val="accent2">
+              <a:lumMod val="40000"/>
+              <a:lumOff val="60000"/>
+            </a:schemeClr>
+          </a:solidFill>
+        </p:spPr>
+        <p:txBody>
+          <a:bodyPr wrap="square" rtlCol="0">
+            <a:spAutoFit/>
+          </a:bodyPr>
+          <a:lstStyle/>
+          <a:p>
+            <a:r>
+              <a:rPr lang="en-IN" sz="1400" dirty="0"/>
+              <a:t>{Bread, Milk}</a:t>
+            </a:r>
+          </a:p>
+          <a:p>
+            <a:r>
+              <a:rPr lang="fr-FR" sz="1400" dirty="0" err="1"/>
+              <a:t>Bread</a:t>
+            </a:r>
+            <a:r>
+              <a:rPr lang="fr-FR" sz="1400" dirty="0"/>
+              <a:t>  → {T1, T2, T4, T5}</a:t>
+            </a:r>
+          </a:p>
+          <a:p>
+            <a:r>
+              <a:rPr lang="fr-FR" sz="1400" dirty="0"/>
+              <a:t>Milk   → {T1, T3, T4, T5}</a:t>
+            </a:r>
+          </a:p>
+          <a:p>
+            <a:r>
+              <a:rPr lang="fr-FR" sz="1400" dirty="0"/>
+              <a:t>----------------------------------</a:t>
+            </a:r>
+          </a:p>
+          <a:p>
+            <a:r>
+              <a:rPr lang="fr-FR" sz="1400" dirty="0"/>
+              <a:t>Intersection = {T1, T4, T5}</a:t>
+            </a:r>
+          </a:p>
+          <a:p>
+            <a:r>
+              <a:rPr lang="fr-FR" sz="1400" dirty="0"/>
+              <a:t>Support = 3 (Ok)</a:t>
+            </a:r>
+          </a:p>
+          <a:p>
+            <a:endParaRPr lang="fr-FR" sz="1400" dirty="0"/>
+          </a:p>
+          <a:p>
+            <a:r>
+              <a:rPr lang="fr-FR" sz="1400" dirty="0"/>
+              <a:t>{</a:t>
+            </a:r>
+            <a:r>
+              <a:rPr lang="fr-FR" sz="1400" dirty="0" err="1"/>
+              <a:t>Bread</a:t>
+            </a:r>
+            <a:r>
+              <a:rPr lang="fr-FR" sz="1400" dirty="0"/>
+              <a:t>, Cola}</a:t>
+            </a:r>
+          </a:p>
+          <a:p>
+            <a:r>
+              <a:rPr lang="fr-FR" sz="1400" dirty="0"/>
+              <a:t>{T1, T2, T4, T5} ∩ {T2, T3, T4} = {T2, T4}</a:t>
+            </a:r>
+          </a:p>
+          <a:p>
+            <a:r>
+              <a:rPr lang="fr-FR" sz="1400" dirty="0"/>
+              <a:t>Support = 2 (Not ok)</a:t>
+            </a:r>
+          </a:p>
+          <a:p>
+            <a:endParaRPr lang="fr-FR" sz="1400" dirty="0"/>
+          </a:p>
+          <a:p>
+            <a:r>
+              <a:rPr lang="fr-FR" sz="1400" dirty="0"/>
+              <a:t>{Milk, Cola}</a:t>
+            </a:r>
+          </a:p>
+          <a:p>
+            <a:r>
+              <a:rPr lang="fr-FR" sz="1400" dirty="0"/>
+              <a:t>{T1, T3, T4, T5} ∩ {T2, T3, T4} = {T3, T4}</a:t>
+            </a:r>
+          </a:p>
+          <a:p>
+            <a:r>
+              <a:rPr lang="fr-FR" sz="1400" dirty="0"/>
+              <a:t>Support = 2 (Not ok)</a:t>
+            </a:r>
+          </a:p>
+          <a:p>
+            <a:endParaRPr lang="fr-FR" sz="1400" dirty="0"/>
+          </a:p>
+          <a:p>
+            <a:r>
+              <a:rPr lang="fr-FR" sz="1400" dirty="0"/>
+              <a:t>{</a:t>
+            </a:r>
+            <a:r>
+              <a:rPr lang="fr-FR" sz="1400" dirty="0" err="1"/>
+              <a:t>Bread</a:t>
+            </a:r>
+            <a:r>
+              <a:rPr lang="fr-FR" sz="1400" dirty="0"/>
+              <a:t>, </a:t>
+            </a:r>
+            <a:r>
+              <a:rPr lang="fr-FR" sz="1400" dirty="0" err="1"/>
+              <a:t>Eggs</a:t>
+            </a:r>
+            <a:r>
+              <a:rPr lang="fr-FR" sz="1400" dirty="0"/>
+              <a:t>}</a:t>
+            </a:r>
+          </a:p>
+          <a:p>
+            <a:r>
+              <a:rPr lang="fr-FR" sz="1400" dirty="0"/>
+              <a:t>{T1, T2, T4, T5} ∩ {T2, T3, T5} = {T2, T5}</a:t>
+            </a:r>
+          </a:p>
+          <a:p>
+            <a:r>
+              <a:rPr lang="fr-FR" sz="1400" dirty="0"/>
+              <a:t>Support = 2 (Not ok)</a:t>
+            </a:r>
+          </a:p>
+          <a:p>
+            <a:endParaRPr lang="fr-FR" sz="1400" dirty="0"/>
+          </a:p>
+          <a:p>
+            <a:r>
+              <a:rPr lang="fr-FR" sz="1400" dirty="0"/>
+              <a:t>{Milk, </a:t>
+            </a:r>
+            <a:r>
+              <a:rPr lang="fr-FR" sz="1400" dirty="0" err="1"/>
+              <a:t>Eggs</a:t>
+            </a:r>
+            <a:r>
+              <a:rPr lang="fr-FR" sz="1400" dirty="0"/>
+              <a:t>}</a:t>
+            </a:r>
+          </a:p>
+          <a:p>
+            <a:r>
+              <a:rPr lang="fr-FR" sz="1400" dirty="0"/>
+              <a:t>{T1, T3, T4, T5} ∩ {T2, T3, T5} = {T3, T5}</a:t>
+            </a:r>
+          </a:p>
+          <a:p>
+            <a:r>
+              <a:rPr lang="fr-FR" sz="1400" dirty="0"/>
+              <a:t>Support = 2 </a:t>
+            </a:r>
+          </a:p>
+          <a:p>
+            <a:endParaRPr lang="fr-FR" sz="1400" dirty="0"/>
+          </a:p>
+          <a:p>
+            <a:r>
+              <a:rPr lang="fr-FR" sz="1400" dirty="0"/>
+              <a:t>{Cola, </a:t>
+            </a:r>
+            <a:r>
+              <a:rPr lang="fr-FR" sz="1400" dirty="0" err="1"/>
+              <a:t>Eggs</a:t>
+            </a:r>
+            <a:r>
+              <a:rPr lang="fr-FR" sz="1400" dirty="0"/>
+              <a:t>}</a:t>
+            </a:r>
+          </a:p>
+          <a:p>
+            <a:r>
+              <a:rPr lang="fr-FR" sz="1400" dirty="0"/>
+              <a:t>{T2, T3, T4} ∩ {T2, T3, T5} = {T2, T3}</a:t>
+            </a:r>
+          </a:p>
+          <a:p>
+            <a:r>
+              <a:rPr lang="fr-FR" sz="1400" dirty="0"/>
+              <a:t>Support = 2 (Not ok)</a:t>
+            </a:r>
+            <a:endParaRPr lang="en-GB" sz="1400" dirty="0"/>
+          </a:p>
+        </p:txBody>
+      </p:sp>
+      <p:sp>
+        <p:nvSpPr>
+          <p:cNvPr id="19" name="TextBox 18">
+            <a:extLst>
+              <a:ext uri="{FF2B5EF4-FFF2-40B4-BE49-F238E27FC236}">
+                <a16:creationId xmlns:a16="http://schemas.microsoft.com/office/drawing/2014/main" id="{A163A566-4A52-4EA7-E96E-7CFC449116CF}"/>
+              </a:ext>
+            </a:extLst>
+          </p:cNvPr>
+          <p:cNvSpPr txBox="1"/>
+          <p:nvPr/>
+        </p:nvSpPr>
+        <p:spPr>
+          <a:xfrm>
+            <a:off x="4302729" y="3593365"/>
+            <a:ext cx="1975383" cy="1815882"/>
+          </a:xfrm>
+          <a:prstGeom prst="rect">
+            <a:avLst/>
+          </a:prstGeom>
+          <a:solidFill>
+            <a:schemeClr val="accent6">
+              <a:lumMod val="20000"/>
+              <a:lumOff val="80000"/>
+            </a:schemeClr>
+          </a:solidFill>
+        </p:spPr>
+        <p:txBody>
+          <a:bodyPr wrap="square" rtlCol="0">
+            <a:spAutoFit/>
+          </a:bodyPr>
+          <a:lstStyle/>
+          <a:p>
+            <a:r>
+              <a:rPr lang="en-IN" sz="1400" dirty="0"/>
+              <a:t>L1</a:t>
+            </a:r>
+          </a:p>
+          <a:p>
+            <a:pPr marL="285750" indent="-285750">
+              <a:buFontTx/>
+              <a:buChar char="-"/>
+            </a:pPr>
+            <a:r>
+              <a:rPr lang="en-IN" sz="1400" dirty="0"/>
+              <a:t>{Bread} (4)</a:t>
+            </a:r>
+          </a:p>
+          <a:p>
+            <a:pPr marL="285750" indent="-285750">
+              <a:buFontTx/>
+              <a:buChar char="-"/>
+            </a:pPr>
+            <a:r>
+              <a:rPr lang="en-IN" sz="1400" dirty="0"/>
+              <a:t>{Milk} (4)</a:t>
+            </a:r>
+          </a:p>
+          <a:p>
+            <a:pPr marL="285750" indent="-285750">
+              <a:buFontTx/>
+              <a:buChar char="-"/>
+            </a:pPr>
+            <a:r>
+              <a:rPr lang="en-IN" sz="1400" dirty="0"/>
+              <a:t>{Cola} (4)</a:t>
+            </a:r>
+          </a:p>
+          <a:p>
+            <a:pPr marL="285750" indent="-285750">
+              <a:buFontTx/>
+              <a:buChar char="-"/>
+            </a:pPr>
+            <a:r>
+              <a:rPr lang="en-IN" sz="1400" dirty="0"/>
+              <a:t>{Eggs} (4)</a:t>
+            </a:r>
+          </a:p>
+          <a:p>
+            <a:endParaRPr lang="en-IN" sz="1400" dirty="0"/>
+          </a:p>
+          <a:p>
+            <a:r>
+              <a:rPr lang="en-IN" sz="1400" dirty="0"/>
+              <a:t>L2</a:t>
+            </a:r>
+          </a:p>
+          <a:p>
+            <a:pPr marL="285750" indent="-285750">
+              <a:buFontTx/>
+              <a:buChar char="-"/>
+            </a:pPr>
+            <a:r>
+              <a:rPr lang="en-IN" sz="1400" dirty="0"/>
+              <a:t>{Bread, Milk} (3)</a:t>
+            </a:r>
+          </a:p>
+        </p:txBody>
+      </p:sp>
+      <p:sp>
+        <p:nvSpPr>
+          <p:cNvPr id="20" name="TextBox 19">
+            <a:extLst>
+              <a:ext uri="{FF2B5EF4-FFF2-40B4-BE49-F238E27FC236}">
+                <a16:creationId xmlns:a16="http://schemas.microsoft.com/office/drawing/2014/main" id="{44AF72D0-653A-6B53-5130-115F82D56124}"/>
+              </a:ext>
+            </a:extLst>
+          </p:cNvPr>
+          <p:cNvSpPr txBox="1"/>
+          <p:nvPr/>
+        </p:nvSpPr>
+        <p:spPr>
+          <a:xfrm>
+            <a:off x="3977816" y="3189981"/>
+            <a:ext cx="2547174" cy="307777"/>
+          </a:xfrm>
+          <a:prstGeom prst="rect">
+            <a:avLst/>
+          </a:prstGeom>
+          <a:noFill/>
+        </p:spPr>
+        <p:txBody>
+          <a:bodyPr wrap="square" rtlCol="0">
+            <a:spAutoFit/>
+          </a:bodyPr>
+          <a:lstStyle/>
+          <a:p>
+            <a:pPr algn="ctr"/>
+            <a:r>
+              <a:rPr lang="en-IN" sz="1400" dirty="0"/>
+              <a:t>Step 3: Frequent </a:t>
+            </a:r>
+            <a:r>
+              <a:rPr lang="en-IN" sz="1400" dirty="0" err="1"/>
+              <a:t>itemsets</a:t>
+            </a:r>
+            <a:r>
+              <a:rPr lang="en-IN" sz="1400" dirty="0"/>
+              <a:t> found</a:t>
+            </a:r>
+          </a:p>
+        </p:txBody>
+      </p:sp>
+    </p:spTree>
+    <p:extLst>
+      <p:ext uri="{BB962C8B-B14F-4D97-AF65-F5344CB8AC3E}">
+        <p14:creationId xmlns:p14="http://schemas.microsoft.com/office/powerpoint/2010/main" val="1171273204"/>
+      </p:ext>
+    </p:extLst>
+  </p:cSld>
+  <p:clrMapOvr>
+    <a:masterClrMapping/>
+  </p:clrMapOvr>
+</p:sld>
+</file>
+
+<file path=ppt/slides/slide11.xml><?xml version="1.0" encoding="utf-8"?>
+<p:sld xmlns:a="http://schemas.openxmlformats.org/drawingml/2006/main" xmlns:r="http://schemas.openxmlformats.org/officeDocument/2006/relationships" xmlns:p="http://schemas.openxmlformats.org/presentationml/2006/main">
+  <p:cSld>
+    <p:spTree>
+      <p:nvGrpSpPr>
+        <p:cNvPr id="1" name=""/>
+        <p:cNvGrpSpPr/>
+        <p:nvPr/>
+      </p:nvGrpSpPr>
+      <p:grpSpPr>
+        <a:xfrm>
+          <a:off x="0" y="0"/>
+          <a:ext cx="0" cy="0"/>
+          <a:chOff x="0" y="0"/>
+          <a:chExt cx="0" cy="0"/>
+        </a:xfrm>
+      </p:grpSpPr>
+      <p:sp>
+        <p:nvSpPr>
           <p:cNvPr id="2" name="Title 1">
             <a:extLst>
               <a:ext uri="{FF2B5EF4-FFF2-40B4-BE49-F238E27FC236}">
@@ -4933,6 +7309,4269 @@
     <p:extLst>
       <p:ext uri="{BB962C8B-B14F-4D97-AF65-F5344CB8AC3E}">
         <p14:creationId xmlns:p14="http://schemas.microsoft.com/office/powerpoint/2010/main" val="1198441845"/>
+      </p:ext>
+    </p:extLst>
+  </p:cSld>
+  <p:clrMapOvr>
+    <a:masterClrMapping/>
+  </p:clrMapOvr>
+</p:sld>
+</file>
+
+<file path=ppt/slides/slide12.xml><?xml version="1.0" encoding="utf-8"?>
+<p:sld xmlns:a="http://schemas.openxmlformats.org/drawingml/2006/main" xmlns:r="http://schemas.openxmlformats.org/officeDocument/2006/relationships" xmlns:p="http://schemas.openxmlformats.org/presentationml/2006/main">
+  <p:cSld>
+    <p:spTree>
+      <p:nvGrpSpPr>
+        <p:cNvPr id="1" name=""/>
+        <p:cNvGrpSpPr/>
+        <p:nvPr/>
+      </p:nvGrpSpPr>
+      <p:grpSpPr>
+        <a:xfrm>
+          <a:off x="0" y="0"/>
+          <a:ext cx="0" cy="0"/>
+          <a:chOff x="0" y="0"/>
+          <a:chExt cx="0" cy="0"/>
+        </a:xfrm>
+      </p:grpSpPr>
+      <p:sp>
+        <p:nvSpPr>
+          <p:cNvPr id="2" name="Title 1">
+            <a:extLst>
+              <a:ext uri="{FF2B5EF4-FFF2-40B4-BE49-F238E27FC236}">
+                <a16:creationId xmlns:a16="http://schemas.microsoft.com/office/drawing/2014/main" id="{3B43EC0E-472D-AFEE-75B3-05DCCF1900DD}"/>
+              </a:ext>
+            </a:extLst>
+          </p:cNvPr>
+          <p:cNvSpPr>
+            <a:spLocks noGrp="1"/>
+          </p:cNvSpPr>
+          <p:nvPr>
+            <p:ph type="title"/>
+          </p:nvPr>
+        </p:nvSpPr>
+        <p:spPr/>
+        <p:txBody>
+          <a:bodyPr/>
+          <a:lstStyle/>
+          <a:p>
+            <a:r>
+              <a:rPr lang="en-IN" dirty="0"/>
+              <a:t>Techniques Compared</a:t>
+            </a:r>
+            <a:endParaRPr lang="en-GB" dirty="0"/>
+          </a:p>
+        </p:txBody>
+      </p:sp>
+      <p:graphicFrame>
+        <p:nvGraphicFramePr>
+          <p:cNvPr id="4" name="Content Placeholder 3">
+            <a:extLst>
+              <a:ext uri="{FF2B5EF4-FFF2-40B4-BE49-F238E27FC236}">
+                <a16:creationId xmlns:a16="http://schemas.microsoft.com/office/drawing/2014/main" id="{0DA259EA-B4ED-055D-4A1E-47AD03A34541}"/>
+              </a:ext>
+            </a:extLst>
+          </p:cNvPr>
+          <p:cNvGraphicFramePr>
+            <a:graphicFrameLocks noGrp="1"/>
+          </p:cNvGraphicFramePr>
+          <p:nvPr>
+            <p:ph idx="1"/>
+            <p:extLst>
+              <p:ext uri="{D42A27DB-BD31-4B8C-83A1-F6EECF244321}">
+                <p14:modId xmlns:p14="http://schemas.microsoft.com/office/powerpoint/2010/main" val="2810851022"/>
+              </p:ext>
+            </p:extLst>
+          </p:nvPr>
+        </p:nvGraphicFramePr>
+        <p:xfrm>
+          <a:off x="712556" y="1690688"/>
+          <a:ext cx="10515603" cy="3383280"/>
+        </p:xfrm>
+        <a:graphic>
+          <a:graphicData uri="http://schemas.openxmlformats.org/drawingml/2006/table">
+            <a:tbl>
+              <a:tblPr firstRow="1">
+                <a:tableStyleId>{72833802-FEF1-4C79-8D5D-14CF1EAF98D9}</a:tableStyleId>
+              </a:tblPr>
+              <a:tblGrid>
+                <a:gridCol w="1502229">
+                  <a:extLst>
+                    <a:ext uri="{9D8B030D-6E8A-4147-A177-3AD203B41FA5}">
+                      <a16:colId xmlns:a16="http://schemas.microsoft.com/office/drawing/2014/main" val="1410385363"/>
+                    </a:ext>
+                  </a:extLst>
+                </a:gridCol>
+                <a:gridCol w="1502229">
+                  <a:extLst>
+                    <a:ext uri="{9D8B030D-6E8A-4147-A177-3AD203B41FA5}">
+                      <a16:colId xmlns:a16="http://schemas.microsoft.com/office/drawing/2014/main" val="1908603029"/>
+                    </a:ext>
+                  </a:extLst>
+                </a:gridCol>
+                <a:gridCol w="1502229">
+                  <a:extLst>
+                    <a:ext uri="{9D8B030D-6E8A-4147-A177-3AD203B41FA5}">
+                      <a16:colId xmlns:a16="http://schemas.microsoft.com/office/drawing/2014/main" val="1846175878"/>
+                    </a:ext>
+                  </a:extLst>
+                </a:gridCol>
+                <a:gridCol w="1502229">
+                  <a:extLst>
+                    <a:ext uri="{9D8B030D-6E8A-4147-A177-3AD203B41FA5}">
+                      <a16:colId xmlns:a16="http://schemas.microsoft.com/office/drawing/2014/main" val="3349663343"/>
+                    </a:ext>
+                  </a:extLst>
+                </a:gridCol>
+                <a:gridCol w="1502229">
+                  <a:extLst>
+                    <a:ext uri="{9D8B030D-6E8A-4147-A177-3AD203B41FA5}">
+                      <a16:colId xmlns:a16="http://schemas.microsoft.com/office/drawing/2014/main" val="2523313069"/>
+                    </a:ext>
+                  </a:extLst>
+                </a:gridCol>
+                <a:gridCol w="1502229">
+                  <a:extLst>
+                    <a:ext uri="{9D8B030D-6E8A-4147-A177-3AD203B41FA5}">
+                      <a16:colId xmlns:a16="http://schemas.microsoft.com/office/drawing/2014/main" val="296061332"/>
+                    </a:ext>
+                  </a:extLst>
+                </a:gridCol>
+                <a:gridCol w="1502229">
+                  <a:extLst>
+                    <a:ext uri="{9D8B030D-6E8A-4147-A177-3AD203B41FA5}">
+                      <a16:colId xmlns:a16="http://schemas.microsoft.com/office/drawing/2014/main" val="3505919660"/>
+                    </a:ext>
+                  </a:extLst>
+                </a:gridCol>
+              </a:tblGrid>
+              <a:tr h="640080">
+                <a:tc>
+                  <a:txBody>
+                    <a:bodyPr/>
+                    <a:lstStyle/>
+                    <a:p>
+                      <a:pPr>
+                        <a:buNone/>
+                      </a:pPr>
+                      <a:r>
+                        <a:rPr lang="en-GB" sz="1800"/>
+                        <a:t>Technique</a:t>
+                      </a:r>
+                    </a:p>
+                  </a:txBody>
+                  <a:tcPr anchor="ctr">
+                    <a:lnL w="12700" cap="flat" cmpd="sng" algn="ctr">
+                      <a:solidFill>
+                        <a:schemeClr val="tx1"/>
+                      </a:solidFill>
+                      <a:prstDash val="solid"/>
+                      <a:round/>
+                      <a:headEnd type="none" w="med" len="med"/>
+                      <a:tailEnd type="none" w="med" len="med"/>
+                    </a:lnL>
+                    <a:lnR w="12700" cap="flat" cmpd="sng" algn="ctr">
+                      <a:solidFill>
+                        <a:schemeClr val="tx1"/>
+                      </a:solidFill>
+                      <a:prstDash val="solid"/>
+                      <a:round/>
+                      <a:headEnd type="none" w="med" len="med"/>
+                      <a:tailEnd type="none" w="med" len="med"/>
+                    </a:lnR>
+                    <a:lnT w="12700" cap="flat" cmpd="sng" algn="ctr">
+                      <a:solidFill>
+                        <a:schemeClr val="tx1"/>
+                      </a:solidFill>
+                      <a:prstDash val="solid"/>
+                      <a:round/>
+                      <a:headEnd type="none" w="med" len="med"/>
+                      <a:tailEnd type="none" w="med" len="med"/>
+                    </a:lnT>
+                    <a:lnB w="12700" cap="flat" cmpd="sng" algn="ctr">
+                      <a:solidFill>
+                        <a:schemeClr val="tx1"/>
+                      </a:solidFill>
+                      <a:prstDash val="solid"/>
+                      <a:round/>
+                      <a:headEnd type="none" w="med" len="med"/>
+                      <a:tailEnd type="none" w="med" len="med"/>
+                    </a:lnB>
+                  </a:tcPr>
+                </a:tc>
+                <a:tc>
+                  <a:txBody>
+                    <a:bodyPr/>
+                    <a:lstStyle/>
+                    <a:p>
+                      <a:pPr>
+                        <a:buNone/>
+                      </a:pPr>
+                      <a:r>
+                        <a:rPr lang="en-GB" sz="1800"/>
+                        <a:t>Core idea (intuition)</a:t>
+                      </a:r>
+                    </a:p>
+                  </a:txBody>
+                  <a:tcPr anchor="ctr">
+                    <a:lnL w="12700" cap="flat" cmpd="sng" algn="ctr">
+                      <a:solidFill>
+                        <a:schemeClr val="tx1"/>
+                      </a:solidFill>
+                      <a:prstDash val="solid"/>
+                      <a:round/>
+                      <a:headEnd type="none" w="med" len="med"/>
+                      <a:tailEnd type="none" w="med" len="med"/>
+                    </a:lnL>
+                    <a:lnR w="12700" cap="flat" cmpd="sng" algn="ctr">
+                      <a:solidFill>
+                        <a:schemeClr val="tx1"/>
+                      </a:solidFill>
+                      <a:prstDash val="solid"/>
+                      <a:round/>
+                      <a:headEnd type="none" w="med" len="med"/>
+                      <a:tailEnd type="none" w="med" len="med"/>
+                    </a:lnR>
+                    <a:lnT w="12700" cap="flat" cmpd="sng" algn="ctr">
+                      <a:solidFill>
+                        <a:schemeClr val="tx1"/>
+                      </a:solidFill>
+                      <a:prstDash val="solid"/>
+                      <a:round/>
+                      <a:headEnd type="none" w="med" len="med"/>
+                      <a:tailEnd type="none" w="med" len="med"/>
+                    </a:lnT>
+                    <a:lnB w="12700" cap="flat" cmpd="sng" algn="ctr">
+                      <a:solidFill>
+                        <a:schemeClr val="tx1"/>
+                      </a:solidFill>
+                      <a:prstDash val="solid"/>
+                      <a:round/>
+                      <a:headEnd type="none" w="med" len="med"/>
+                      <a:tailEnd type="none" w="med" len="med"/>
+                    </a:lnB>
+                  </a:tcPr>
+                </a:tc>
+                <a:tc>
+                  <a:txBody>
+                    <a:bodyPr/>
+                    <a:lstStyle/>
+                    <a:p>
+                      <a:pPr>
+                        <a:buNone/>
+                      </a:pPr>
+                      <a:r>
+                        <a:rPr lang="en-GB" sz="1800"/>
+                        <a:t>Data type it likes</a:t>
+                      </a:r>
+                    </a:p>
+                  </a:txBody>
+                  <a:tcPr anchor="ctr">
+                    <a:lnL w="12700" cap="flat" cmpd="sng" algn="ctr">
+                      <a:solidFill>
+                        <a:schemeClr val="tx1"/>
+                      </a:solidFill>
+                      <a:prstDash val="solid"/>
+                      <a:round/>
+                      <a:headEnd type="none" w="med" len="med"/>
+                      <a:tailEnd type="none" w="med" len="med"/>
+                    </a:lnL>
+                    <a:lnR w="12700" cap="flat" cmpd="sng" algn="ctr">
+                      <a:solidFill>
+                        <a:schemeClr val="tx1"/>
+                      </a:solidFill>
+                      <a:prstDash val="solid"/>
+                      <a:round/>
+                      <a:headEnd type="none" w="med" len="med"/>
+                      <a:tailEnd type="none" w="med" len="med"/>
+                    </a:lnR>
+                    <a:lnT w="12700" cap="flat" cmpd="sng" algn="ctr">
+                      <a:solidFill>
+                        <a:schemeClr val="tx1"/>
+                      </a:solidFill>
+                      <a:prstDash val="solid"/>
+                      <a:round/>
+                      <a:headEnd type="none" w="med" len="med"/>
+                      <a:tailEnd type="none" w="med" len="med"/>
+                    </a:lnT>
+                    <a:lnB w="12700" cap="flat" cmpd="sng" algn="ctr">
+                      <a:solidFill>
+                        <a:schemeClr val="tx1"/>
+                      </a:solidFill>
+                      <a:prstDash val="solid"/>
+                      <a:round/>
+                      <a:headEnd type="none" w="med" len="med"/>
+                      <a:tailEnd type="none" w="med" len="med"/>
+                    </a:lnB>
+                  </a:tcPr>
+                </a:tc>
+                <a:tc>
+                  <a:txBody>
+                    <a:bodyPr/>
+                    <a:lstStyle/>
+                    <a:p>
+                      <a:pPr>
+                        <a:buNone/>
+                      </a:pPr>
+                      <a:r>
+                        <a:rPr lang="en-GB" sz="1800"/>
+                        <a:t>Output</a:t>
+                      </a:r>
+                    </a:p>
+                  </a:txBody>
+                  <a:tcPr anchor="ctr">
+                    <a:lnL w="12700" cap="flat" cmpd="sng" algn="ctr">
+                      <a:solidFill>
+                        <a:schemeClr val="tx1"/>
+                      </a:solidFill>
+                      <a:prstDash val="solid"/>
+                      <a:round/>
+                      <a:headEnd type="none" w="med" len="med"/>
+                      <a:tailEnd type="none" w="med" len="med"/>
+                    </a:lnL>
+                    <a:lnR w="12700" cap="flat" cmpd="sng" algn="ctr">
+                      <a:solidFill>
+                        <a:schemeClr val="tx1"/>
+                      </a:solidFill>
+                      <a:prstDash val="solid"/>
+                      <a:round/>
+                      <a:headEnd type="none" w="med" len="med"/>
+                      <a:tailEnd type="none" w="med" len="med"/>
+                    </a:lnR>
+                    <a:lnT w="12700" cap="flat" cmpd="sng" algn="ctr">
+                      <a:solidFill>
+                        <a:schemeClr val="tx1"/>
+                      </a:solidFill>
+                      <a:prstDash val="solid"/>
+                      <a:round/>
+                      <a:headEnd type="none" w="med" len="med"/>
+                      <a:tailEnd type="none" w="med" len="med"/>
+                    </a:lnT>
+                    <a:lnB w="12700" cap="flat" cmpd="sng" algn="ctr">
+                      <a:solidFill>
+                        <a:schemeClr val="tx1"/>
+                      </a:solidFill>
+                      <a:prstDash val="solid"/>
+                      <a:round/>
+                      <a:headEnd type="none" w="med" len="med"/>
+                      <a:tailEnd type="none" w="med" len="med"/>
+                    </a:lnB>
+                  </a:tcPr>
+                </a:tc>
+                <a:tc>
+                  <a:txBody>
+                    <a:bodyPr/>
+                    <a:lstStyle/>
+                    <a:p>
+                      <a:pPr>
+                        <a:buNone/>
+                      </a:pPr>
+                      <a:r>
+                        <a:rPr lang="en-GB" sz="1800"/>
+                        <a:t>Needs k / params?</a:t>
+                      </a:r>
+                    </a:p>
+                  </a:txBody>
+                  <a:tcPr anchor="ctr">
+                    <a:lnL w="12700" cap="flat" cmpd="sng" algn="ctr">
+                      <a:solidFill>
+                        <a:schemeClr val="tx1"/>
+                      </a:solidFill>
+                      <a:prstDash val="solid"/>
+                      <a:round/>
+                      <a:headEnd type="none" w="med" len="med"/>
+                      <a:tailEnd type="none" w="med" len="med"/>
+                    </a:lnL>
+                    <a:lnR w="12700" cap="flat" cmpd="sng" algn="ctr">
+                      <a:solidFill>
+                        <a:schemeClr val="tx1"/>
+                      </a:solidFill>
+                      <a:prstDash val="solid"/>
+                      <a:round/>
+                      <a:headEnd type="none" w="med" len="med"/>
+                      <a:tailEnd type="none" w="med" len="med"/>
+                    </a:lnR>
+                    <a:lnT w="12700" cap="flat" cmpd="sng" algn="ctr">
+                      <a:solidFill>
+                        <a:schemeClr val="tx1"/>
+                      </a:solidFill>
+                      <a:prstDash val="solid"/>
+                      <a:round/>
+                      <a:headEnd type="none" w="med" len="med"/>
+                      <a:tailEnd type="none" w="med" len="med"/>
+                    </a:lnT>
+                    <a:lnB w="12700" cap="flat" cmpd="sng" algn="ctr">
+                      <a:solidFill>
+                        <a:schemeClr val="tx1"/>
+                      </a:solidFill>
+                      <a:prstDash val="solid"/>
+                      <a:round/>
+                      <a:headEnd type="none" w="med" len="med"/>
+                      <a:tailEnd type="none" w="med" len="med"/>
+                    </a:lnB>
+                  </a:tcPr>
+                </a:tc>
+                <a:tc>
+                  <a:txBody>
+                    <a:bodyPr/>
+                    <a:lstStyle/>
+                    <a:p>
+                      <a:pPr>
+                        <a:buNone/>
+                      </a:pPr>
+                      <a:r>
+                        <a:rPr lang="en-GB" sz="1800"/>
+                        <a:t>Scales well?</a:t>
+                      </a:r>
+                    </a:p>
+                  </a:txBody>
+                  <a:tcPr anchor="ctr">
+                    <a:lnL w="12700" cap="flat" cmpd="sng" algn="ctr">
+                      <a:solidFill>
+                        <a:schemeClr val="tx1"/>
+                      </a:solidFill>
+                      <a:prstDash val="solid"/>
+                      <a:round/>
+                      <a:headEnd type="none" w="med" len="med"/>
+                      <a:tailEnd type="none" w="med" len="med"/>
+                    </a:lnL>
+                    <a:lnR w="12700" cap="flat" cmpd="sng" algn="ctr">
+                      <a:solidFill>
+                        <a:schemeClr val="tx1"/>
+                      </a:solidFill>
+                      <a:prstDash val="solid"/>
+                      <a:round/>
+                      <a:headEnd type="none" w="med" len="med"/>
+                      <a:tailEnd type="none" w="med" len="med"/>
+                    </a:lnR>
+                    <a:lnT w="12700" cap="flat" cmpd="sng" algn="ctr">
+                      <a:solidFill>
+                        <a:schemeClr val="tx1"/>
+                      </a:solidFill>
+                      <a:prstDash val="solid"/>
+                      <a:round/>
+                      <a:headEnd type="none" w="med" len="med"/>
+                      <a:tailEnd type="none" w="med" len="med"/>
+                    </a:lnT>
+                    <a:lnB w="12700" cap="flat" cmpd="sng" algn="ctr">
+                      <a:solidFill>
+                        <a:schemeClr val="tx1"/>
+                      </a:solidFill>
+                      <a:prstDash val="solid"/>
+                      <a:round/>
+                      <a:headEnd type="none" w="med" len="med"/>
+                      <a:tailEnd type="none" w="med" len="med"/>
+                    </a:lnB>
+                  </a:tcPr>
+                </a:tc>
+                <a:tc>
+                  <a:txBody>
+                    <a:bodyPr/>
+                    <a:lstStyle/>
+                    <a:p>
+                      <a:pPr>
+                        <a:buNone/>
+                      </a:pPr>
+                      <a:r>
+                        <a:rPr lang="en-US" sz="1800"/>
+                        <a:t>When to use (simple rule)</a:t>
+                      </a:r>
+                    </a:p>
+                  </a:txBody>
+                  <a:tcPr anchor="ctr">
+                    <a:lnL w="12700" cap="flat" cmpd="sng" algn="ctr">
+                      <a:solidFill>
+                        <a:schemeClr val="tx1"/>
+                      </a:solidFill>
+                      <a:prstDash val="solid"/>
+                      <a:round/>
+                      <a:headEnd type="none" w="med" len="med"/>
+                      <a:tailEnd type="none" w="med" len="med"/>
+                    </a:lnL>
+                    <a:lnR w="12700" cap="flat" cmpd="sng" algn="ctr">
+                      <a:solidFill>
+                        <a:schemeClr val="tx1"/>
+                      </a:solidFill>
+                      <a:prstDash val="solid"/>
+                      <a:round/>
+                      <a:headEnd type="none" w="med" len="med"/>
+                      <a:tailEnd type="none" w="med" len="med"/>
+                    </a:lnR>
+                    <a:lnT w="12700" cap="flat" cmpd="sng" algn="ctr">
+                      <a:solidFill>
+                        <a:schemeClr val="tx1"/>
+                      </a:solidFill>
+                      <a:prstDash val="solid"/>
+                      <a:round/>
+                      <a:headEnd type="none" w="med" len="med"/>
+                      <a:tailEnd type="none" w="med" len="med"/>
+                    </a:lnT>
+                    <a:lnB w="12700" cap="flat" cmpd="sng" algn="ctr">
+                      <a:solidFill>
+                        <a:schemeClr val="tx1"/>
+                      </a:solidFill>
+                      <a:prstDash val="solid"/>
+                      <a:round/>
+                      <a:headEnd type="none" w="med" len="med"/>
+                      <a:tailEnd type="none" w="med" len="med"/>
+                    </a:lnB>
+                  </a:tcPr>
+                </a:tc>
+                <a:extLst>
+                  <a:ext uri="{0D108BD9-81ED-4DB2-BD59-A6C34878D82A}">
+                    <a16:rowId xmlns:a16="http://schemas.microsoft.com/office/drawing/2014/main" val="1734613198"/>
+                  </a:ext>
+                </a:extLst>
+              </a:tr>
+              <a:tr h="914400">
+                <a:tc>
+                  <a:txBody>
+                    <a:bodyPr/>
+                    <a:lstStyle/>
+                    <a:p>
+                      <a:pPr>
+                        <a:buNone/>
+                      </a:pPr>
+                      <a:r>
+                        <a:rPr lang="en-GB" sz="1800" b="1"/>
+                        <a:t>k-Means Clustering</a:t>
+                      </a:r>
+                      <a:endParaRPr lang="en-GB" sz="1800"/>
+                    </a:p>
+                  </a:txBody>
+                  <a:tcPr anchor="ctr">
+                    <a:lnL w="12700" cap="flat" cmpd="sng" algn="ctr">
+                      <a:solidFill>
+                        <a:schemeClr val="tx1"/>
+                      </a:solidFill>
+                      <a:prstDash val="solid"/>
+                      <a:round/>
+                      <a:headEnd type="none" w="med" len="med"/>
+                      <a:tailEnd type="none" w="med" len="med"/>
+                    </a:lnL>
+                    <a:lnR w="12700" cap="flat" cmpd="sng" algn="ctr">
+                      <a:solidFill>
+                        <a:schemeClr val="tx1"/>
+                      </a:solidFill>
+                      <a:prstDash val="solid"/>
+                      <a:round/>
+                      <a:headEnd type="none" w="med" len="med"/>
+                      <a:tailEnd type="none" w="med" len="med"/>
+                    </a:lnR>
+                    <a:lnT w="12700" cap="flat" cmpd="sng" algn="ctr">
+                      <a:solidFill>
+                        <a:schemeClr val="tx1"/>
+                      </a:solidFill>
+                      <a:prstDash val="solid"/>
+                      <a:round/>
+                      <a:headEnd type="none" w="med" len="med"/>
+                      <a:tailEnd type="none" w="med" len="med"/>
+                    </a:lnT>
+                    <a:lnB w="12700" cap="flat" cmpd="sng" algn="ctr">
+                      <a:solidFill>
+                        <a:schemeClr val="tx1"/>
+                      </a:solidFill>
+                      <a:prstDash val="solid"/>
+                      <a:round/>
+                      <a:headEnd type="none" w="med" len="med"/>
+                      <a:tailEnd type="none" w="med" len="med"/>
+                    </a:lnB>
+                  </a:tcPr>
+                </a:tc>
+                <a:tc>
+                  <a:txBody>
+                    <a:bodyPr/>
+                    <a:lstStyle/>
+                    <a:p>
+                      <a:pPr>
+                        <a:buNone/>
+                      </a:pPr>
+                      <a:r>
+                        <a:rPr lang="en-US" sz="1800"/>
+                        <a:t>Group points by closeness to centroids</a:t>
+                      </a:r>
+                    </a:p>
+                  </a:txBody>
+                  <a:tcPr anchor="ctr">
+                    <a:lnL w="12700" cap="flat" cmpd="sng" algn="ctr">
+                      <a:solidFill>
+                        <a:schemeClr val="tx1"/>
+                      </a:solidFill>
+                      <a:prstDash val="solid"/>
+                      <a:round/>
+                      <a:headEnd type="none" w="med" len="med"/>
+                      <a:tailEnd type="none" w="med" len="med"/>
+                    </a:lnL>
+                    <a:lnR w="12700" cap="flat" cmpd="sng" algn="ctr">
+                      <a:solidFill>
+                        <a:schemeClr val="tx1"/>
+                      </a:solidFill>
+                      <a:prstDash val="solid"/>
+                      <a:round/>
+                      <a:headEnd type="none" w="med" len="med"/>
+                      <a:tailEnd type="none" w="med" len="med"/>
+                    </a:lnR>
+                    <a:lnT w="12700" cap="flat" cmpd="sng" algn="ctr">
+                      <a:solidFill>
+                        <a:schemeClr val="tx1"/>
+                      </a:solidFill>
+                      <a:prstDash val="solid"/>
+                      <a:round/>
+                      <a:headEnd type="none" w="med" len="med"/>
+                      <a:tailEnd type="none" w="med" len="med"/>
+                    </a:lnT>
+                    <a:lnB w="12700" cap="flat" cmpd="sng" algn="ctr">
+                      <a:solidFill>
+                        <a:schemeClr val="tx1"/>
+                      </a:solidFill>
+                      <a:prstDash val="solid"/>
+                      <a:round/>
+                      <a:headEnd type="none" w="med" len="med"/>
+                      <a:tailEnd type="none" w="med" len="med"/>
+                    </a:lnB>
+                  </a:tcPr>
+                </a:tc>
+                <a:tc>
+                  <a:txBody>
+                    <a:bodyPr/>
+                    <a:lstStyle/>
+                    <a:p>
+                      <a:pPr>
+                        <a:buNone/>
+                      </a:pPr>
+                      <a:r>
+                        <a:rPr lang="en-GB" sz="1800"/>
+                        <a:t>Numeric only</a:t>
+                      </a:r>
+                    </a:p>
+                  </a:txBody>
+                  <a:tcPr anchor="ctr">
+                    <a:lnL w="12700" cap="flat" cmpd="sng" algn="ctr">
+                      <a:solidFill>
+                        <a:schemeClr val="tx1"/>
+                      </a:solidFill>
+                      <a:prstDash val="solid"/>
+                      <a:round/>
+                      <a:headEnd type="none" w="med" len="med"/>
+                      <a:tailEnd type="none" w="med" len="med"/>
+                    </a:lnL>
+                    <a:lnR w="12700" cap="flat" cmpd="sng" algn="ctr">
+                      <a:solidFill>
+                        <a:schemeClr val="tx1"/>
+                      </a:solidFill>
+                      <a:prstDash val="solid"/>
+                      <a:round/>
+                      <a:headEnd type="none" w="med" len="med"/>
+                      <a:tailEnd type="none" w="med" len="med"/>
+                    </a:lnR>
+                    <a:lnT w="12700" cap="flat" cmpd="sng" algn="ctr">
+                      <a:solidFill>
+                        <a:schemeClr val="tx1"/>
+                      </a:solidFill>
+                      <a:prstDash val="solid"/>
+                      <a:round/>
+                      <a:headEnd type="none" w="med" len="med"/>
+                      <a:tailEnd type="none" w="med" len="med"/>
+                    </a:lnT>
+                    <a:lnB w="12700" cap="flat" cmpd="sng" algn="ctr">
+                      <a:solidFill>
+                        <a:schemeClr val="tx1"/>
+                      </a:solidFill>
+                      <a:prstDash val="solid"/>
+                      <a:round/>
+                      <a:headEnd type="none" w="med" len="med"/>
+                      <a:tailEnd type="none" w="med" len="med"/>
+                    </a:lnB>
+                  </a:tcPr>
+                </a:tc>
+                <a:tc>
+                  <a:txBody>
+                    <a:bodyPr/>
+                    <a:lstStyle/>
+                    <a:p>
+                      <a:pPr>
+                        <a:buNone/>
+                      </a:pPr>
+                      <a:r>
+                        <a:rPr lang="en-GB" sz="1800"/>
+                        <a:t>Clusters</a:t>
+                      </a:r>
+                    </a:p>
+                  </a:txBody>
+                  <a:tcPr anchor="ctr">
+                    <a:lnL w="12700" cap="flat" cmpd="sng" algn="ctr">
+                      <a:solidFill>
+                        <a:schemeClr val="tx1"/>
+                      </a:solidFill>
+                      <a:prstDash val="solid"/>
+                      <a:round/>
+                      <a:headEnd type="none" w="med" len="med"/>
+                      <a:tailEnd type="none" w="med" len="med"/>
+                    </a:lnL>
+                    <a:lnR w="12700" cap="flat" cmpd="sng" algn="ctr">
+                      <a:solidFill>
+                        <a:schemeClr val="tx1"/>
+                      </a:solidFill>
+                      <a:prstDash val="solid"/>
+                      <a:round/>
+                      <a:headEnd type="none" w="med" len="med"/>
+                      <a:tailEnd type="none" w="med" len="med"/>
+                    </a:lnR>
+                    <a:lnT w="12700" cap="flat" cmpd="sng" algn="ctr">
+                      <a:solidFill>
+                        <a:schemeClr val="tx1"/>
+                      </a:solidFill>
+                      <a:prstDash val="solid"/>
+                      <a:round/>
+                      <a:headEnd type="none" w="med" len="med"/>
+                      <a:tailEnd type="none" w="med" len="med"/>
+                    </a:lnT>
+                    <a:lnB w="12700" cap="flat" cmpd="sng" algn="ctr">
+                      <a:solidFill>
+                        <a:schemeClr val="tx1"/>
+                      </a:solidFill>
+                      <a:prstDash val="solid"/>
+                      <a:round/>
+                      <a:headEnd type="none" w="med" len="med"/>
+                      <a:tailEnd type="none" w="med" len="med"/>
+                    </a:lnB>
+                  </a:tcPr>
+                </a:tc>
+                <a:tc>
+                  <a:txBody>
+                    <a:bodyPr/>
+                    <a:lstStyle/>
+                    <a:p>
+                      <a:pPr>
+                        <a:buNone/>
+                      </a:pPr>
+                      <a:r>
+                        <a:rPr lang="en-GB" sz="1800" dirty="0"/>
+                        <a:t>Yes (k)</a:t>
+                      </a:r>
+                    </a:p>
+                  </a:txBody>
+                  <a:tcPr anchor="ctr">
+                    <a:lnL w="12700" cap="flat" cmpd="sng" algn="ctr">
+                      <a:solidFill>
+                        <a:schemeClr val="tx1"/>
+                      </a:solidFill>
+                      <a:prstDash val="solid"/>
+                      <a:round/>
+                      <a:headEnd type="none" w="med" len="med"/>
+                      <a:tailEnd type="none" w="med" len="med"/>
+                    </a:lnL>
+                    <a:lnR w="12700" cap="flat" cmpd="sng" algn="ctr">
+                      <a:solidFill>
+                        <a:schemeClr val="tx1"/>
+                      </a:solidFill>
+                      <a:prstDash val="solid"/>
+                      <a:round/>
+                      <a:headEnd type="none" w="med" len="med"/>
+                      <a:tailEnd type="none" w="med" len="med"/>
+                    </a:lnR>
+                    <a:lnT w="12700" cap="flat" cmpd="sng" algn="ctr">
+                      <a:solidFill>
+                        <a:schemeClr val="tx1"/>
+                      </a:solidFill>
+                      <a:prstDash val="solid"/>
+                      <a:round/>
+                      <a:headEnd type="none" w="med" len="med"/>
+                      <a:tailEnd type="none" w="med" len="med"/>
+                    </a:lnT>
+                    <a:lnB w="12700" cap="flat" cmpd="sng" algn="ctr">
+                      <a:solidFill>
+                        <a:schemeClr val="tx1"/>
+                      </a:solidFill>
+                      <a:prstDash val="solid"/>
+                      <a:round/>
+                      <a:headEnd type="none" w="med" len="med"/>
+                      <a:tailEnd type="none" w="med" len="med"/>
+                    </a:lnB>
+                  </a:tcPr>
+                </a:tc>
+                <a:tc>
+                  <a:txBody>
+                    <a:bodyPr/>
+                    <a:lstStyle/>
+                    <a:p>
+                      <a:pPr>
+                        <a:buNone/>
+                      </a:pPr>
+                      <a:r>
+                        <a:rPr lang="en-GB" sz="1800" dirty="0"/>
+                        <a:t>Very well</a:t>
+                      </a:r>
+                    </a:p>
+                  </a:txBody>
+                  <a:tcPr anchor="ctr">
+                    <a:lnL w="12700" cap="flat" cmpd="sng" algn="ctr">
+                      <a:solidFill>
+                        <a:schemeClr val="tx1"/>
+                      </a:solidFill>
+                      <a:prstDash val="solid"/>
+                      <a:round/>
+                      <a:headEnd type="none" w="med" len="med"/>
+                      <a:tailEnd type="none" w="med" len="med"/>
+                    </a:lnL>
+                    <a:lnR w="12700" cap="flat" cmpd="sng" algn="ctr">
+                      <a:solidFill>
+                        <a:schemeClr val="tx1"/>
+                      </a:solidFill>
+                      <a:prstDash val="solid"/>
+                      <a:round/>
+                      <a:headEnd type="none" w="med" len="med"/>
+                      <a:tailEnd type="none" w="med" len="med"/>
+                    </a:lnR>
+                    <a:lnT w="12700" cap="flat" cmpd="sng" algn="ctr">
+                      <a:solidFill>
+                        <a:schemeClr val="tx1"/>
+                      </a:solidFill>
+                      <a:prstDash val="solid"/>
+                      <a:round/>
+                      <a:headEnd type="none" w="med" len="med"/>
+                      <a:tailEnd type="none" w="med" len="med"/>
+                    </a:lnT>
+                    <a:lnB w="12700" cap="flat" cmpd="sng" algn="ctr">
+                      <a:solidFill>
+                        <a:schemeClr val="tx1"/>
+                      </a:solidFill>
+                      <a:prstDash val="solid"/>
+                      <a:round/>
+                      <a:headEnd type="none" w="med" len="med"/>
+                      <a:tailEnd type="none" w="med" len="med"/>
+                    </a:lnB>
+                  </a:tcPr>
+                </a:tc>
+                <a:tc>
+                  <a:txBody>
+                    <a:bodyPr/>
+                    <a:lstStyle/>
+                    <a:p>
+                      <a:pPr>
+                        <a:buNone/>
+                      </a:pPr>
+                      <a:r>
+                        <a:rPr lang="en-US" sz="1800"/>
+                        <a:t>Large numeric data, clear clusters</a:t>
+                      </a:r>
+                    </a:p>
+                  </a:txBody>
+                  <a:tcPr anchor="ctr">
+                    <a:lnL w="12700" cap="flat" cmpd="sng" algn="ctr">
+                      <a:solidFill>
+                        <a:schemeClr val="tx1"/>
+                      </a:solidFill>
+                      <a:prstDash val="solid"/>
+                      <a:round/>
+                      <a:headEnd type="none" w="med" len="med"/>
+                      <a:tailEnd type="none" w="med" len="med"/>
+                    </a:lnL>
+                    <a:lnR w="12700" cap="flat" cmpd="sng" algn="ctr">
+                      <a:solidFill>
+                        <a:schemeClr val="tx1"/>
+                      </a:solidFill>
+                      <a:prstDash val="solid"/>
+                      <a:round/>
+                      <a:headEnd type="none" w="med" len="med"/>
+                      <a:tailEnd type="none" w="med" len="med"/>
+                    </a:lnR>
+                    <a:lnT w="12700" cap="flat" cmpd="sng" algn="ctr">
+                      <a:solidFill>
+                        <a:schemeClr val="tx1"/>
+                      </a:solidFill>
+                      <a:prstDash val="solid"/>
+                      <a:round/>
+                      <a:headEnd type="none" w="med" len="med"/>
+                      <a:tailEnd type="none" w="med" len="med"/>
+                    </a:lnT>
+                    <a:lnB w="12700" cap="flat" cmpd="sng" algn="ctr">
+                      <a:solidFill>
+                        <a:schemeClr val="tx1"/>
+                      </a:solidFill>
+                      <a:prstDash val="solid"/>
+                      <a:round/>
+                      <a:headEnd type="none" w="med" len="med"/>
+                      <a:tailEnd type="none" w="med" len="med"/>
+                    </a:lnB>
+                  </a:tcPr>
+                </a:tc>
+                <a:extLst>
+                  <a:ext uri="{0D108BD9-81ED-4DB2-BD59-A6C34878D82A}">
+                    <a16:rowId xmlns:a16="http://schemas.microsoft.com/office/drawing/2014/main" val="2532213299"/>
+                  </a:ext>
+                </a:extLst>
+              </a:tr>
+              <a:tr h="914400">
+                <a:tc>
+                  <a:txBody>
+                    <a:bodyPr/>
+                    <a:lstStyle/>
+                    <a:p>
+                      <a:pPr>
+                        <a:buNone/>
+                      </a:pPr>
+                      <a:r>
+                        <a:rPr lang="en-GB" sz="1800" b="1"/>
+                        <a:t>Hierarchical Clustering</a:t>
+                      </a:r>
+                      <a:endParaRPr lang="en-GB" sz="1800"/>
+                    </a:p>
+                  </a:txBody>
+                  <a:tcPr anchor="ctr">
+                    <a:lnL w="12700" cap="flat" cmpd="sng" algn="ctr">
+                      <a:solidFill>
+                        <a:schemeClr val="tx1"/>
+                      </a:solidFill>
+                      <a:prstDash val="solid"/>
+                      <a:round/>
+                      <a:headEnd type="none" w="med" len="med"/>
+                      <a:tailEnd type="none" w="med" len="med"/>
+                    </a:lnL>
+                    <a:lnR w="12700" cap="flat" cmpd="sng" algn="ctr">
+                      <a:solidFill>
+                        <a:schemeClr val="tx1"/>
+                      </a:solidFill>
+                      <a:prstDash val="solid"/>
+                      <a:round/>
+                      <a:headEnd type="none" w="med" len="med"/>
+                      <a:tailEnd type="none" w="med" len="med"/>
+                    </a:lnR>
+                    <a:lnT w="12700" cap="flat" cmpd="sng" algn="ctr">
+                      <a:solidFill>
+                        <a:schemeClr val="tx1"/>
+                      </a:solidFill>
+                      <a:prstDash val="solid"/>
+                      <a:round/>
+                      <a:headEnd type="none" w="med" len="med"/>
+                      <a:tailEnd type="none" w="med" len="med"/>
+                    </a:lnT>
+                    <a:lnB w="12700" cap="flat" cmpd="sng" algn="ctr">
+                      <a:solidFill>
+                        <a:schemeClr val="tx1"/>
+                      </a:solidFill>
+                      <a:prstDash val="solid"/>
+                      <a:round/>
+                      <a:headEnd type="none" w="med" len="med"/>
+                      <a:tailEnd type="none" w="med" len="med"/>
+                    </a:lnB>
+                  </a:tcPr>
+                </a:tc>
+                <a:tc>
+                  <a:txBody>
+                    <a:bodyPr/>
+                    <a:lstStyle/>
+                    <a:p>
+                      <a:pPr>
+                        <a:buNone/>
+                      </a:pPr>
+                      <a:r>
+                        <a:rPr lang="en-GB" sz="1800"/>
+                        <a:t>Build clusters step-by-step (tree)</a:t>
+                      </a:r>
+                    </a:p>
+                  </a:txBody>
+                  <a:tcPr anchor="ctr">
+                    <a:lnL w="12700" cap="flat" cmpd="sng" algn="ctr">
+                      <a:solidFill>
+                        <a:schemeClr val="tx1"/>
+                      </a:solidFill>
+                      <a:prstDash val="solid"/>
+                      <a:round/>
+                      <a:headEnd type="none" w="med" len="med"/>
+                      <a:tailEnd type="none" w="med" len="med"/>
+                    </a:lnL>
+                    <a:lnR w="12700" cap="flat" cmpd="sng" algn="ctr">
+                      <a:solidFill>
+                        <a:schemeClr val="tx1"/>
+                      </a:solidFill>
+                      <a:prstDash val="solid"/>
+                      <a:round/>
+                      <a:headEnd type="none" w="med" len="med"/>
+                      <a:tailEnd type="none" w="med" len="med"/>
+                    </a:lnR>
+                    <a:lnT w="12700" cap="flat" cmpd="sng" algn="ctr">
+                      <a:solidFill>
+                        <a:schemeClr val="tx1"/>
+                      </a:solidFill>
+                      <a:prstDash val="solid"/>
+                      <a:round/>
+                      <a:headEnd type="none" w="med" len="med"/>
+                      <a:tailEnd type="none" w="med" len="med"/>
+                    </a:lnT>
+                    <a:lnB w="12700" cap="flat" cmpd="sng" algn="ctr">
+                      <a:solidFill>
+                        <a:schemeClr val="tx1"/>
+                      </a:solidFill>
+                      <a:prstDash val="solid"/>
+                      <a:round/>
+                      <a:headEnd type="none" w="med" len="med"/>
+                      <a:tailEnd type="none" w="med" len="med"/>
+                    </a:lnB>
+                  </a:tcPr>
+                </a:tc>
+                <a:tc>
+                  <a:txBody>
+                    <a:bodyPr/>
+                    <a:lstStyle/>
+                    <a:p>
+                      <a:pPr>
+                        <a:buNone/>
+                      </a:pPr>
+                      <a:r>
+                        <a:rPr lang="en-GB" sz="1800"/>
+                        <a:t>Numeric / distance-based</a:t>
+                      </a:r>
+                    </a:p>
+                  </a:txBody>
+                  <a:tcPr anchor="ctr">
+                    <a:lnL w="12700" cap="flat" cmpd="sng" algn="ctr">
+                      <a:solidFill>
+                        <a:schemeClr val="tx1"/>
+                      </a:solidFill>
+                      <a:prstDash val="solid"/>
+                      <a:round/>
+                      <a:headEnd type="none" w="med" len="med"/>
+                      <a:tailEnd type="none" w="med" len="med"/>
+                    </a:lnL>
+                    <a:lnR w="12700" cap="flat" cmpd="sng" algn="ctr">
+                      <a:solidFill>
+                        <a:schemeClr val="tx1"/>
+                      </a:solidFill>
+                      <a:prstDash val="solid"/>
+                      <a:round/>
+                      <a:headEnd type="none" w="med" len="med"/>
+                      <a:tailEnd type="none" w="med" len="med"/>
+                    </a:lnR>
+                    <a:lnT w="12700" cap="flat" cmpd="sng" algn="ctr">
+                      <a:solidFill>
+                        <a:schemeClr val="tx1"/>
+                      </a:solidFill>
+                      <a:prstDash val="solid"/>
+                      <a:round/>
+                      <a:headEnd type="none" w="med" len="med"/>
+                      <a:tailEnd type="none" w="med" len="med"/>
+                    </a:lnT>
+                    <a:lnB w="12700" cap="flat" cmpd="sng" algn="ctr">
+                      <a:solidFill>
+                        <a:schemeClr val="tx1"/>
+                      </a:solidFill>
+                      <a:prstDash val="solid"/>
+                      <a:round/>
+                      <a:headEnd type="none" w="med" len="med"/>
+                      <a:tailEnd type="none" w="med" len="med"/>
+                    </a:lnB>
+                  </a:tcPr>
+                </a:tc>
+                <a:tc>
+                  <a:txBody>
+                    <a:bodyPr/>
+                    <a:lstStyle/>
+                    <a:p>
+                      <a:pPr>
+                        <a:buNone/>
+                      </a:pPr>
+                      <a:r>
+                        <a:rPr lang="en-GB" sz="1800"/>
+                        <a:t>Dendrogram</a:t>
+                      </a:r>
+                    </a:p>
+                  </a:txBody>
+                  <a:tcPr anchor="ctr">
+                    <a:lnL w="12700" cap="flat" cmpd="sng" algn="ctr">
+                      <a:solidFill>
+                        <a:schemeClr val="tx1"/>
+                      </a:solidFill>
+                      <a:prstDash val="solid"/>
+                      <a:round/>
+                      <a:headEnd type="none" w="med" len="med"/>
+                      <a:tailEnd type="none" w="med" len="med"/>
+                    </a:lnL>
+                    <a:lnR w="12700" cap="flat" cmpd="sng" algn="ctr">
+                      <a:solidFill>
+                        <a:schemeClr val="tx1"/>
+                      </a:solidFill>
+                      <a:prstDash val="solid"/>
+                      <a:round/>
+                      <a:headEnd type="none" w="med" len="med"/>
+                      <a:tailEnd type="none" w="med" len="med"/>
+                    </a:lnR>
+                    <a:lnT w="12700" cap="flat" cmpd="sng" algn="ctr">
+                      <a:solidFill>
+                        <a:schemeClr val="tx1"/>
+                      </a:solidFill>
+                      <a:prstDash val="solid"/>
+                      <a:round/>
+                      <a:headEnd type="none" w="med" len="med"/>
+                      <a:tailEnd type="none" w="med" len="med"/>
+                    </a:lnT>
+                    <a:lnB w="12700" cap="flat" cmpd="sng" algn="ctr">
+                      <a:solidFill>
+                        <a:schemeClr val="tx1"/>
+                      </a:solidFill>
+                      <a:prstDash val="solid"/>
+                      <a:round/>
+                      <a:headEnd type="none" w="med" len="med"/>
+                      <a:tailEnd type="none" w="med" len="med"/>
+                    </a:lnB>
+                  </a:tcPr>
+                </a:tc>
+                <a:tc>
+                  <a:txBody>
+                    <a:bodyPr/>
+                    <a:lstStyle/>
+                    <a:p>
+                      <a:pPr>
+                        <a:buNone/>
+                      </a:pPr>
+                      <a:r>
+                        <a:rPr lang="en-GB" sz="1800" dirty="0"/>
+                        <a:t>No k upfront</a:t>
+                      </a:r>
+                    </a:p>
+                  </a:txBody>
+                  <a:tcPr anchor="ctr">
+                    <a:lnL w="12700" cap="flat" cmpd="sng" algn="ctr">
+                      <a:solidFill>
+                        <a:schemeClr val="tx1"/>
+                      </a:solidFill>
+                      <a:prstDash val="solid"/>
+                      <a:round/>
+                      <a:headEnd type="none" w="med" len="med"/>
+                      <a:tailEnd type="none" w="med" len="med"/>
+                    </a:lnL>
+                    <a:lnR w="12700" cap="flat" cmpd="sng" algn="ctr">
+                      <a:solidFill>
+                        <a:schemeClr val="tx1"/>
+                      </a:solidFill>
+                      <a:prstDash val="solid"/>
+                      <a:round/>
+                      <a:headEnd type="none" w="med" len="med"/>
+                      <a:tailEnd type="none" w="med" len="med"/>
+                    </a:lnR>
+                    <a:lnT w="12700" cap="flat" cmpd="sng" algn="ctr">
+                      <a:solidFill>
+                        <a:schemeClr val="tx1"/>
+                      </a:solidFill>
+                      <a:prstDash val="solid"/>
+                      <a:round/>
+                      <a:headEnd type="none" w="med" len="med"/>
+                      <a:tailEnd type="none" w="med" len="med"/>
+                    </a:lnT>
+                    <a:lnB w="12700" cap="flat" cmpd="sng" algn="ctr">
+                      <a:solidFill>
+                        <a:schemeClr val="tx1"/>
+                      </a:solidFill>
+                      <a:prstDash val="solid"/>
+                      <a:round/>
+                      <a:headEnd type="none" w="med" len="med"/>
+                      <a:tailEnd type="none" w="med" len="med"/>
+                    </a:lnB>
+                  </a:tcPr>
+                </a:tc>
+                <a:tc>
+                  <a:txBody>
+                    <a:bodyPr/>
+                    <a:lstStyle/>
+                    <a:p>
+                      <a:pPr>
+                        <a:buNone/>
+                      </a:pPr>
+                      <a:r>
+                        <a:rPr lang="en-GB" sz="1800" dirty="0"/>
+                        <a:t>Poor</a:t>
+                      </a:r>
+                    </a:p>
+                  </a:txBody>
+                  <a:tcPr anchor="ctr">
+                    <a:lnL w="12700" cap="flat" cmpd="sng" algn="ctr">
+                      <a:solidFill>
+                        <a:schemeClr val="tx1"/>
+                      </a:solidFill>
+                      <a:prstDash val="solid"/>
+                      <a:round/>
+                      <a:headEnd type="none" w="med" len="med"/>
+                      <a:tailEnd type="none" w="med" len="med"/>
+                    </a:lnL>
+                    <a:lnR w="12700" cap="flat" cmpd="sng" algn="ctr">
+                      <a:solidFill>
+                        <a:schemeClr val="tx1"/>
+                      </a:solidFill>
+                      <a:prstDash val="solid"/>
+                      <a:round/>
+                      <a:headEnd type="none" w="med" len="med"/>
+                      <a:tailEnd type="none" w="med" len="med"/>
+                    </a:lnR>
+                    <a:lnT w="12700" cap="flat" cmpd="sng" algn="ctr">
+                      <a:solidFill>
+                        <a:schemeClr val="tx1"/>
+                      </a:solidFill>
+                      <a:prstDash val="solid"/>
+                      <a:round/>
+                      <a:headEnd type="none" w="med" len="med"/>
+                      <a:tailEnd type="none" w="med" len="med"/>
+                    </a:lnT>
+                    <a:lnB w="12700" cap="flat" cmpd="sng" algn="ctr">
+                      <a:solidFill>
+                        <a:schemeClr val="tx1"/>
+                      </a:solidFill>
+                      <a:prstDash val="solid"/>
+                      <a:round/>
+                      <a:headEnd type="none" w="med" len="med"/>
+                      <a:tailEnd type="none" w="med" len="med"/>
+                    </a:lnB>
+                  </a:tcPr>
+                </a:tc>
+                <a:tc>
+                  <a:txBody>
+                    <a:bodyPr/>
+                    <a:lstStyle/>
+                    <a:p>
+                      <a:pPr>
+                        <a:buNone/>
+                      </a:pPr>
+                      <a:r>
+                        <a:rPr lang="en-GB" sz="1800"/>
+                        <a:t>Small data, need structure</a:t>
+                      </a:r>
+                    </a:p>
+                  </a:txBody>
+                  <a:tcPr anchor="ctr">
+                    <a:lnL w="12700" cap="flat" cmpd="sng" algn="ctr">
+                      <a:solidFill>
+                        <a:schemeClr val="tx1"/>
+                      </a:solidFill>
+                      <a:prstDash val="solid"/>
+                      <a:round/>
+                      <a:headEnd type="none" w="med" len="med"/>
+                      <a:tailEnd type="none" w="med" len="med"/>
+                    </a:lnL>
+                    <a:lnR w="12700" cap="flat" cmpd="sng" algn="ctr">
+                      <a:solidFill>
+                        <a:schemeClr val="tx1"/>
+                      </a:solidFill>
+                      <a:prstDash val="solid"/>
+                      <a:round/>
+                      <a:headEnd type="none" w="med" len="med"/>
+                      <a:tailEnd type="none" w="med" len="med"/>
+                    </a:lnR>
+                    <a:lnT w="12700" cap="flat" cmpd="sng" algn="ctr">
+                      <a:solidFill>
+                        <a:schemeClr val="tx1"/>
+                      </a:solidFill>
+                      <a:prstDash val="solid"/>
+                      <a:round/>
+                      <a:headEnd type="none" w="med" len="med"/>
+                      <a:tailEnd type="none" w="med" len="med"/>
+                    </a:lnT>
+                    <a:lnB w="12700" cap="flat" cmpd="sng" algn="ctr">
+                      <a:solidFill>
+                        <a:schemeClr val="tx1"/>
+                      </a:solidFill>
+                      <a:prstDash val="solid"/>
+                      <a:round/>
+                      <a:headEnd type="none" w="med" len="med"/>
+                      <a:tailEnd type="none" w="med" len="med"/>
+                    </a:lnB>
+                  </a:tcPr>
+                </a:tc>
+                <a:extLst>
+                  <a:ext uri="{0D108BD9-81ED-4DB2-BD59-A6C34878D82A}">
+                    <a16:rowId xmlns:a16="http://schemas.microsoft.com/office/drawing/2014/main" val="3146238240"/>
+                  </a:ext>
+                </a:extLst>
+              </a:tr>
+              <a:tr h="914400">
+                <a:tc>
+                  <a:txBody>
+                    <a:bodyPr/>
+                    <a:lstStyle/>
+                    <a:p>
+                      <a:pPr>
+                        <a:buNone/>
+                      </a:pPr>
+                      <a:r>
+                        <a:rPr lang="en-GB" sz="1800" b="1"/>
+                        <a:t>Association Rule Mining</a:t>
+                      </a:r>
+                      <a:endParaRPr lang="en-GB" sz="1800"/>
+                    </a:p>
+                  </a:txBody>
+                  <a:tcPr anchor="ctr">
+                    <a:lnL w="12700" cap="flat" cmpd="sng" algn="ctr">
+                      <a:solidFill>
+                        <a:schemeClr val="tx1"/>
+                      </a:solidFill>
+                      <a:prstDash val="solid"/>
+                      <a:round/>
+                      <a:headEnd type="none" w="med" len="med"/>
+                      <a:tailEnd type="none" w="med" len="med"/>
+                    </a:lnL>
+                    <a:lnR w="12700" cap="flat" cmpd="sng" algn="ctr">
+                      <a:solidFill>
+                        <a:schemeClr val="tx1"/>
+                      </a:solidFill>
+                      <a:prstDash val="solid"/>
+                      <a:round/>
+                      <a:headEnd type="none" w="med" len="med"/>
+                      <a:tailEnd type="none" w="med" len="med"/>
+                    </a:lnR>
+                    <a:lnT w="12700" cap="flat" cmpd="sng" algn="ctr">
+                      <a:solidFill>
+                        <a:schemeClr val="tx1"/>
+                      </a:solidFill>
+                      <a:prstDash val="solid"/>
+                      <a:round/>
+                      <a:headEnd type="none" w="med" len="med"/>
+                      <a:tailEnd type="none" w="med" len="med"/>
+                    </a:lnT>
+                    <a:lnB w="12700" cap="flat" cmpd="sng" algn="ctr">
+                      <a:solidFill>
+                        <a:schemeClr val="tx1"/>
+                      </a:solidFill>
+                      <a:prstDash val="solid"/>
+                      <a:round/>
+                      <a:headEnd type="none" w="med" len="med"/>
+                      <a:tailEnd type="none" w="med" len="med"/>
+                    </a:lnB>
+                  </a:tcPr>
+                </a:tc>
+                <a:tc>
+                  <a:txBody>
+                    <a:bodyPr/>
+                    <a:lstStyle/>
+                    <a:p>
+                      <a:pPr>
+                        <a:buNone/>
+                      </a:pPr>
+                      <a:r>
+                        <a:rPr lang="en-GB" sz="1800"/>
+                        <a:t>Find “if–then” patterns</a:t>
+                      </a:r>
+                    </a:p>
+                  </a:txBody>
+                  <a:tcPr anchor="ctr">
+                    <a:lnL w="12700" cap="flat" cmpd="sng" algn="ctr">
+                      <a:solidFill>
+                        <a:schemeClr val="tx1"/>
+                      </a:solidFill>
+                      <a:prstDash val="solid"/>
+                      <a:round/>
+                      <a:headEnd type="none" w="med" len="med"/>
+                      <a:tailEnd type="none" w="med" len="med"/>
+                    </a:lnL>
+                    <a:lnR w="12700" cap="flat" cmpd="sng" algn="ctr">
+                      <a:solidFill>
+                        <a:schemeClr val="tx1"/>
+                      </a:solidFill>
+                      <a:prstDash val="solid"/>
+                      <a:round/>
+                      <a:headEnd type="none" w="med" len="med"/>
+                      <a:tailEnd type="none" w="med" len="med"/>
+                    </a:lnR>
+                    <a:lnT w="12700" cap="flat" cmpd="sng" algn="ctr">
+                      <a:solidFill>
+                        <a:schemeClr val="tx1"/>
+                      </a:solidFill>
+                      <a:prstDash val="solid"/>
+                      <a:round/>
+                      <a:headEnd type="none" w="med" len="med"/>
+                      <a:tailEnd type="none" w="med" len="med"/>
+                    </a:lnT>
+                    <a:lnB w="12700" cap="flat" cmpd="sng" algn="ctr">
+                      <a:solidFill>
+                        <a:schemeClr val="tx1"/>
+                      </a:solidFill>
+                      <a:prstDash val="solid"/>
+                      <a:round/>
+                      <a:headEnd type="none" w="med" len="med"/>
+                      <a:tailEnd type="none" w="med" len="med"/>
+                    </a:lnB>
+                  </a:tcPr>
+                </a:tc>
+                <a:tc>
+                  <a:txBody>
+                    <a:bodyPr/>
+                    <a:lstStyle/>
+                    <a:p>
+                      <a:pPr>
+                        <a:buNone/>
+                      </a:pPr>
+                      <a:r>
+                        <a:rPr lang="en-GB" sz="1800"/>
+                        <a:t>Categorical / transactions</a:t>
+                      </a:r>
+                    </a:p>
+                  </a:txBody>
+                  <a:tcPr anchor="ctr">
+                    <a:lnL w="12700" cap="flat" cmpd="sng" algn="ctr">
+                      <a:solidFill>
+                        <a:schemeClr val="tx1"/>
+                      </a:solidFill>
+                      <a:prstDash val="solid"/>
+                      <a:round/>
+                      <a:headEnd type="none" w="med" len="med"/>
+                      <a:tailEnd type="none" w="med" len="med"/>
+                    </a:lnL>
+                    <a:lnR w="12700" cap="flat" cmpd="sng" algn="ctr">
+                      <a:solidFill>
+                        <a:schemeClr val="tx1"/>
+                      </a:solidFill>
+                      <a:prstDash val="solid"/>
+                      <a:round/>
+                      <a:headEnd type="none" w="med" len="med"/>
+                      <a:tailEnd type="none" w="med" len="med"/>
+                    </a:lnR>
+                    <a:lnT w="12700" cap="flat" cmpd="sng" algn="ctr">
+                      <a:solidFill>
+                        <a:schemeClr val="tx1"/>
+                      </a:solidFill>
+                      <a:prstDash val="solid"/>
+                      <a:round/>
+                      <a:headEnd type="none" w="med" len="med"/>
+                      <a:tailEnd type="none" w="med" len="med"/>
+                    </a:lnT>
+                    <a:lnB w="12700" cap="flat" cmpd="sng" algn="ctr">
+                      <a:solidFill>
+                        <a:schemeClr val="tx1"/>
+                      </a:solidFill>
+                      <a:prstDash val="solid"/>
+                      <a:round/>
+                      <a:headEnd type="none" w="med" len="med"/>
+                      <a:tailEnd type="none" w="med" len="med"/>
+                    </a:lnB>
+                  </a:tcPr>
+                </a:tc>
+                <a:tc>
+                  <a:txBody>
+                    <a:bodyPr/>
+                    <a:lstStyle/>
+                    <a:p>
+                      <a:pPr>
+                        <a:buNone/>
+                      </a:pPr>
+                      <a:r>
+                        <a:rPr lang="en-GB" sz="1800"/>
+                        <a:t>Rules (X → Y)</a:t>
+                      </a:r>
+                    </a:p>
+                  </a:txBody>
+                  <a:tcPr anchor="ctr">
+                    <a:lnL w="12700" cap="flat" cmpd="sng" algn="ctr">
+                      <a:solidFill>
+                        <a:schemeClr val="tx1"/>
+                      </a:solidFill>
+                      <a:prstDash val="solid"/>
+                      <a:round/>
+                      <a:headEnd type="none" w="med" len="med"/>
+                      <a:tailEnd type="none" w="med" len="med"/>
+                    </a:lnL>
+                    <a:lnR w="12700" cap="flat" cmpd="sng" algn="ctr">
+                      <a:solidFill>
+                        <a:schemeClr val="tx1"/>
+                      </a:solidFill>
+                      <a:prstDash val="solid"/>
+                      <a:round/>
+                      <a:headEnd type="none" w="med" len="med"/>
+                      <a:tailEnd type="none" w="med" len="med"/>
+                    </a:lnR>
+                    <a:lnT w="12700" cap="flat" cmpd="sng" algn="ctr">
+                      <a:solidFill>
+                        <a:schemeClr val="tx1"/>
+                      </a:solidFill>
+                      <a:prstDash val="solid"/>
+                      <a:round/>
+                      <a:headEnd type="none" w="med" len="med"/>
+                      <a:tailEnd type="none" w="med" len="med"/>
+                    </a:lnT>
+                    <a:lnB w="12700" cap="flat" cmpd="sng" algn="ctr">
+                      <a:solidFill>
+                        <a:schemeClr val="tx1"/>
+                      </a:solidFill>
+                      <a:prstDash val="solid"/>
+                      <a:round/>
+                      <a:headEnd type="none" w="med" len="med"/>
+                      <a:tailEnd type="none" w="med" len="med"/>
+                    </a:lnB>
+                  </a:tcPr>
+                </a:tc>
+                <a:tc>
+                  <a:txBody>
+                    <a:bodyPr/>
+                    <a:lstStyle/>
+                    <a:p>
+                      <a:pPr>
+                        <a:buNone/>
+                      </a:pPr>
+                      <a:r>
+                        <a:rPr lang="en-GB" sz="1800" dirty="0"/>
+                        <a:t>Support, confidence</a:t>
+                      </a:r>
+                    </a:p>
+                  </a:txBody>
+                  <a:tcPr anchor="ctr">
+                    <a:lnL w="12700" cap="flat" cmpd="sng" algn="ctr">
+                      <a:solidFill>
+                        <a:schemeClr val="tx1"/>
+                      </a:solidFill>
+                      <a:prstDash val="solid"/>
+                      <a:round/>
+                      <a:headEnd type="none" w="med" len="med"/>
+                      <a:tailEnd type="none" w="med" len="med"/>
+                    </a:lnL>
+                    <a:lnR w="12700" cap="flat" cmpd="sng" algn="ctr">
+                      <a:solidFill>
+                        <a:schemeClr val="tx1"/>
+                      </a:solidFill>
+                      <a:prstDash val="solid"/>
+                      <a:round/>
+                      <a:headEnd type="none" w="med" len="med"/>
+                      <a:tailEnd type="none" w="med" len="med"/>
+                    </a:lnR>
+                    <a:lnT w="12700" cap="flat" cmpd="sng" algn="ctr">
+                      <a:solidFill>
+                        <a:schemeClr val="tx1"/>
+                      </a:solidFill>
+                      <a:prstDash val="solid"/>
+                      <a:round/>
+                      <a:headEnd type="none" w="med" len="med"/>
+                      <a:tailEnd type="none" w="med" len="med"/>
+                    </a:lnT>
+                    <a:lnB w="12700" cap="flat" cmpd="sng" algn="ctr">
+                      <a:solidFill>
+                        <a:schemeClr val="tx1"/>
+                      </a:solidFill>
+                      <a:prstDash val="solid"/>
+                      <a:round/>
+                      <a:headEnd type="none" w="med" len="med"/>
+                      <a:tailEnd type="none" w="med" len="med"/>
+                    </a:lnB>
+                  </a:tcPr>
+                </a:tc>
+                <a:tc>
+                  <a:txBody>
+                    <a:bodyPr/>
+                    <a:lstStyle/>
+                    <a:p>
+                      <a:pPr>
+                        <a:buNone/>
+                      </a:pPr>
+                      <a:r>
+                        <a:rPr lang="en-GB" sz="1800"/>
+                        <a:t>Medium</a:t>
+                      </a:r>
+                    </a:p>
+                  </a:txBody>
+                  <a:tcPr anchor="ctr">
+                    <a:lnL w="12700" cap="flat" cmpd="sng" algn="ctr">
+                      <a:solidFill>
+                        <a:schemeClr val="tx1"/>
+                      </a:solidFill>
+                      <a:prstDash val="solid"/>
+                      <a:round/>
+                      <a:headEnd type="none" w="med" len="med"/>
+                      <a:tailEnd type="none" w="med" len="med"/>
+                    </a:lnL>
+                    <a:lnR w="12700" cap="flat" cmpd="sng" algn="ctr">
+                      <a:solidFill>
+                        <a:schemeClr val="tx1"/>
+                      </a:solidFill>
+                      <a:prstDash val="solid"/>
+                      <a:round/>
+                      <a:headEnd type="none" w="med" len="med"/>
+                      <a:tailEnd type="none" w="med" len="med"/>
+                    </a:lnR>
+                    <a:lnT w="12700" cap="flat" cmpd="sng" algn="ctr">
+                      <a:solidFill>
+                        <a:schemeClr val="tx1"/>
+                      </a:solidFill>
+                      <a:prstDash val="solid"/>
+                      <a:round/>
+                      <a:headEnd type="none" w="med" len="med"/>
+                      <a:tailEnd type="none" w="med" len="med"/>
+                    </a:lnT>
+                    <a:lnB w="12700" cap="flat" cmpd="sng" algn="ctr">
+                      <a:solidFill>
+                        <a:schemeClr val="tx1"/>
+                      </a:solidFill>
+                      <a:prstDash val="solid"/>
+                      <a:round/>
+                      <a:headEnd type="none" w="med" len="med"/>
+                      <a:tailEnd type="none" w="med" len="med"/>
+                    </a:lnB>
+                  </a:tcPr>
+                </a:tc>
+                <a:tc>
+                  <a:txBody>
+                    <a:bodyPr/>
+                    <a:lstStyle/>
+                    <a:p>
+                      <a:pPr>
+                        <a:buNone/>
+                      </a:pPr>
+                      <a:r>
+                        <a:rPr lang="en-GB" sz="1800" dirty="0"/>
+                        <a:t>Market-basket analysis</a:t>
+                      </a:r>
+                    </a:p>
+                  </a:txBody>
+                  <a:tcPr anchor="ctr">
+                    <a:lnL w="12700" cap="flat" cmpd="sng" algn="ctr">
+                      <a:solidFill>
+                        <a:schemeClr val="tx1"/>
+                      </a:solidFill>
+                      <a:prstDash val="solid"/>
+                      <a:round/>
+                      <a:headEnd type="none" w="med" len="med"/>
+                      <a:tailEnd type="none" w="med" len="med"/>
+                    </a:lnL>
+                    <a:lnR w="12700" cap="flat" cmpd="sng" algn="ctr">
+                      <a:solidFill>
+                        <a:schemeClr val="tx1"/>
+                      </a:solidFill>
+                      <a:prstDash val="solid"/>
+                      <a:round/>
+                      <a:headEnd type="none" w="med" len="med"/>
+                      <a:tailEnd type="none" w="med" len="med"/>
+                    </a:lnR>
+                    <a:lnT w="12700" cap="flat" cmpd="sng" algn="ctr">
+                      <a:solidFill>
+                        <a:schemeClr val="tx1"/>
+                      </a:solidFill>
+                      <a:prstDash val="solid"/>
+                      <a:round/>
+                      <a:headEnd type="none" w="med" len="med"/>
+                      <a:tailEnd type="none" w="med" len="med"/>
+                    </a:lnT>
+                    <a:lnB w="12700" cap="flat" cmpd="sng" algn="ctr">
+                      <a:solidFill>
+                        <a:schemeClr val="tx1"/>
+                      </a:solidFill>
+                      <a:prstDash val="solid"/>
+                      <a:round/>
+                      <a:headEnd type="none" w="med" len="med"/>
+                      <a:tailEnd type="none" w="med" len="med"/>
+                    </a:lnB>
+                  </a:tcPr>
+                </a:tc>
+                <a:extLst>
+                  <a:ext uri="{0D108BD9-81ED-4DB2-BD59-A6C34878D82A}">
+                    <a16:rowId xmlns:a16="http://schemas.microsoft.com/office/drawing/2014/main" val="225786713"/>
+                  </a:ext>
+                </a:extLst>
+              </a:tr>
+            </a:tbl>
+          </a:graphicData>
+        </a:graphic>
+      </p:graphicFrame>
+    </p:spTree>
+    <p:extLst>
+      <p:ext uri="{BB962C8B-B14F-4D97-AF65-F5344CB8AC3E}">
+        <p14:creationId xmlns:p14="http://schemas.microsoft.com/office/powerpoint/2010/main" val="2843132920"/>
+      </p:ext>
+    </p:extLst>
+  </p:cSld>
+  <p:clrMapOvr>
+    <a:masterClrMapping/>
+  </p:clrMapOvr>
+</p:sld>
+</file>
+
+<file path=ppt/slides/slide13.xml><?xml version="1.0" encoding="utf-8"?>
+<p:sld xmlns:a="http://schemas.openxmlformats.org/drawingml/2006/main" xmlns:r="http://schemas.openxmlformats.org/officeDocument/2006/relationships" xmlns:p="http://schemas.openxmlformats.org/presentationml/2006/main">
+  <p:cSld>
+    <p:spTree>
+      <p:nvGrpSpPr>
+        <p:cNvPr id="1" name=""/>
+        <p:cNvGrpSpPr/>
+        <p:nvPr/>
+      </p:nvGrpSpPr>
+      <p:grpSpPr>
+        <a:xfrm>
+          <a:off x="0" y="0"/>
+          <a:ext cx="0" cy="0"/>
+          <a:chOff x="0" y="0"/>
+          <a:chExt cx="0" cy="0"/>
+        </a:xfrm>
+      </p:grpSpPr>
+      <p:sp>
+        <p:nvSpPr>
+          <p:cNvPr id="2" name="Title 1">
+            <a:extLst>
+              <a:ext uri="{FF2B5EF4-FFF2-40B4-BE49-F238E27FC236}">
+                <a16:creationId xmlns:a16="http://schemas.microsoft.com/office/drawing/2014/main" id="{A3C0EF78-1E3E-749D-BBF5-1A24BB8CBBFE}"/>
+              </a:ext>
+            </a:extLst>
+          </p:cNvPr>
+          <p:cNvSpPr>
+            <a:spLocks noGrp="1"/>
+          </p:cNvSpPr>
+          <p:nvPr>
+            <p:ph type="title"/>
+          </p:nvPr>
+        </p:nvSpPr>
+        <p:spPr/>
+        <p:txBody>
+          <a:bodyPr/>
+          <a:lstStyle/>
+          <a:p>
+            <a:r>
+              <a:rPr lang="en-IN" dirty="0"/>
+              <a:t>When to Use What</a:t>
+            </a:r>
+            <a:endParaRPr lang="en-GB" dirty="0"/>
+          </a:p>
+        </p:txBody>
+      </p:sp>
+      <p:graphicFrame>
+        <p:nvGraphicFramePr>
+          <p:cNvPr id="4" name="Content Placeholder 3">
+            <a:extLst>
+              <a:ext uri="{FF2B5EF4-FFF2-40B4-BE49-F238E27FC236}">
+                <a16:creationId xmlns:a16="http://schemas.microsoft.com/office/drawing/2014/main" id="{7B45D140-D753-DE02-8489-365B76CD1650}"/>
+              </a:ext>
+            </a:extLst>
+          </p:cNvPr>
+          <p:cNvGraphicFramePr>
+            <a:graphicFrameLocks noGrp="1"/>
+          </p:cNvGraphicFramePr>
+          <p:nvPr>
+            <p:ph idx="1"/>
+            <p:extLst>
+              <p:ext uri="{D42A27DB-BD31-4B8C-83A1-F6EECF244321}">
+                <p14:modId xmlns:p14="http://schemas.microsoft.com/office/powerpoint/2010/main" val="1281453307"/>
+              </p:ext>
+            </p:extLst>
+          </p:nvPr>
+        </p:nvGraphicFramePr>
+        <p:xfrm>
+          <a:off x="536308" y="1628242"/>
+          <a:ext cx="11119384" cy="4915312"/>
+        </p:xfrm>
+        <a:graphic>
+          <a:graphicData uri="http://schemas.openxmlformats.org/drawingml/2006/table">
+            <a:tbl>
+              <a:tblPr firstRow="1">
+                <a:tableStyleId>{72833802-FEF1-4C79-8D5D-14CF1EAF98D9}</a:tableStyleId>
+              </a:tblPr>
+              <a:tblGrid>
+                <a:gridCol w="439750">
+                  <a:extLst>
+                    <a:ext uri="{9D8B030D-6E8A-4147-A177-3AD203B41FA5}">
+                      <a16:colId xmlns:a16="http://schemas.microsoft.com/office/drawing/2014/main" val="1487448543"/>
+                    </a:ext>
+                  </a:extLst>
+                </a:gridCol>
+                <a:gridCol w="4517322">
+                  <a:extLst>
+                    <a:ext uri="{9D8B030D-6E8A-4147-A177-3AD203B41FA5}">
+                      <a16:colId xmlns:a16="http://schemas.microsoft.com/office/drawing/2014/main" val="2484424211"/>
+                    </a:ext>
+                  </a:extLst>
+                </a:gridCol>
+                <a:gridCol w="2113823">
+                  <a:extLst>
+                    <a:ext uri="{9D8B030D-6E8A-4147-A177-3AD203B41FA5}">
+                      <a16:colId xmlns:a16="http://schemas.microsoft.com/office/drawing/2014/main" val="3596504594"/>
+                    </a:ext>
+                  </a:extLst>
+                </a:gridCol>
+                <a:gridCol w="4048489">
+                  <a:extLst>
+                    <a:ext uri="{9D8B030D-6E8A-4147-A177-3AD203B41FA5}">
+                      <a16:colId xmlns:a16="http://schemas.microsoft.com/office/drawing/2014/main" val="151112357"/>
+                    </a:ext>
+                  </a:extLst>
+                </a:gridCol>
+              </a:tblGrid>
+              <a:tr h="226044">
+                <a:tc>
+                  <a:txBody>
+                    <a:bodyPr/>
+                    <a:lstStyle/>
+                    <a:p>
+                      <a:pPr>
+                        <a:buNone/>
+                      </a:pPr>
+                      <a:r>
+                        <a:rPr lang="en-GB" sz="1800"/>
+                        <a:t>#</a:t>
+                      </a:r>
+                    </a:p>
+                  </a:txBody>
+                  <a:tcPr marL="56511" marR="56511" marT="28255" marB="28255" anchor="ctr">
+                    <a:lnL w="12700" cap="flat" cmpd="sng" algn="ctr">
+                      <a:solidFill>
+                        <a:schemeClr val="tx1"/>
+                      </a:solidFill>
+                      <a:prstDash val="solid"/>
+                      <a:round/>
+                      <a:headEnd type="none" w="med" len="med"/>
+                      <a:tailEnd type="none" w="med" len="med"/>
+                    </a:lnL>
+                    <a:lnR w="12700" cap="flat" cmpd="sng" algn="ctr">
+                      <a:solidFill>
+                        <a:schemeClr val="tx1"/>
+                      </a:solidFill>
+                      <a:prstDash val="solid"/>
+                      <a:round/>
+                      <a:headEnd type="none" w="med" len="med"/>
+                      <a:tailEnd type="none" w="med" len="med"/>
+                    </a:lnR>
+                    <a:lnT w="12700" cap="flat" cmpd="sng" algn="ctr">
+                      <a:solidFill>
+                        <a:schemeClr val="tx1"/>
+                      </a:solidFill>
+                      <a:prstDash val="solid"/>
+                      <a:round/>
+                      <a:headEnd type="none" w="med" len="med"/>
+                      <a:tailEnd type="none" w="med" len="med"/>
+                    </a:lnT>
+                    <a:lnB w="12700" cap="flat" cmpd="sng" algn="ctr">
+                      <a:solidFill>
+                        <a:schemeClr val="tx1"/>
+                      </a:solidFill>
+                      <a:prstDash val="solid"/>
+                      <a:round/>
+                      <a:headEnd type="none" w="med" len="med"/>
+                      <a:tailEnd type="none" w="med" len="med"/>
+                    </a:lnB>
+                  </a:tcPr>
+                </a:tc>
+                <a:tc>
+                  <a:txBody>
+                    <a:bodyPr/>
+                    <a:lstStyle/>
+                    <a:p>
+                      <a:pPr>
+                        <a:buNone/>
+                      </a:pPr>
+                      <a:r>
+                        <a:rPr lang="en-GB" sz="1800"/>
+                        <a:t>Explicit problem</a:t>
+                      </a:r>
+                    </a:p>
+                  </a:txBody>
+                  <a:tcPr marL="56511" marR="56511" marT="28255" marB="28255" anchor="ctr">
+                    <a:lnL w="12700" cap="flat" cmpd="sng" algn="ctr">
+                      <a:solidFill>
+                        <a:schemeClr val="tx1"/>
+                      </a:solidFill>
+                      <a:prstDash val="solid"/>
+                      <a:round/>
+                      <a:headEnd type="none" w="med" len="med"/>
+                      <a:tailEnd type="none" w="med" len="med"/>
+                    </a:lnL>
+                    <a:lnR w="12700" cap="flat" cmpd="sng" algn="ctr">
+                      <a:solidFill>
+                        <a:schemeClr val="tx1"/>
+                      </a:solidFill>
+                      <a:prstDash val="solid"/>
+                      <a:round/>
+                      <a:headEnd type="none" w="med" len="med"/>
+                      <a:tailEnd type="none" w="med" len="med"/>
+                    </a:lnR>
+                    <a:lnT w="12700" cap="flat" cmpd="sng" algn="ctr">
+                      <a:solidFill>
+                        <a:schemeClr val="tx1"/>
+                      </a:solidFill>
+                      <a:prstDash val="solid"/>
+                      <a:round/>
+                      <a:headEnd type="none" w="med" len="med"/>
+                      <a:tailEnd type="none" w="med" len="med"/>
+                    </a:lnT>
+                    <a:lnB w="12700" cap="flat" cmpd="sng" algn="ctr">
+                      <a:solidFill>
+                        <a:schemeClr val="tx1"/>
+                      </a:solidFill>
+                      <a:prstDash val="solid"/>
+                      <a:round/>
+                      <a:headEnd type="none" w="med" len="med"/>
+                      <a:tailEnd type="none" w="med" len="med"/>
+                    </a:lnB>
+                  </a:tcPr>
+                </a:tc>
+                <a:tc>
+                  <a:txBody>
+                    <a:bodyPr/>
+                    <a:lstStyle/>
+                    <a:p>
+                      <a:pPr>
+                        <a:buNone/>
+                      </a:pPr>
+                      <a:r>
+                        <a:rPr lang="en-GB" sz="1800"/>
+                        <a:t>Use</a:t>
+                      </a:r>
+                    </a:p>
+                  </a:txBody>
+                  <a:tcPr marL="56511" marR="56511" marT="28255" marB="28255" anchor="ctr">
+                    <a:lnL w="12700" cap="flat" cmpd="sng" algn="ctr">
+                      <a:solidFill>
+                        <a:schemeClr val="tx1"/>
+                      </a:solidFill>
+                      <a:prstDash val="solid"/>
+                      <a:round/>
+                      <a:headEnd type="none" w="med" len="med"/>
+                      <a:tailEnd type="none" w="med" len="med"/>
+                    </a:lnL>
+                    <a:lnR w="12700" cap="flat" cmpd="sng" algn="ctr">
+                      <a:solidFill>
+                        <a:schemeClr val="tx1"/>
+                      </a:solidFill>
+                      <a:prstDash val="solid"/>
+                      <a:round/>
+                      <a:headEnd type="none" w="med" len="med"/>
+                      <a:tailEnd type="none" w="med" len="med"/>
+                    </a:lnR>
+                    <a:lnT w="12700" cap="flat" cmpd="sng" algn="ctr">
+                      <a:solidFill>
+                        <a:schemeClr val="tx1"/>
+                      </a:solidFill>
+                      <a:prstDash val="solid"/>
+                      <a:round/>
+                      <a:headEnd type="none" w="med" len="med"/>
+                      <a:tailEnd type="none" w="med" len="med"/>
+                    </a:lnT>
+                    <a:lnB w="12700" cap="flat" cmpd="sng" algn="ctr">
+                      <a:solidFill>
+                        <a:schemeClr val="tx1"/>
+                      </a:solidFill>
+                      <a:prstDash val="solid"/>
+                      <a:round/>
+                      <a:headEnd type="none" w="med" len="med"/>
+                      <a:tailEnd type="none" w="med" len="med"/>
+                    </a:lnB>
+                  </a:tcPr>
+                </a:tc>
+                <a:tc>
+                  <a:txBody>
+                    <a:bodyPr/>
+                    <a:lstStyle/>
+                    <a:p>
+                      <a:pPr>
+                        <a:buNone/>
+                      </a:pPr>
+                      <a:r>
+                        <a:rPr lang="en-GB" sz="1800"/>
+                        <a:t>Why this method fits</a:t>
+                      </a:r>
+                    </a:p>
+                  </a:txBody>
+                  <a:tcPr marL="56511" marR="56511" marT="28255" marB="28255" anchor="ctr">
+                    <a:lnL w="12700" cap="flat" cmpd="sng" algn="ctr">
+                      <a:solidFill>
+                        <a:schemeClr val="tx1"/>
+                      </a:solidFill>
+                      <a:prstDash val="solid"/>
+                      <a:round/>
+                      <a:headEnd type="none" w="med" len="med"/>
+                      <a:tailEnd type="none" w="med" len="med"/>
+                    </a:lnL>
+                    <a:lnR w="12700" cap="flat" cmpd="sng" algn="ctr">
+                      <a:solidFill>
+                        <a:schemeClr val="tx1"/>
+                      </a:solidFill>
+                      <a:prstDash val="solid"/>
+                      <a:round/>
+                      <a:headEnd type="none" w="med" len="med"/>
+                      <a:tailEnd type="none" w="med" len="med"/>
+                    </a:lnR>
+                    <a:lnT w="12700" cap="flat" cmpd="sng" algn="ctr">
+                      <a:solidFill>
+                        <a:schemeClr val="tx1"/>
+                      </a:solidFill>
+                      <a:prstDash val="solid"/>
+                      <a:round/>
+                      <a:headEnd type="none" w="med" len="med"/>
+                      <a:tailEnd type="none" w="med" len="med"/>
+                    </a:lnT>
+                    <a:lnB w="12700" cap="flat" cmpd="sng" algn="ctr">
+                      <a:solidFill>
+                        <a:schemeClr val="tx1"/>
+                      </a:solidFill>
+                      <a:prstDash val="solid"/>
+                      <a:round/>
+                      <a:headEnd type="none" w="med" len="med"/>
+                      <a:tailEnd type="none" w="med" len="med"/>
+                    </a:lnB>
+                  </a:tcPr>
+                </a:tc>
+                <a:extLst>
+                  <a:ext uri="{0D108BD9-81ED-4DB2-BD59-A6C34878D82A}">
+                    <a16:rowId xmlns:a16="http://schemas.microsoft.com/office/drawing/2014/main" val="2260499542"/>
+                  </a:ext>
+                </a:extLst>
+              </a:tr>
+              <a:tr h="395576">
+                <a:tc>
+                  <a:txBody>
+                    <a:bodyPr/>
+                    <a:lstStyle/>
+                    <a:p>
+                      <a:pPr>
+                        <a:buNone/>
+                      </a:pPr>
+                      <a:r>
+                        <a:rPr lang="en-GB" sz="1800"/>
+                        <a:t>1</a:t>
+                      </a:r>
+                    </a:p>
+                  </a:txBody>
+                  <a:tcPr marL="56511" marR="56511" marT="28255" marB="28255" anchor="ctr">
+                    <a:lnL w="12700" cap="flat" cmpd="sng" algn="ctr">
+                      <a:solidFill>
+                        <a:schemeClr val="tx1"/>
+                      </a:solidFill>
+                      <a:prstDash val="solid"/>
+                      <a:round/>
+                      <a:headEnd type="none" w="med" len="med"/>
+                      <a:tailEnd type="none" w="med" len="med"/>
+                    </a:lnL>
+                    <a:lnR w="12700" cap="flat" cmpd="sng" algn="ctr">
+                      <a:solidFill>
+                        <a:schemeClr val="tx1"/>
+                      </a:solidFill>
+                      <a:prstDash val="solid"/>
+                      <a:round/>
+                      <a:headEnd type="none" w="med" len="med"/>
+                      <a:tailEnd type="none" w="med" len="med"/>
+                    </a:lnR>
+                    <a:lnT w="12700" cap="flat" cmpd="sng" algn="ctr">
+                      <a:solidFill>
+                        <a:schemeClr val="tx1"/>
+                      </a:solidFill>
+                      <a:prstDash val="solid"/>
+                      <a:round/>
+                      <a:headEnd type="none" w="med" len="med"/>
+                      <a:tailEnd type="none" w="med" len="med"/>
+                    </a:lnT>
+                    <a:lnB w="12700" cap="flat" cmpd="sng" algn="ctr">
+                      <a:solidFill>
+                        <a:schemeClr val="tx1"/>
+                      </a:solidFill>
+                      <a:prstDash val="solid"/>
+                      <a:round/>
+                      <a:headEnd type="none" w="med" len="med"/>
+                      <a:tailEnd type="none" w="med" len="med"/>
+                    </a:lnB>
+                  </a:tcPr>
+                </a:tc>
+                <a:tc>
+                  <a:txBody>
+                    <a:bodyPr/>
+                    <a:lstStyle/>
+                    <a:p>
+                      <a:pPr>
+                        <a:buNone/>
+                      </a:pPr>
+                      <a:r>
+                        <a:rPr lang="en-US" sz="1800"/>
+                        <a:t>Group customers by </a:t>
+                      </a:r>
+                      <a:r>
+                        <a:rPr lang="en-US" sz="1800" b="1"/>
+                        <a:t>age, income, spending score</a:t>
+                      </a:r>
+                      <a:endParaRPr lang="en-US" sz="1800"/>
+                    </a:p>
+                  </a:txBody>
+                  <a:tcPr marL="56511" marR="56511" marT="28255" marB="28255" anchor="ctr">
+                    <a:lnL w="12700" cap="flat" cmpd="sng" algn="ctr">
+                      <a:solidFill>
+                        <a:schemeClr val="tx1"/>
+                      </a:solidFill>
+                      <a:prstDash val="solid"/>
+                      <a:round/>
+                      <a:headEnd type="none" w="med" len="med"/>
+                      <a:tailEnd type="none" w="med" len="med"/>
+                    </a:lnL>
+                    <a:lnR w="12700" cap="flat" cmpd="sng" algn="ctr">
+                      <a:solidFill>
+                        <a:schemeClr val="tx1"/>
+                      </a:solidFill>
+                      <a:prstDash val="solid"/>
+                      <a:round/>
+                      <a:headEnd type="none" w="med" len="med"/>
+                      <a:tailEnd type="none" w="med" len="med"/>
+                    </a:lnR>
+                    <a:lnT w="12700" cap="flat" cmpd="sng" algn="ctr">
+                      <a:solidFill>
+                        <a:schemeClr val="tx1"/>
+                      </a:solidFill>
+                      <a:prstDash val="solid"/>
+                      <a:round/>
+                      <a:headEnd type="none" w="med" len="med"/>
+                      <a:tailEnd type="none" w="med" len="med"/>
+                    </a:lnT>
+                    <a:lnB w="12700" cap="flat" cmpd="sng" algn="ctr">
+                      <a:solidFill>
+                        <a:schemeClr val="tx1"/>
+                      </a:solidFill>
+                      <a:prstDash val="solid"/>
+                      <a:round/>
+                      <a:headEnd type="none" w="med" len="med"/>
+                      <a:tailEnd type="none" w="med" len="med"/>
+                    </a:lnB>
+                  </a:tcPr>
+                </a:tc>
+                <a:tc>
+                  <a:txBody>
+                    <a:bodyPr/>
+                    <a:lstStyle/>
+                    <a:p>
+                      <a:pPr>
+                        <a:buNone/>
+                      </a:pPr>
+                      <a:r>
+                        <a:rPr lang="en-GB" sz="1800" b="1"/>
+                        <a:t>k-Means</a:t>
+                      </a:r>
+                      <a:endParaRPr lang="en-GB" sz="1800"/>
+                    </a:p>
+                  </a:txBody>
+                  <a:tcPr marL="56511" marR="56511" marT="28255" marB="28255" anchor="ctr">
+                    <a:lnL w="12700" cap="flat" cmpd="sng" algn="ctr">
+                      <a:solidFill>
+                        <a:schemeClr val="tx1"/>
+                      </a:solidFill>
+                      <a:prstDash val="solid"/>
+                      <a:round/>
+                      <a:headEnd type="none" w="med" len="med"/>
+                      <a:tailEnd type="none" w="med" len="med"/>
+                    </a:lnL>
+                    <a:lnR w="12700" cap="flat" cmpd="sng" algn="ctr">
+                      <a:solidFill>
+                        <a:schemeClr val="tx1"/>
+                      </a:solidFill>
+                      <a:prstDash val="solid"/>
+                      <a:round/>
+                      <a:headEnd type="none" w="med" len="med"/>
+                      <a:tailEnd type="none" w="med" len="med"/>
+                    </a:lnR>
+                    <a:lnT w="12700" cap="flat" cmpd="sng" algn="ctr">
+                      <a:solidFill>
+                        <a:schemeClr val="tx1"/>
+                      </a:solidFill>
+                      <a:prstDash val="solid"/>
+                      <a:round/>
+                      <a:headEnd type="none" w="med" len="med"/>
+                      <a:tailEnd type="none" w="med" len="med"/>
+                    </a:lnT>
+                    <a:lnB w="12700" cap="flat" cmpd="sng" algn="ctr">
+                      <a:solidFill>
+                        <a:schemeClr val="tx1"/>
+                      </a:solidFill>
+                      <a:prstDash val="solid"/>
+                      <a:round/>
+                      <a:headEnd type="none" w="med" len="med"/>
+                      <a:tailEnd type="none" w="med" len="med"/>
+                    </a:lnB>
+                  </a:tcPr>
+                </a:tc>
+                <a:tc>
+                  <a:txBody>
+                    <a:bodyPr/>
+                    <a:lstStyle/>
+                    <a:p>
+                      <a:pPr>
+                        <a:buNone/>
+                      </a:pPr>
+                      <a:r>
+                        <a:rPr lang="en-US" sz="1800"/>
+                        <a:t>Numeric data + want clear groups</a:t>
+                      </a:r>
+                    </a:p>
+                  </a:txBody>
+                  <a:tcPr marL="56511" marR="56511" marT="28255" marB="28255" anchor="ctr">
+                    <a:lnL w="12700" cap="flat" cmpd="sng" algn="ctr">
+                      <a:solidFill>
+                        <a:schemeClr val="tx1"/>
+                      </a:solidFill>
+                      <a:prstDash val="solid"/>
+                      <a:round/>
+                      <a:headEnd type="none" w="med" len="med"/>
+                      <a:tailEnd type="none" w="med" len="med"/>
+                    </a:lnL>
+                    <a:lnR w="12700" cap="flat" cmpd="sng" algn="ctr">
+                      <a:solidFill>
+                        <a:schemeClr val="tx1"/>
+                      </a:solidFill>
+                      <a:prstDash val="solid"/>
+                      <a:round/>
+                      <a:headEnd type="none" w="med" len="med"/>
+                      <a:tailEnd type="none" w="med" len="med"/>
+                    </a:lnR>
+                    <a:lnT w="12700" cap="flat" cmpd="sng" algn="ctr">
+                      <a:solidFill>
+                        <a:schemeClr val="tx1"/>
+                      </a:solidFill>
+                      <a:prstDash val="solid"/>
+                      <a:round/>
+                      <a:headEnd type="none" w="med" len="med"/>
+                      <a:tailEnd type="none" w="med" len="med"/>
+                    </a:lnT>
+                    <a:lnB w="12700" cap="flat" cmpd="sng" algn="ctr">
+                      <a:solidFill>
+                        <a:schemeClr val="tx1"/>
+                      </a:solidFill>
+                      <a:prstDash val="solid"/>
+                      <a:round/>
+                      <a:headEnd type="none" w="med" len="med"/>
+                      <a:tailEnd type="none" w="med" len="med"/>
+                    </a:lnB>
+                  </a:tcPr>
+                </a:tc>
+                <a:extLst>
+                  <a:ext uri="{0D108BD9-81ED-4DB2-BD59-A6C34878D82A}">
+                    <a16:rowId xmlns:a16="http://schemas.microsoft.com/office/drawing/2014/main" val="1829305448"/>
+                  </a:ext>
+                </a:extLst>
+              </a:tr>
+              <a:tr h="565109">
+                <a:tc>
+                  <a:txBody>
+                    <a:bodyPr/>
+                    <a:lstStyle/>
+                    <a:p>
+                      <a:pPr>
+                        <a:buNone/>
+                      </a:pPr>
+                      <a:r>
+                        <a:rPr lang="en-GB" sz="1800"/>
+                        <a:t>2</a:t>
+                      </a:r>
+                    </a:p>
+                  </a:txBody>
+                  <a:tcPr marL="56511" marR="56511" marT="28255" marB="28255" anchor="ctr">
+                    <a:lnL w="12700" cap="flat" cmpd="sng" algn="ctr">
+                      <a:solidFill>
+                        <a:schemeClr val="tx1"/>
+                      </a:solidFill>
+                      <a:prstDash val="solid"/>
+                      <a:round/>
+                      <a:headEnd type="none" w="med" len="med"/>
+                      <a:tailEnd type="none" w="med" len="med"/>
+                    </a:lnL>
+                    <a:lnR w="12700" cap="flat" cmpd="sng" algn="ctr">
+                      <a:solidFill>
+                        <a:schemeClr val="tx1"/>
+                      </a:solidFill>
+                      <a:prstDash val="solid"/>
+                      <a:round/>
+                      <a:headEnd type="none" w="med" len="med"/>
+                      <a:tailEnd type="none" w="med" len="med"/>
+                    </a:lnR>
+                    <a:lnT w="12700" cap="flat" cmpd="sng" algn="ctr">
+                      <a:solidFill>
+                        <a:schemeClr val="tx1"/>
+                      </a:solidFill>
+                      <a:prstDash val="solid"/>
+                      <a:round/>
+                      <a:headEnd type="none" w="med" len="med"/>
+                      <a:tailEnd type="none" w="med" len="med"/>
+                    </a:lnT>
+                    <a:lnB w="12700" cap="flat" cmpd="sng" algn="ctr">
+                      <a:solidFill>
+                        <a:schemeClr val="tx1"/>
+                      </a:solidFill>
+                      <a:prstDash val="solid"/>
+                      <a:round/>
+                      <a:headEnd type="none" w="med" len="med"/>
+                      <a:tailEnd type="none" w="med" len="med"/>
+                    </a:lnB>
+                  </a:tcPr>
+                </a:tc>
+                <a:tc>
+                  <a:txBody>
+                    <a:bodyPr/>
+                    <a:lstStyle/>
+                    <a:p>
+                      <a:pPr>
+                        <a:buNone/>
+                      </a:pPr>
+                      <a:r>
+                        <a:rPr lang="en-US" sz="1800"/>
+                        <a:t>Find which </a:t>
+                      </a:r>
+                      <a:r>
+                        <a:rPr lang="en-US" sz="1800" b="1"/>
+                        <a:t>products are bought together</a:t>
+                      </a:r>
+                      <a:r>
+                        <a:rPr lang="en-US" sz="1800"/>
+                        <a:t> (bread → butter)</a:t>
+                      </a:r>
+                    </a:p>
+                  </a:txBody>
+                  <a:tcPr marL="56511" marR="56511" marT="28255" marB="28255" anchor="ctr">
+                    <a:lnL w="12700" cap="flat" cmpd="sng" algn="ctr">
+                      <a:solidFill>
+                        <a:schemeClr val="tx1"/>
+                      </a:solidFill>
+                      <a:prstDash val="solid"/>
+                      <a:round/>
+                      <a:headEnd type="none" w="med" len="med"/>
+                      <a:tailEnd type="none" w="med" len="med"/>
+                    </a:lnL>
+                    <a:lnR w="12700" cap="flat" cmpd="sng" algn="ctr">
+                      <a:solidFill>
+                        <a:schemeClr val="tx1"/>
+                      </a:solidFill>
+                      <a:prstDash val="solid"/>
+                      <a:round/>
+                      <a:headEnd type="none" w="med" len="med"/>
+                      <a:tailEnd type="none" w="med" len="med"/>
+                    </a:lnR>
+                    <a:lnT w="12700" cap="flat" cmpd="sng" algn="ctr">
+                      <a:solidFill>
+                        <a:schemeClr val="tx1"/>
+                      </a:solidFill>
+                      <a:prstDash val="solid"/>
+                      <a:round/>
+                      <a:headEnd type="none" w="med" len="med"/>
+                      <a:tailEnd type="none" w="med" len="med"/>
+                    </a:lnT>
+                    <a:lnB w="12700" cap="flat" cmpd="sng" algn="ctr">
+                      <a:solidFill>
+                        <a:schemeClr val="tx1"/>
+                      </a:solidFill>
+                      <a:prstDash val="solid"/>
+                      <a:round/>
+                      <a:headEnd type="none" w="med" len="med"/>
+                      <a:tailEnd type="none" w="med" len="med"/>
+                    </a:lnB>
+                  </a:tcPr>
+                </a:tc>
+                <a:tc>
+                  <a:txBody>
+                    <a:bodyPr/>
+                    <a:lstStyle/>
+                    <a:p>
+                      <a:pPr>
+                        <a:buNone/>
+                      </a:pPr>
+                      <a:r>
+                        <a:rPr lang="en-GB" sz="1800" b="1"/>
+                        <a:t>Association Rules</a:t>
+                      </a:r>
+                      <a:endParaRPr lang="en-GB" sz="1800"/>
+                    </a:p>
+                  </a:txBody>
+                  <a:tcPr marL="56511" marR="56511" marT="28255" marB="28255" anchor="ctr">
+                    <a:lnL w="12700" cap="flat" cmpd="sng" algn="ctr">
+                      <a:solidFill>
+                        <a:schemeClr val="tx1"/>
+                      </a:solidFill>
+                      <a:prstDash val="solid"/>
+                      <a:round/>
+                      <a:headEnd type="none" w="med" len="med"/>
+                      <a:tailEnd type="none" w="med" len="med"/>
+                    </a:lnL>
+                    <a:lnR w="12700" cap="flat" cmpd="sng" algn="ctr">
+                      <a:solidFill>
+                        <a:schemeClr val="tx1"/>
+                      </a:solidFill>
+                      <a:prstDash val="solid"/>
+                      <a:round/>
+                      <a:headEnd type="none" w="med" len="med"/>
+                      <a:tailEnd type="none" w="med" len="med"/>
+                    </a:lnR>
+                    <a:lnT w="12700" cap="flat" cmpd="sng" algn="ctr">
+                      <a:solidFill>
+                        <a:schemeClr val="tx1"/>
+                      </a:solidFill>
+                      <a:prstDash val="solid"/>
+                      <a:round/>
+                      <a:headEnd type="none" w="med" len="med"/>
+                      <a:tailEnd type="none" w="med" len="med"/>
+                    </a:lnT>
+                    <a:lnB w="12700" cap="flat" cmpd="sng" algn="ctr">
+                      <a:solidFill>
+                        <a:schemeClr val="tx1"/>
+                      </a:solidFill>
+                      <a:prstDash val="solid"/>
+                      <a:round/>
+                      <a:headEnd type="none" w="med" len="med"/>
+                      <a:tailEnd type="none" w="med" len="med"/>
+                    </a:lnB>
+                  </a:tcPr>
+                </a:tc>
+                <a:tc>
+                  <a:txBody>
+                    <a:bodyPr/>
+                    <a:lstStyle/>
+                    <a:p>
+                      <a:pPr>
+                        <a:buNone/>
+                      </a:pPr>
+                      <a:r>
+                        <a:rPr lang="en-GB" sz="1800"/>
+                        <a:t>Looking for co-occurrence patterns</a:t>
+                      </a:r>
+                    </a:p>
+                  </a:txBody>
+                  <a:tcPr marL="56511" marR="56511" marT="28255" marB="28255" anchor="ctr">
+                    <a:lnL w="12700" cap="flat" cmpd="sng" algn="ctr">
+                      <a:solidFill>
+                        <a:schemeClr val="tx1"/>
+                      </a:solidFill>
+                      <a:prstDash val="solid"/>
+                      <a:round/>
+                      <a:headEnd type="none" w="med" len="med"/>
+                      <a:tailEnd type="none" w="med" len="med"/>
+                    </a:lnL>
+                    <a:lnR w="12700" cap="flat" cmpd="sng" algn="ctr">
+                      <a:solidFill>
+                        <a:schemeClr val="tx1"/>
+                      </a:solidFill>
+                      <a:prstDash val="solid"/>
+                      <a:round/>
+                      <a:headEnd type="none" w="med" len="med"/>
+                      <a:tailEnd type="none" w="med" len="med"/>
+                    </a:lnR>
+                    <a:lnT w="12700" cap="flat" cmpd="sng" algn="ctr">
+                      <a:solidFill>
+                        <a:schemeClr val="tx1"/>
+                      </a:solidFill>
+                      <a:prstDash val="solid"/>
+                      <a:round/>
+                      <a:headEnd type="none" w="med" len="med"/>
+                      <a:tailEnd type="none" w="med" len="med"/>
+                    </a:lnT>
+                    <a:lnB w="12700" cap="flat" cmpd="sng" algn="ctr">
+                      <a:solidFill>
+                        <a:schemeClr val="tx1"/>
+                      </a:solidFill>
+                      <a:prstDash val="solid"/>
+                      <a:round/>
+                      <a:headEnd type="none" w="med" len="med"/>
+                      <a:tailEnd type="none" w="med" len="med"/>
+                    </a:lnB>
+                  </a:tcPr>
+                </a:tc>
+                <a:extLst>
+                  <a:ext uri="{0D108BD9-81ED-4DB2-BD59-A6C34878D82A}">
+                    <a16:rowId xmlns:a16="http://schemas.microsoft.com/office/drawing/2014/main" val="3760119284"/>
+                  </a:ext>
+                </a:extLst>
+              </a:tr>
+              <a:tr h="395576">
+                <a:tc>
+                  <a:txBody>
+                    <a:bodyPr/>
+                    <a:lstStyle/>
+                    <a:p>
+                      <a:pPr>
+                        <a:buNone/>
+                      </a:pPr>
+                      <a:r>
+                        <a:rPr lang="en-GB" sz="1800"/>
+                        <a:t>3</a:t>
+                      </a:r>
+                    </a:p>
+                  </a:txBody>
+                  <a:tcPr marL="56511" marR="56511" marT="28255" marB="28255" anchor="ctr">
+                    <a:lnL w="12700" cap="flat" cmpd="sng" algn="ctr">
+                      <a:solidFill>
+                        <a:schemeClr val="tx1"/>
+                      </a:solidFill>
+                      <a:prstDash val="solid"/>
+                      <a:round/>
+                      <a:headEnd type="none" w="med" len="med"/>
+                      <a:tailEnd type="none" w="med" len="med"/>
+                    </a:lnL>
+                    <a:lnR w="12700" cap="flat" cmpd="sng" algn="ctr">
+                      <a:solidFill>
+                        <a:schemeClr val="tx1"/>
+                      </a:solidFill>
+                      <a:prstDash val="solid"/>
+                      <a:round/>
+                      <a:headEnd type="none" w="med" len="med"/>
+                      <a:tailEnd type="none" w="med" len="med"/>
+                    </a:lnR>
+                    <a:lnT w="12700" cap="flat" cmpd="sng" algn="ctr">
+                      <a:solidFill>
+                        <a:schemeClr val="tx1"/>
+                      </a:solidFill>
+                      <a:prstDash val="solid"/>
+                      <a:round/>
+                      <a:headEnd type="none" w="med" len="med"/>
+                      <a:tailEnd type="none" w="med" len="med"/>
+                    </a:lnT>
+                    <a:lnB w="12700" cap="flat" cmpd="sng" algn="ctr">
+                      <a:solidFill>
+                        <a:schemeClr val="tx1"/>
+                      </a:solidFill>
+                      <a:prstDash val="solid"/>
+                      <a:round/>
+                      <a:headEnd type="none" w="med" len="med"/>
+                      <a:tailEnd type="none" w="med" len="med"/>
+                    </a:lnB>
+                  </a:tcPr>
+                </a:tc>
+                <a:tc>
+                  <a:txBody>
+                    <a:bodyPr/>
+                    <a:lstStyle/>
+                    <a:p>
+                      <a:pPr>
+                        <a:buNone/>
+                      </a:pPr>
+                      <a:r>
+                        <a:rPr lang="en-US" sz="1800"/>
+                        <a:t>Cluster </a:t>
+                      </a:r>
+                      <a:r>
+                        <a:rPr lang="en-US" sz="1800" b="1"/>
+                        <a:t>emails by writing style</a:t>
+                      </a:r>
+                      <a:r>
+                        <a:rPr lang="en-US" sz="1800"/>
+                        <a:t> (not spam/ham)</a:t>
+                      </a:r>
+                    </a:p>
+                  </a:txBody>
+                  <a:tcPr marL="56511" marR="56511" marT="28255" marB="28255" anchor="ctr">
+                    <a:lnL w="12700" cap="flat" cmpd="sng" algn="ctr">
+                      <a:solidFill>
+                        <a:schemeClr val="tx1"/>
+                      </a:solidFill>
+                      <a:prstDash val="solid"/>
+                      <a:round/>
+                      <a:headEnd type="none" w="med" len="med"/>
+                      <a:tailEnd type="none" w="med" len="med"/>
+                    </a:lnL>
+                    <a:lnR w="12700" cap="flat" cmpd="sng" algn="ctr">
+                      <a:solidFill>
+                        <a:schemeClr val="tx1"/>
+                      </a:solidFill>
+                      <a:prstDash val="solid"/>
+                      <a:round/>
+                      <a:headEnd type="none" w="med" len="med"/>
+                      <a:tailEnd type="none" w="med" len="med"/>
+                    </a:lnR>
+                    <a:lnT w="12700" cap="flat" cmpd="sng" algn="ctr">
+                      <a:solidFill>
+                        <a:schemeClr val="tx1"/>
+                      </a:solidFill>
+                      <a:prstDash val="solid"/>
+                      <a:round/>
+                      <a:headEnd type="none" w="med" len="med"/>
+                      <a:tailEnd type="none" w="med" len="med"/>
+                    </a:lnT>
+                    <a:lnB w="12700" cap="flat" cmpd="sng" algn="ctr">
+                      <a:solidFill>
+                        <a:schemeClr val="tx1"/>
+                      </a:solidFill>
+                      <a:prstDash val="solid"/>
+                      <a:round/>
+                      <a:headEnd type="none" w="med" len="med"/>
+                      <a:tailEnd type="none" w="med" len="med"/>
+                    </a:lnB>
+                  </a:tcPr>
+                </a:tc>
+                <a:tc>
+                  <a:txBody>
+                    <a:bodyPr/>
+                    <a:lstStyle/>
+                    <a:p>
+                      <a:pPr>
+                        <a:buNone/>
+                      </a:pPr>
+                      <a:r>
+                        <a:rPr lang="en-GB" sz="1800" b="1"/>
+                        <a:t>Hierarchical</a:t>
+                      </a:r>
+                      <a:endParaRPr lang="en-GB" sz="1800"/>
+                    </a:p>
+                  </a:txBody>
+                  <a:tcPr marL="56511" marR="56511" marT="28255" marB="28255" anchor="ctr">
+                    <a:lnL w="12700" cap="flat" cmpd="sng" algn="ctr">
+                      <a:solidFill>
+                        <a:schemeClr val="tx1"/>
+                      </a:solidFill>
+                      <a:prstDash val="solid"/>
+                      <a:round/>
+                      <a:headEnd type="none" w="med" len="med"/>
+                      <a:tailEnd type="none" w="med" len="med"/>
+                    </a:lnL>
+                    <a:lnR w="12700" cap="flat" cmpd="sng" algn="ctr">
+                      <a:solidFill>
+                        <a:schemeClr val="tx1"/>
+                      </a:solidFill>
+                      <a:prstDash val="solid"/>
+                      <a:round/>
+                      <a:headEnd type="none" w="med" len="med"/>
+                      <a:tailEnd type="none" w="med" len="med"/>
+                    </a:lnR>
+                    <a:lnT w="12700" cap="flat" cmpd="sng" algn="ctr">
+                      <a:solidFill>
+                        <a:schemeClr val="tx1"/>
+                      </a:solidFill>
+                      <a:prstDash val="solid"/>
+                      <a:round/>
+                      <a:headEnd type="none" w="med" len="med"/>
+                      <a:tailEnd type="none" w="med" len="med"/>
+                    </a:lnT>
+                    <a:lnB w="12700" cap="flat" cmpd="sng" algn="ctr">
+                      <a:solidFill>
+                        <a:schemeClr val="tx1"/>
+                      </a:solidFill>
+                      <a:prstDash val="solid"/>
+                      <a:round/>
+                      <a:headEnd type="none" w="med" len="med"/>
+                      <a:tailEnd type="none" w="med" len="med"/>
+                    </a:lnB>
+                  </a:tcPr>
+                </a:tc>
+                <a:tc>
+                  <a:txBody>
+                    <a:bodyPr/>
+                    <a:lstStyle/>
+                    <a:p>
+                      <a:pPr>
+                        <a:buNone/>
+                      </a:pPr>
+                      <a:r>
+                        <a:rPr lang="en-US" sz="1800"/>
+                        <a:t>Small dataset, want to see structure</a:t>
+                      </a:r>
+                    </a:p>
+                  </a:txBody>
+                  <a:tcPr marL="56511" marR="56511" marT="28255" marB="28255" anchor="ctr">
+                    <a:lnL w="12700" cap="flat" cmpd="sng" algn="ctr">
+                      <a:solidFill>
+                        <a:schemeClr val="tx1"/>
+                      </a:solidFill>
+                      <a:prstDash val="solid"/>
+                      <a:round/>
+                      <a:headEnd type="none" w="med" len="med"/>
+                      <a:tailEnd type="none" w="med" len="med"/>
+                    </a:lnL>
+                    <a:lnR w="12700" cap="flat" cmpd="sng" algn="ctr">
+                      <a:solidFill>
+                        <a:schemeClr val="tx1"/>
+                      </a:solidFill>
+                      <a:prstDash val="solid"/>
+                      <a:round/>
+                      <a:headEnd type="none" w="med" len="med"/>
+                      <a:tailEnd type="none" w="med" len="med"/>
+                    </a:lnR>
+                    <a:lnT w="12700" cap="flat" cmpd="sng" algn="ctr">
+                      <a:solidFill>
+                        <a:schemeClr val="tx1"/>
+                      </a:solidFill>
+                      <a:prstDash val="solid"/>
+                      <a:round/>
+                      <a:headEnd type="none" w="med" len="med"/>
+                      <a:tailEnd type="none" w="med" len="med"/>
+                    </a:lnT>
+                    <a:lnB w="12700" cap="flat" cmpd="sng" algn="ctr">
+                      <a:solidFill>
+                        <a:schemeClr val="tx1"/>
+                      </a:solidFill>
+                      <a:prstDash val="solid"/>
+                      <a:round/>
+                      <a:headEnd type="none" w="med" len="med"/>
+                      <a:tailEnd type="none" w="med" len="med"/>
+                    </a:lnB>
+                  </a:tcPr>
+                </a:tc>
+                <a:extLst>
+                  <a:ext uri="{0D108BD9-81ED-4DB2-BD59-A6C34878D82A}">
+                    <a16:rowId xmlns:a16="http://schemas.microsoft.com/office/drawing/2014/main" val="1293146299"/>
+                  </a:ext>
+                </a:extLst>
+              </a:tr>
+              <a:tr h="395576">
+                <a:tc>
+                  <a:txBody>
+                    <a:bodyPr/>
+                    <a:lstStyle/>
+                    <a:p>
+                      <a:pPr>
+                        <a:buNone/>
+                      </a:pPr>
+                      <a:r>
+                        <a:rPr lang="en-GB" sz="1800"/>
+                        <a:t>4</a:t>
+                      </a:r>
+                    </a:p>
+                  </a:txBody>
+                  <a:tcPr marL="56511" marR="56511" marT="28255" marB="28255" anchor="ctr">
+                    <a:lnL w="12700" cap="flat" cmpd="sng" algn="ctr">
+                      <a:solidFill>
+                        <a:schemeClr val="tx1"/>
+                      </a:solidFill>
+                      <a:prstDash val="solid"/>
+                      <a:round/>
+                      <a:headEnd type="none" w="med" len="med"/>
+                      <a:tailEnd type="none" w="med" len="med"/>
+                    </a:lnL>
+                    <a:lnR w="12700" cap="flat" cmpd="sng" algn="ctr">
+                      <a:solidFill>
+                        <a:schemeClr val="tx1"/>
+                      </a:solidFill>
+                      <a:prstDash val="solid"/>
+                      <a:round/>
+                      <a:headEnd type="none" w="med" len="med"/>
+                      <a:tailEnd type="none" w="med" len="med"/>
+                    </a:lnR>
+                    <a:lnT w="12700" cap="flat" cmpd="sng" algn="ctr">
+                      <a:solidFill>
+                        <a:schemeClr val="tx1"/>
+                      </a:solidFill>
+                      <a:prstDash val="solid"/>
+                      <a:round/>
+                      <a:headEnd type="none" w="med" len="med"/>
+                      <a:tailEnd type="none" w="med" len="med"/>
+                    </a:lnT>
+                    <a:lnB w="12700" cap="flat" cmpd="sng" algn="ctr">
+                      <a:solidFill>
+                        <a:schemeClr val="tx1"/>
+                      </a:solidFill>
+                      <a:prstDash val="solid"/>
+                      <a:round/>
+                      <a:headEnd type="none" w="med" len="med"/>
+                      <a:tailEnd type="none" w="med" len="med"/>
+                    </a:lnB>
+                  </a:tcPr>
+                </a:tc>
+                <a:tc>
+                  <a:txBody>
+                    <a:bodyPr/>
+                    <a:lstStyle/>
+                    <a:p>
+                      <a:pPr>
+                        <a:buNone/>
+                      </a:pPr>
+                      <a:r>
+                        <a:rPr lang="en-US" sz="1800"/>
+                        <a:t>Segment </a:t>
+                      </a:r>
+                      <a:r>
+                        <a:rPr lang="en-US" sz="1800" b="1"/>
+                        <a:t>mobile users by usage time, data, calls</a:t>
+                      </a:r>
+                      <a:endParaRPr lang="en-US" sz="1800"/>
+                    </a:p>
+                  </a:txBody>
+                  <a:tcPr marL="56511" marR="56511" marT="28255" marB="28255" anchor="ctr">
+                    <a:lnL w="12700" cap="flat" cmpd="sng" algn="ctr">
+                      <a:solidFill>
+                        <a:schemeClr val="tx1"/>
+                      </a:solidFill>
+                      <a:prstDash val="solid"/>
+                      <a:round/>
+                      <a:headEnd type="none" w="med" len="med"/>
+                      <a:tailEnd type="none" w="med" len="med"/>
+                    </a:lnL>
+                    <a:lnR w="12700" cap="flat" cmpd="sng" algn="ctr">
+                      <a:solidFill>
+                        <a:schemeClr val="tx1"/>
+                      </a:solidFill>
+                      <a:prstDash val="solid"/>
+                      <a:round/>
+                      <a:headEnd type="none" w="med" len="med"/>
+                      <a:tailEnd type="none" w="med" len="med"/>
+                    </a:lnR>
+                    <a:lnT w="12700" cap="flat" cmpd="sng" algn="ctr">
+                      <a:solidFill>
+                        <a:schemeClr val="tx1"/>
+                      </a:solidFill>
+                      <a:prstDash val="solid"/>
+                      <a:round/>
+                      <a:headEnd type="none" w="med" len="med"/>
+                      <a:tailEnd type="none" w="med" len="med"/>
+                    </a:lnT>
+                    <a:lnB w="12700" cap="flat" cmpd="sng" algn="ctr">
+                      <a:solidFill>
+                        <a:schemeClr val="tx1"/>
+                      </a:solidFill>
+                      <a:prstDash val="solid"/>
+                      <a:round/>
+                      <a:headEnd type="none" w="med" len="med"/>
+                      <a:tailEnd type="none" w="med" len="med"/>
+                    </a:lnB>
+                  </a:tcPr>
+                </a:tc>
+                <a:tc>
+                  <a:txBody>
+                    <a:bodyPr/>
+                    <a:lstStyle/>
+                    <a:p>
+                      <a:pPr>
+                        <a:buNone/>
+                      </a:pPr>
+                      <a:r>
+                        <a:rPr lang="en-GB" sz="1800" b="1"/>
+                        <a:t>k-Means</a:t>
+                      </a:r>
+                      <a:endParaRPr lang="en-GB" sz="1800"/>
+                    </a:p>
+                  </a:txBody>
+                  <a:tcPr marL="56511" marR="56511" marT="28255" marB="28255" anchor="ctr">
+                    <a:lnL w="12700" cap="flat" cmpd="sng" algn="ctr">
+                      <a:solidFill>
+                        <a:schemeClr val="tx1"/>
+                      </a:solidFill>
+                      <a:prstDash val="solid"/>
+                      <a:round/>
+                      <a:headEnd type="none" w="med" len="med"/>
+                      <a:tailEnd type="none" w="med" len="med"/>
+                    </a:lnL>
+                    <a:lnR w="12700" cap="flat" cmpd="sng" algn="ctr">
+                      <a:solidFill>
+                        <a:schemeClr val="tx1"/>
+                      </a:solidFill>
+                      <a:prstDash val="solid"/>
+                      <a:round/>
+                      <a:headEnd type="none" w="med" len="med"/>
+                      <a:tailEnd type="none" w="med" len="med"/>
+                    </a:lnR>
+                    <a:lnT w="12700" cap="flat" cmpd="sng" algn="ctr">
+                      <a:solidFill>
+                        <a:schemeClr val="tx1"/>
+                      </a:solidFill>
+                      <a:prstDash val="solid"/>
+                      <a:round/>
+                      <a:headEnd type="none" w="med" len="med"/>
+                      <a:tailEnd type="none" w="med" len="med"/>
+                    </a:lnT>
+                    <a:lnB w="12700" cap="flat" cmpd="sng" algn="ctr">
+                      <a:solidFill>
+                        <a:schemeClr val="tx1"/>
+                      </a:solidFill>
+                      <a:prstDash val="solid"/>
+                      <a:round/>
+                      <a:headEnd type="none" w="med" len="med"/>
+                      <a:tailEnd type="none" w="med" len="med"/>
+                    </a:lnB>
+                  </a:tcPr>
+                </a:tc>
+                <a:tc>
+                  <a:txBody>
+                    <a:bodyPr/>
+                    <a:lstStyle/>
+                    <a:p>
+                      <a:pPr>
+                        <a:buNone/>
+                      </a:pPr>
+                      <a:r>
+                        <a:rPr lang="en-GB" sz="1800"/>
+                        <a:t>Large numeric dataset</a:t>
+                      </a:r>
+                    </a:p>
+                  </a:txBody>
+                  <a:tcPr marL="56511" marR="56511" marT="28255" marB="28255" anchor="ctr">
+                    <a:lnL w="12700" cap="flat" cmpd="sng" algn="ctr">
+                      <a:solidFill>
+                        <a:schemeClr val="tx1"/>
+                      </a:solidFill>
+                      <a:prstDash val="solid"/>
+                      <a:round/>
+                      <a:headEnd type="none" w="med" len="med"/>
+                      <a:tailEnd type="none" w="med" len="med"/>
+                    </a:lnL>
+                    <a:lnR w="12700" cap="flat" cmpd="sng" algn="ctr">
+                      <a:solidFill>
+                        <a:schemeClr val="tx1"/>
+                      </a:solidFill>
+                      <a:prstDash val="solid"/>
+                      <a:round/>
+                      <a:headEnd type="none" w="med" len="med"/>
+                      <a:tailEnd type="none" w="med" len="med"/>
+                    </a:lnR>
+                    <a:lnT w="12700" cap="flat" cmpd="sng" algn="ctr">
+                      <a:solidFill>
+                        <a:schemeClr val="tx1"/>
+                      </a:solidFill>
+                      <a:prstDash val="solid"/>
+                      <a:round/>
+                      <a:headEnd type="none" w="med" len="med"/>
+                      <a:tailEnd type="none" w="med" len="med"/>
+                    </a:lnT>
+                    <a:lnB w="12700" cap="flat" cmpd="sng" algn="ctr">
+                      <a:solidFill>
+                        <a:schemeClr val="tx1"/>
+                      </a:solidFill>
+                      <a:prstDash val="solid"/>
+                      <a:round/>
+                      <a:headEnd type="none" w="med" len="med"/>
+                      <a:tailEnd type="none" w="med" len="med"/>
+                    </a:lnB>
+                  </a:tcPr>
+                </a:tc>
+                <a:extLst>
+                  <a:ext uri="{0D108BD9-81ED-4DB2-BD59-A6C34878D82A}">
+                    <a16:rowId xmlns:a16="http://schemas.microsoft.com/office/drawing/2014/main" val="4292122995"/>
+                  </a:ext>
+                </a:extLst>
+              </a:tr>
+              <a:tr h="395576">
+                <a:tc>
+                  <a:txBody>
+                    <a:bodyPr/>
+                    <a:lstStyle/>
+                    <a:p>
+                      <a:pPr>
+                        <a:buNone/>
+                      </a:pPr>
+                      <a:r>
+                        <a:rPr lang="en-GB" sz="1800"/>
+                        <a:t>5</a:t>
+                      </a:r>
+                    </a:p>
+                  </a:txBody>
+                  <a:tcPr marL="56511" marR="56511" marT="28255" marB="28255" anchor="ctr">
+                    <a:lnL w="12700" cap="flat" cmpd="sng" algn="ctr">
+                      <a:solidFill>
+                        <a:schemeClr val="tx1"/>
+                      </a:solidFill>
+                      <a:prstDash val="solid"/>
+                      <a:round/>
+                      <a:headEnd type="none" w="med" len="med"/>
+                      <a:tailEnd type="none" w="med" len="med"/>
+                    </a:lnL>
+                    <a:lnR w="12700" cap="flat" cmpd="sng" algn="ctr">
+                      <a:solidFill>
+                        <a:schemeClr val="tx1"/>
+                      </a:solidFill>
+                      <a:prstDash val="solid"/>
+                      <a:round/>
+                      <a:headEnd type="none" w="med" len="med"/>
+                      <a:tailEnd type="none" w="med" len="med"/>
+                    </a:lnR>
+                    <a:lnT w="12700" cap="flat" cmpd="sng" algn="ctr">
+                      <a:solidFill>
+                        <a:schemeClr val="tx1"/>
+                      </a:solidFill>
+                      <a:prstDash val="solid"/>
+                      <a:round/>
+                      <a:headEnd type="none" w="med" len="med"/>
+                      <a:tailEnd type="none" w="med" len="med"/>
+                    </a:lnT>
+                    <a:lnB w="12700" cap="flat" cmpd="sng" algn="ctr">
+                      <a:solidFill>
+                        <a:schemeClr val="tx1"/>
+                      </a:solidFill>
+                      <a:prstDash val="solid"/>
+                      <a:round/>
+                      <a:headEnd type="none" w="med" len="med"/>
+                      <a:tailEnd type="none" w="med" len="med"/>
+                    </a:lnB>
+                  </a:tcPr>
+                </a:tc>
+                <a:tc>
+                  <a:txBody>
+                    <a:bodyPr/>
+                    <a:lstStyle/>
+                    <a:p>
+                      <a:pPr>
+                        <a:buNone/>
+                      </a:pPr>
+                      <a:r>
+                        <a:rPr lang="en-US" sz="1800"/>
+                        <a:t>Discover </a:t>
+                      </a:r>
+                      <a:r>
+                        <a:rPr lang="en-US" sz="1800" b="1"/>
+                        <a:t>courses students take together</a:t>
+                      </a:r>
+                      <a:endParaRPr lang="en-US" sz="1800"/>
+                    </a:p>
+                  </a:txBody>
+                  <a:tcPr marL="56511" marR="56511" marT="28255" marB="28255" anchor="ctr">
+                    <a:lnL w="12700" cap="flat" cmpd="sng" algn="ctr">
+                      <a:solidFill>
+                        <a:schemeClr val="tx1"/>
+                      </a:solidFill>
+                      <a:prstDash val="solid"/>
+                      <a:round/>
+                      <a:headEnd type="none" w="med" len="med"/>
+                      <a:tailEnd type="none" w="med" len="med"/>
+                    </a:lnL>
+                    <a:lnR w="12700" cap="flat" cmpd="sng" algn="ctr">
+                      <a:solidFill>
+                        <a:schemeClr val="tx1"/>
+                      </a:solidFill>
+                      <a:prstDash val="solid"/>
+                      <a:round/>
+                      <a:headEnd type="none" w="med" len="med"/>
+                      <a:tailEnd type="none" w="med" len="med"/>
+                    </a:lnR>
+                    <a:lnT w="12700" cap="flat" cmpd="sng" algn="ctr">
+                      <a:solidFill>
+                        <a:schemeClr val="tx1"/>
+                      </a:solidFill>
+                      <a:prstDash val="solid"/>
+                      <a:round/>
+                      <a:headEnd type="none" w="med" len="med"/>
+                      <a:tailEnd type="none" w="med" len="med"/>
+                    </a:lnT>
+                    <a:lnB w="12700" cap="flat" cmpd="sng" algn="ctr">
+                      <a:solidFill>
+                        <a:schemeClr val="tx1"/>
+                      </a:solidFill>
+                      <a:prstDash val="solid"/>
+                      <a:round/>
+                      <a:headEnd type="none" w="med" len="med"/>
+                      <a:tailEnd type="none" w="med" len="med"/>
+                    </a:lnB>
+                  </a:tcPr>
+                </a:tc>
+                <a:tc>
+                  <a:txBody>
+                    <a:bodyPr/>
+                    <a:lstStyle/>
+                    <a:p>
+                      <a:pPr>
+                        <a:buNone/>
+                      </a:pPr>
+                      <a:r>
+                        <a:rPr lang="en-GB" sz="1800" b="1"/>
+                        <a:t>Association Rules</a:t>
+                      </a:r>
+                      <a:endParaRPr lang="en-GB" sz="1800"/>
+                    </a:p>
+                  </a:txBody>
+                  <a:tcPr marL="56511" marR="56511" marT="28255" marB="28255" anchor="ctr">
+                    <a:lnL w="12700" cap="flat" cmpd="sng" algn="ctr">
+                      <a:solidFill>
+                        <a:schemeClr val="tx1"/>
+                      </a:solidFill>
+                      <a:prstDash val="solid"/>
+                      <a:round/>
+                      <a:headEnd type="none" w="med" len="med"/>
+                      <a:tailEnd type="none" w="med" len="med"/>
+                    </a:lnL>
+                    <a:lnR w="12700" cap="flat" cmpd="sng" algn="ctr">
+                      <a:solidFill>
+                        <a:schemeClr val="tx1"/>
+                      </a:solidFill>
+                      <a:prstDash val="solid"/>
+                      <a:round/>
+                      <a:headEnd type="none" w="med" len="med"/>
+                      <a:tailEnd type="none" w="med" len="med"/>
+                    </a:lnR>
+                    <a:lnT w="12700" cap="flat" cmpd="sng" algn="ctr">
+                      <a:solidFill>
+                        <a:schemeClr val="tx1"/>
+                      </a:solidFill>
+                      <a:prstDash val="solid"/>
+                      <a:round/>
+                      <a:headEnd type="none" w="med" len="med"/>
+                      <a:tailEnd type="none" w="med" len="med"/>
+                    </a:lnT>
+                    <a:lnB w="12700" cap="flat" cmpd="sng" algn="ctr">
+                      <a:solidFill>
+                        <a:schemeClr val="tx1"/>
+                      </a:solidFill>
+                      <a:prstDash val="solid"/>
+                      <a:round/>
+                      <a:headEnd type="none" w="med" len="med"/>
+                      <a:tailEnd type="none" w="med" len="med"/>
+                    </a:lnB>
+                  </a:tcPr>
+                </a:tc>
+                <a:tc>
+                  <a:txBody>
+                    <a:bodyPr/>
+                    <a:lstStyle/>
+                    <a:p>
+                      <a:pPr>
+                        <a:buNone/>
+                      </a:pPr>
+                      <a:r>
+                        <a:rPr lang="en-US" sz="1800"/>
+                        <a:t>“If enrolled in X, also enroll in Y”</a:t>
+                      </a:r>
+                    </a:p>
+                  </a:txBody>
+                  <a:tcPr marL="56511" marR="56511" marT="28255" marB="28255" anchor="ctr">
+                    <a:lnL w="12700" cap="flat" cmpd="sng" algn="ctr">
+                      <a:solidFill>
+                        <a:schemeClr val="tx1"/>
+                      </a:solidFill>
+                      <a:prstDash val="solid"/>
+                      <a:round/>
+                      <a:headEnd type="none" w="med" len="med"/>
+                      <a:tailEnd type="none" w="med" len="med"/>
+                    </a:lnL>
+                    <a:lnR w="12700" cap="flat" cmpd="sng" algn="ctr">
+                      <a:solidFill>
+                        <a:schemeClr val="tx1"/>
+                      </a:solidFill>
+                      <a:prstDash val="solid"/>
+                      <a:round/>
+                      <a:headEnd type="none" w="med" len="med"/>
+                      <a:tailEnd type="none" w="med" len="med"/>
+                    </a:lnR>
+                    <a:lnT w="12700" cap="flat" cmpd="sng" algn="ctr">
+                      <a:solidFill>
+                        <a:schemeClr val="tx1"/>
+                      </a:solidFill>
+                      <a:prstDash val="solid"/>
+                      <a:round/>
+                      <a:headEnd type="none" w="med" len="med"/>
+                      <a:tailEnd type="none" w="med" len="med"/>
+                    </a:lnT>
+                    <a:lnB w="12700" cap="flat" cmpd="sng" algn="ctr">
+                      <a:solidFill>
+                        <a:schemeClr val="tx1"/>
+                      </a:solidFill>
+                      <a:prstDash val="solid"/>
+                      <a:round/>
+                      <a:headEnd type="none" w="med" len="med"/>
+                      <a:tailEnd type="none" w="med" len="med"/>
+                    </a:lnB>
+                  </a:tcPr>
+                </a:tc>
+                <a:extLst>
+                  <a:ext uri="{0D108BD9-81ED-4DB2-BD59-A6C34878D82A}">
+                    <a16:rowId xmlns:a16="http://schemas.microsoft.com/office/drawing/2014/main" val="3704207251"/>
+                  </a:ext>
+                </a:extLst>
+              </a:tr>
+              <a:tr h="395576">
+                <a:tc>
+                  <a:txBody>
+                    <a:bodyPr/>
+                    <a:lstStyle/>
+                    <a:p>
+                      <a:pPr>
+                        <a:buNone/>
+                      </a:pPr>
+                      <a:r>
+                        <a:rPr lang="en-GB" sz="1800"/>
+                        <a:t>6</a:t>
+                      </a:r>
+                    </a:p>
+                  </a:txBody>
+                  <a:tcPr marL="56511" marR="56511" marT="28255" marB="28255" anchor="ctr">
+                    <a:lnL w="12700" cap="flat" cmpd="sng" algn="ctr">
+                      <a:solidFill>
+                        <a:schemeClr val="tx1"/>
+                      </a:solidFill>
+                      <a:prstDash val="solid"/>
+                      <a:round/>
+                      <a:headEnd type="none" w="med" len="med"/>
+                      <a:tailEnd type="none" w="med" len="med"/>
+                    </a:lnL>
+                    <a:lnR w="12700" cap="flat" cmpd="sng" algn="ctr">
+                      <a:solidFill>
+                        <a:schemeClr val="tx1"/>
+                      </a:solidFill>
+                      <a:prstDash val="solid"/>
+                      <a:round/>
+                      <a:headEnd type="none" w="med" len="med"/>
+                      <a:tailEnd type="none" w="med" len="med"/>
+                    </a:lnR>
+                    <a:lnT w="12700" cap="flat" cmpd="sng" algn="ctr">
+                      <a:solidFill>
+                        <a:schemeClr val="tx1"/>
+                      </a:solidFill>
+                      <a:prstDash val="solid"/>
+                      <a:round/>
+                      <a:headEnd type="none" w="med" len="med"/>
+                      <a:tailEnd type="none" w="med" len="med"/>
+                    </a:lnT>
+                    <a:lnB w="12700" cap="flat" cmpd="sng" algn="ctr">
+                      <a:solidFill>
+                        <a:schemeClr val="tx1"/>
+                      </a:solidFill>
+                      <a:prstDash val="solid"/>
+                      <a:round/>
+                      <a:headEnd type="none" w="med" len="med"/>
+                      <a:tailEnd type="none" w="med" len="med"/>
+                    </a:lnB>
+                  </a:tcPr>
+                </a:tc>
+                <a:tc>
+                  <a:txBody>
+                    <a:bodyPr/>
+                    <a:lstStyle/>
+                    <a:p>
+                      <a:pPr>
+                        <a:buNone/>
+                      </a:pPr>
+                      <a:r>
+                        <a:rPr lang="en-US" sz="1800"/>
+                        <a:t>Group </a:t>
+                      </a:r>
+                      <a:r>
+                        <a:rPr lang="en-US" sz="1800" b="1"/>
+                        <a:t>news articles by topic</a:t>
+                      </a:r>
+                      <a:r>
+                        <a:rPr lang="en-US" sz="1800"/>
+                        <a:t> (small corpus)</a:t>
+                      </a:r>
+                    </a:p>
+                  </a:txBody>
+                  <a:tcPr marL="56511" marR="56511" marT="28255" marB="28255" anchor="ctr">
+                    <a:lnL w="12700" cap="flat" cmpd="sng" algn="ctr">
+                      <a:solidFill>
+                        <a:schemeClr val="tx1"/>
+                      </a:solidFill>
+                      <a:prstDash val="solid"/>
+                      <a:round/>
+                      <a:headEnd type="none" w="med" len="med"/>
+                      <a:tailEnd type="none" w="med" len="med"/>
+                    </a:lnL>
+                    <a:lnR w="12700" cap="flat" cmpd="sng" algn="ctr">
+                      <a:solidFill>
+                        <a:schemeClr val="tx1"/>
+                      </a:solidFill>
+                      <a:prstDash val="solid"/>
+                      <a:round/>
+                      <a:headEnd type="none" w="med" len="med"/>
+                      <a:tailEnd type="none" w="med" len="med"/>
+                    </a:lnR>
+                    <a:lnT w="12700" cap="flat" cmpd="sng" algn="ctr">
+                      <a:solidFill>
+                        <a:schemeClr val="tx1"/>
+                      </a:solidFill>
+                      <a:prstDash val="solid"/>
+                      <a:round/>
+                      <a:headEnd type="none" w="med" len="med"/>
+                      <a:tailEnd type="none" w="med" len="med"/>
+                    </a:lnT>
+                    <a:lnB w="12700" cap="flat" cmpd="sng" algn="ctr">
+                      <a:solidFill>
+                        <a:schemeClr val="tx1"/>
+                      </a:solidFill>
+                      <a:prstDash val="solid"/>
+                      <a:round/>
+                      <a:headEnd type="none" w="med" len="med"/>
+                      <a:tailEnd type="none" w="med" len="med"/>
+                    </a:lnB>
+                  </a:tcPr>
+                </a:tc>
+                <a:tc>
+                  <a:txBody>
+                    <a:bodyPr/>
+                    <a:lstStyle/>
+                    <a:p>
+                      <a:pPr>
+                        <a:buNone/>
+                      </a:pPr>
+                      <a:r>
+                        <a:rPr lang="en-GB" sz="1800" b="1"/>
+                        <a:t>Hierarchical</a:t>
+                      </a:r>
+                      <a:endParaRPr lang="en-GB" sz="1800"/>
+                    </a:p>
+                  </a:txBody>
+                  <a:tcPr marL="56511" marR="56511" marT="28255" marB="28255" anchor="ctr">
+                    <a:lnL w="12700" cap="flat" cmpd="sng" algn="ctr">
+                      <a:solidFill>
+                        <a:schemeClr val="tx1"/>
+                      </a:solidFill>
+                      <a:prstDash val="solid"/>
+                      <a:round/>
+                      <a:headEnd type="none" w="med" len="med"/>
+                      <a:tailEnd type="none" w="med" len="med"/>
+                    </a:lnL>
+                    <a:lnR w="12700" cap="flat" cmpd="sng" algn="ctr">
+                      <a:solidFill>
+                        <a:schemeClr val="tx1"/>
+                      </a:solidFill>
+                      <a:prstDash val="solid"/>
+                      <a:round/>
+                      <a:headEnd type="none" w="med" len="med"/>
+                      <a:tailEnd type="none" w="med" len="med"/>
+                    </a:lnR>
+                    <a:lnT w="12700" cap="flat" cmpd="sng" algn="ctr">
+                      <a:solidFill>
+                        <a:schemeClr val="tx1"/>
+                      </a:solidFill>
+                      <a:prstDash val="solid"/>
+                      <a:round/>
+                      <a:headEnd type="none" w="med" len="med"/>
+                      <a:tailEnd type="none" w="med" len="med"/>
+                    </a:lnT>
+                    <a:lnB w="12700" cap="flat" cmpd="sng" algn="ctr">
+                      <a:solidFill>
+                        <a:schemeClr val="tx1"/>
+                      </a:solidFill>
+                      <a:prstDash val="solid"/>
+                      <a:round/>
+                      <a:headEnd type="none" w="med" len="med"/>
+                      <a:tailEnd type="none" w="med" len="med"/>
+                    </a:lnB>
+                  </a:tcPr>
+                </a:tc>
+                <a:tc>
+                  <a:txBody>
+                    <a:bodyPr/>
+                    <a:lstStyle/>
+                    <a:p>
+                      <a:pPr>
+                        <a:buNone/>
+                      </a:pPr>
+                      <a:r>
+                        <a:rPr lang="en-GB" sz="1800"/>
+                        <a:t>Need visual cluster tree</a:t>
+                      </a:r>
+                    </a:p>
+                  </a:txBody>
+                  <a:tcPr marL="56511" marR="56511" marT="28255" marB="28255" anchor="ctr">
+                    <a:lnL w="12700" cap="flat" cmpd="sng" algn="ctr">
+                      <a:solidFill>
+                        <a:schemeClr val="tx1"/>
+                      </a:solidFill>
+                      <a:prstDash val="solid"/>
+                      <a:round/>
+                      <a:headEnd type="none" w="med" len="med"/>
+                      <a:tailEnd type="none" w="med" len="med"/>
+                    </a:lnL>
+                    <a:lnR w="12700" cap="flat" cmpd="sng" algn="ctr">
+                      <a:solidFill>
+                        <a:schemeClr val="tx1"/>
+                      </a:solidFill>
+                      <a:prstDash val="solid"/>
+                      <a:round/>
+                      <a:headEnd type="none" w="med" len="med"/>
+                      <a:tailEnd type="none" w="med" len="med"/>
+                    </a:lnR>
+                    <a:lnT w="12700" cap="flat" cmpd="sng" algn="ctr">
+                      <a:solidFill>
+                        <a:schemeClr val="tx1"/>
+                      </a:solidFill>
+                      <a:prstDash val="solid"/>
+                      <a:round/>
+                      <a:headEnd type="none" w="med" len="med"/>
+                      <a:tailEnd type="none" w="med" len="med"/>
+                    </a:lnT>
+                    <a:lnB w="12700" cap="flat" cmpd="sng" algn="ctr">
+                      <a:solidFill>
+                        <a:schemeClr val="tx1"/>
+                      </a:solidFill>
+                      <a:prstDash val="solid"/>
+                      <a:round/>
+                      <a:headEnd type="none" w="med" len="med"/>
+                      <a:tailEnd type="none" w="med" len="med"/>
+                    </a:lnB>
+                  </a:tcPr>
+                </a:tc>
+                <a:extLst>
+                  <a:ext uri="{0D108BD9-81ED-4DB2-BD59-A6C34878D82A}">
+                    <a16:rowId xmlns:a16="http://schemas.microsoft.com/office/drawing/2014/main" val="3603153837"/>
+                  </a:ext>
+                </a:extLst>
+              </a:tr>
+              <a:tr h="395576">
+                <a:tc>
+                  <a:txBody>
+                    <a:bodyPr/>
+                    <a:lstStyle/>
+                    <a:p>
+                      <a:pPr>
+                        <a:buNone/>
+                      </a:pPr>
+                      <a:r>
+                        <a:rPr lang="en-GB" sz="1800"/>
+                        <a:t>7</a:t>
+                      </a:r>
+                    </a:p>
+                  </a:txBody>
+                  <a:tcPr marL="56511" marR="56511" marT="28255" marB="28255" anchor="ctr">
+                    <a:lnL w="12700" cap="flat" cmpd="sng" algn="ctr">
+                      <a:solidFill>
+                        <a:schemeClr val="tx1"/>
+                      </a:solidFill>
+                      <a:prstDash val="solid"/>
+                      <a:round/>
+                      <a:headEnd type="none" w="med" len="med"/>
+                      <a:tailEnd type="none" w="med" len="med"/>
+                    </a:lnL>
+                    <a:lnR w="12700" cap="flat" cmpd="sng" algn="ctr">
+                      <a:solidFill>
+                        <a:schemeClr val="tx1"/>
+                      </a:solidFill>
+                      <a:prstDash val="solid"/>
+                      <a:round/>
+                      <a:headEnd type="none" w="med" len="med"/>
+                      <a:tailEnd type="none" w="med" len="med"/>
+                    </a:lnR>
+                    <a:lnT w="12700" cap="flat" cmpd="sng" algn="ctr">
+                      <a:solidFill>
+                        <a:schemeClr val="tx1"/>
+                      </a:solidFill>
+                      <a:prstDash val="solid"/>
+                      <a:round/>
+                      <a:headEnd type="none" w="med" len="med"/>
+                      <a:tailEnd type="none" w="med" len="med"/>
+                    </a:lnT>
+                    <a:lnB w="12700" cap="flat" cmpd="sng" algn="ctr">
+                      <a:solidFill>
+                        <a:schemeClr val="tx1"/>
+                      </a:solidFill>
+                      <a:prstDash val="solid"/>
+                      <a:round/>
+                      <a:headEnd type="none" w="med" len="med"/>
+                      <a:tailEnd type="none" w="med" len="med"/>
+                    </a:lnB>
+                  </a:tcPr>
+                </a:tc>
+                <a:tc>
+                  <a:txBody>
+                    <a:bodyPr/>
+                    <a:lstStyle/>
+                    <a:p>
+                      <a:pPr>
+                        <a:buNone/>
+                      </a:pPr>
+                      <a:r>
+                        <a:rPr lang="en-US" sz="1800"/>
+                        <a:t>Compress an image by reducing colors</a:t>
+                      </a:r>
+                    </a:p>
+                  </a:txBody>
+                  <a:tcPr marL="56511" marR="56511" marT="28255" marB="28255" anchor="ctr">
+                    <a:lnL w="12700" cap="flat" cmpd="sng" algn="ctr">
+                      <a:solidFill>
+                        <a:schemeClr val="tx1"/>
+                      </a:solidFill>
+                      <a:prstDash val="solid"/>
+                      <a:round/>
+                      <a:headEnd type="none" w="med" len="med"/>
+                      <a:tailEnd type="none" w="med" len="med"/>
+                    </a:lnL>
+                    <a:lnR w="12700" cap="flat" cmpd="sng" algn="ctr">
+                      <a:solidFill>
+                        <a:schemeClr val="tx1"/>
+                      </a:solidFill>
+                      <a:prstDash val="solid"/>
+                      <a:round/>
+                      <a:headEnd type="none" w="med" len="med"/>
+                      <a:tailEnd type="none" w="med" len="med"/>
+                    </a:lnR>
+                    <a:lnT w="12700" cap="flat" cmpd="sng" algn="ctr">
+                      <a:solidFill>
+                        <a:schemeClr val="tx1"/>
+                      </a:solidFill>
+                      <a:prstDash val="solid"/>
+                      <a:round/>
+                      <a:headEnd type="none" w="med" len="med"/>
+                      <a:tailEnd type="none" w="med" len="med"/>
+                    </a:lnT>
+                    <a:lnB w="12700" cap="flat" cmpd="sng" algn="ctr">
+                      <a:solidFill>
+                        <a:schemeClr val="tx1"/>
+                      </a:solidFill>
+                      <a:prstDash val="solid"/>
+                      <a:round/>
+                      <a:headEnd type="none" w="med" len="med"/>
+                      <a:tailEnd type="none" w="med" len="med"/>
+                    </a:lnB>
+                  </a:tcPr>
+                </a:tc>
+                <a:tc>
+                  <a:txBody>
+                    <a:bodyPr/>
+                    <a:lstStyle/>
+                    <a:p>
+                      <a:pPr>
+                        <a:buNone/>
+                      </a:pPr>
+                      <a:r>
+                        <a:rPr lang="en-GB" sz="1800" b="1"/>
+                        <a:t>k-Means</a:t>
+                      </a:r>
+                      <a:endParaRPr lang="en-GB" sz="1800"/>
+                    </a:p>
+                  </a:txBody>
+                  <a:tcPr marL="56511" marR="56511" marT="28255" marB="28255" anchor="ctr">
+                    <a:lnL w="12700" cap="flat" cmpd="sng" algn="ctr">
+                      <a:solidFill>
+                        <a:schemeClr val="tx1"/>
+                      </a:solidFill>
+                      <a:prstDash val="solid"/>
+                      <a:round/>
+                      <a:headEnd type="none" w="med" len="med"/>
+                      <a:tailEnd type="none" w="med" len="med"/>
+                    </a:lnL>
+                    <a:lnR w="12700" cap="flat" cmpd="sng" algn="ctr">
+                      <a:solidFill>
+                        <a:schemeClr val="tx1"/>
+                      </a:solidFill>
+                      <a:prstDash val="solid"/>
+                      <a:round/>
+                      <a:headEnd type="none" w="med" len="med"/>
+                      <a:tailEnd type="none" w="med" len="med"/>
+                    </a:lnR>
+                    <a:lnT w="12700" cap="flat" cmpd="sng" algn="ctr">
+                      <a:solidFill>
+                        <a:schemeClr val="tx1"/>
+                      </a:solidFill>
+                      <a:prstDash val="solid"/>
+                      <a:round/>
+                      <a:headEnd type="none" w="med" len="med"/>
+                      <a:tailEnd type="none" w="med" len="med"/>
+                    </a:lnT>
+                    <a:lnB w="12700" cap="flat" cmpd="sng" algn="ctr">
+                      <a:solidFill>
+                        <a:schemeClr val="tx1"/>
+                      </a:solidFill>
+                      <a:prstDash val="solid"/>
+                      <a:round/>
+                      <a:headEnd type="none" w="med" len="med"/>
+                      <a:tailEnd type="none" w="med" len="med"/>
+                    </a:lnB>
+                  </a:tcPr>
+                </a:tc>
+                <a:tc>
+                  <a:txBody>
+                    <a:bodyPr/>
+                    <a:lstStyle/>
+                    <a:p>
+                      <a:pPr>
+                        <a:buNone/>
+                      </a:pPr>
+                      <a:r>
+                        <a:rPr lang="en-GB" sz="1800"/>
+                        <a:t>Pixels cluster around colors</a:t>
+                      </a:r>
+                    </a:p>
+                  </a:txBody>
+                  <a:tcPr marL="56511" marR="56511" marT="28255" marB="28255" anchor="ctr">
+                    <a:lnL w="12700" cap="flat" cmpd="sng" algn="ctr">
+                      <a:solidFill>
+                        <a:schemeClr val="tx1"/>
+                      </a:solidFill>
+                      <a:prstDash val="solid"/>
+                      <a:round/>
+                      <a:headEnd type="none" w="med" len="med"/>
+                      <a:tailEnd type="none" w="med" len="med"/>
+                    </a:lnL>
+                    <a:lnR w="12700" cap="flat" cmpd="sng" algn="ctr">
+                      <a:solidFill>
+                        <a:schemeClr val="tx1"/>
+                      </a:solidFill>
+                      <a:prstDash val="solid"/>
+                      <a:round/>
+                      <a:headEnd type="none" w="med" len="med"/>
+                      <a:tailEnd type="none" w="med" len="med"/>
+                    </a:lnR>
+                    <a:lnT w="12700" cap="flat" cmpd="sng" algn="ctr">
+                      <a:solidFill>
+                        <a:schemeClr val="tx1"/>
+                      </a:solidFill>
+                      <a:prstDash val="solid"/>
+                      <a:round/>
+                      <a:headEnd type="none" w="med" len="med"/>
+                      <a:tailEnd type="none" w="med" len="med"/>
+                    </a:lnT>
+                    <a:lnB w="12700" cap="flat" cmpd="sng" algn="ctr">
+                      <a:solidFill>
+                        <a:schemeClr val="tx1"/>
+                      </a:solidFill>
+                      <a:prstDash val="solid"/>
+                      <a:round/>
+                      <a:headEnd type="none" w="med" len="med"/>
+                      <a:tailEnd type="none" w="med" len="med"/>
+                    </a:lnB>
+                  </a:tcPr>
+                </a:tc>
+                <a:extLst>
+                  <a:ext uri="{0D108BD9-81ED-4DB2-BD59-A6C34878D82A}">
+                    <a16:rowId xmlns:a16="http://schemas.microsoft.com/office/drawing/2014/main" val="3475230029"/>
+                  </a:ext>
+                </a:extLst>
+              </a:tr>
+              <a:tr h="395576">
+                <a:tc>
+                  <a:txBody>
+                    <a:bodyPr/>
+                    <a:lstStyle/>
+                    <a:p>
+                      <a:pPr>
+                        <a:buNone/>
+                      </a:pPr>
+                      <a:r>
+                        <a:rPr lang="en-GB" sz="1800"/>
+                        <a:t>8</a:t>
+                      </a:r>
+                    </a:p>
+                  </a:txBody>
+                  <a:tcPr marL="56511" marR="56511" marT="28255" marB="28255" anchor="ctr">
+                    <a:lnL w="12700" cap="flat" cmpd="sng" algn="ctr">
+                      <a:solidFill>
+                        <a:schemeClr val="tx1"/>
+                      </a:solidFill>
+                      <a:prstDash val="solid"/>
+                      <a:round/>
+                      <a:headEnd type="none" w="med" len="med"/>
+                      <a:tailEnd type="none" w="med" len="med"/>
+                    </a:lnL>
+                    <a:lnR w="12700" cap="flat" cmpd="sng" algn="ctr">
+                      <a:solidFill>
+                        <a:schemeClr val="tx1"/>
+                      </a:solidFill>
+                      <a:prstDash val="solid"/>
+                      <a:round/>
+                      <a:headEnd type="none" w="med" len="med"/>
+                      <a:tailEnd type="none" w="med" len="med"/>
+                    </a:lnR>
+                    <a:lnT w="12700" cap="flat" cmpd="sng" algn="ctr">
+                      <a:solidFill>
+                        <a:schemeClr val="tx1"/>
+                      </a:solidFill>
+                      <a:prstDash val="solid"/>
+                      <a:round/>
+                      <a:headEnd type="none" w="med" len="med"/>
+                      <a:tailEnd type="none" w="med" len="med"/>
+                    </a:lnT>
+                    <a:lnB w="12700" cap="flat" cmpd="sng" algn="ctr">
+                      <a:solidFill>
+                        <a:schemeClr val="tx1"/>
+                      </a:solidFill>
+                      <a:prstDash val="solid"/>
+                      <a:round/>
+                      <a:headEnd type="none" w="med" len="med"/>
+                      <a:tailEnd type="none" w="med" len="med"/>
+                    </a:lnB>
+                  </a:tcPr>
+                </a:tc>
+                <a:tc>
+                  <a:txBody>
+                    <a:bodyPr/>
+                    <a:lstStyle/>
+                    <a:p>
+                      <a:pPr>
+                        <a:buNone/>
+                      </a:pPr>
+                      <a:r>
+                        <a:rPr lang="en-US" sz="1800"/>
+                        <a:t>Find </a:t>
+                      </a:r>
+                      <a:r>
+                        <a:rPr lang="en-US" sz="1800" b="1"/>
+                        <a:t>shopping patterns</a:t>
+                      </a:r>
+                      <a:r>
+                        <a:rPr lang="en-US" sz="1800"/>
+                        <a:t> in supermarket bills</a:t>
+                      </a:r>
+                    </a:p>
+                  </a:txBody>
+                  <a:tcPr marL="56511" marR="56511" marT="28255" marB="28255" anchor="ctr">
+                    <a:lnL w="12700" cap="flat" cmpd="sng" algn="ctr">
+                      <a:solidFill>
+                        <a:schemeClr val="tx1"/>
+                      </a:solidFill>
+                      <a:prstDash val="solid"/>
+                      <a:round/>
+                      <a:headEnd type="none" w="med" len="med"/>
+                      <a:tailEnd type="none" w="med" len="med"/>
+                    </a:lnL>
+                    <a:lnR w="12700" cap="flat" cmpd="sng" algn="ctr">
+                      <a:solidFill>
+                        <a:schemeClr val="tx1"/>
+                      </a:solidFill>
+                      <a:prstDash val="solid"/>
+                      <a:round/>
+                      <a:headEnd type="none" w="med" len="med"/>
+                      <a:tailEnd type="none" w="med" len="med"/>
+                    </a:lnR>
+                    <a:lnT w="12700" cap="flat" cmpd="sng" algn="ctr">
+                      <a:solidFill>
+                        <a:schemeClr val="tx1"/>
+                      </a:solidFill>
+                      <a:prstDash val="solid"/>
+                      <a:round/>
+                      <a:headEnd type="none" w="med" len="med"/>
+                      <a:tailEnd type="none" w="med" len="med"/>
+                    </a:lnT>
+                    <a:lnB w="12700" cap="flat" cmpd="sng" algn="ctr">
+                      <a:solidFill>
+                        <a:schemeClr val="tx1"/>
+                      </a:solidFill>
+                      <a:prstDash val="solid"/>
+                      <a:round/>
+                      <a:headEnd type="none" w="med" len="med"/>
+                      <a:tailEnd type="none" w="med" len="med"/>
+                    </a:lnB>
+                  </a:tcPr>
+                </a:tc>
+                <a:tc>
+                  <a:txBody>
+                    <a:bodyPr/>
+                    <a:lstStyle/>
+                    <a:p>
+                      <a:pPr>
+                        <a:buNone/>
+                      </a:pPr>
+                      <a:r>
+                        <a:rPr lang="en-GB" sz="1800" b="1"/>
+                        <a:t>Association Rules</a:t>
+                      </a:r>
+                      <a:endParaRPr lang="en-GB" sz="1800"/>
+                    </a:p>
+                  </a:txBody>
+                  <a:tcPr marL="56511" marR="56511" marT="28255" marB="28255" anchor="ctr">
+                    <a:lnL w="12700" cap="flat" cmpd="sng" algn="ctr">
+                      <a:solidFill>
+                        <a:schemeClr val="tx1"/>
+                      </a:solidFill>
+                      <a:prstDash val="solid"/>
+                      <a:round/>
+                      <a:headEnd type="none" w="med" len="med"/>
+                      <a:tailEnd type="none" w="med" len="med"/>
+                    </a:lnL>
+                    <a:lnR w="12700" cap="flat" cmpd="sng" algn="ctr">
+                      <a:solidFill>
+                        <a:schemeClr val="tx1"/>
+                      </a:solidFill>
+                      <a:prstDash val="solid"/>
+                      <a:round/>
+                      <a:headEnd type="none" w="med" len="med"/>
+                      <a:tailEnd type="none" w="med" len="med"/>
+                    </a:lnR>
+                    <a:lnT w="12700" cap="flat" cmpd="sng" algn="ctr">
+                      <a:solidFill>
+                        <a:schemeClr val="tx1"/>
+                      </a:solidFill>
+                      <a:prstDash val="solid"/>
+                      <a:round/>
+                      <a:headEnd type="none" w="med" len="med"/>
+                      <a:tailEnd type="none" w="med" len="med"/>
+                    </a:lnT>
+                    <a:lnB w="12700" cap="flat" cmpd="sng" algn="ctr">
+                      <a:solidFill>
+                        <a:schemeClr val="tx1"/>
+                      </a:solidFill>
+                      <a:prstDash val="solid"/>
+                      <a:round/>
+                      <a:headEnd type="none" w="med" len="med"/>
+                      <a:tailEnd type="none" w="med" len="med"/>
+                    </a:lnB>
+                  </a:tcPr>
+                </a:tc>
+                <a:tc>
+                  <a:txBody>
+                    <a:bodyPr/>
+                    <a:lstStyle/>
+                    <a:p>
+                      <a:pPr>
+                        <a:buNone/>
+                      </a:pPr>
+                      <a:r>
+                        <a:rPr lang="en-GB" sz="1800"/>
+                        <a:t>Transaction-based data</a:t>
+                      </a:r>
+                    </a:p>
+                  </a:txBody>
+                  <a:tcPr marL="56511" marR="56511" marT="28255" marB="28255" anchor="ctr">
+                    <a:lnL w="12700" cap="flat" cmpd="sng" algn="ctr">
+                      <a:solidFill>
+                        <a:schemeClr val="tx1"/>
+                      </a:solidFill>
+                      <a:prstDash val="solid"/>
+                      <a:round/>
+                      <a:headEnd type="none" w="med" len="med"/>
+                      <a:tailEnd type="none" w="med" len="med"/>
+                    </a:lnL>
+                    <a:lnR w="12700" cap="flat" cmpd="sng" algn="ctr">
+                      <a:solidFill>
+                        <a:schemeClr val="tx1"/>
+                      </a:solidFill>
+                      <a:prstDash val="solid"/>
+                      <a:round/>
+                      <a:headEnd type="none" w="med" len="med"/>
+                      <a:tailEnd type="none" w="med" len="med"/>
+                    </a:lnR>
+                    <a:lnT w="12700" cap="flat" cmpd="sng" algn="ctr">
+                      <a:solidFill>
+                        <a:schemeClr val="tx1"/>
+                      </a:solidFill>
+                      <a:prstDash val="solid"/>
+                      <a:round/>
+                      <a:headEnd type="none" w="med" len="med"/>
+                      <a:tailEnd type="none" w="med" len="med"/>
+                    </a:lnT>
+                    <a:lnB w="12700" cap="flat" cmpd="sng" algn="ctr">
+                      <a:solidFill>
+                        <a:schemeClr val="tx1"/>
+                      </a:solidFill>
+                      <a:prstDash val="solid"/>
+                      <a:round/>
+                      <a:headEnd type="none" w="med" len="med"/>
+                      <a:tailEnd type="none" w="med" len="med"/>
+                    </a:lnB>
+                  </a:tcPr>
+                </a:tc>
+                <a:extLst>
+                  <a:ext uri="{0D108BD9-81ED-4DB2-BD59-A6C34878D82A}">
+                    <a16:rowId xmlns:a16="http://schemas.microsoft.com/office/drawing/2014/main" val="790843232"/>
+                  </a:ext>
+                </a:extLst>
+              </a:tr>
+              <a:tr h="395576">
+                <a:tc>
+                  <a:txBody>
+                    <a:bodyPr/>
+                    <a:lstStyle/>
+                    <a:p>
+                      <a:pPr>
+                        <a:buNone/>
+                      </a:pPr>
+                      <a:r>
+                        <a:rPr lang="en-GB" sz="1800"/>
+                        <a:t>9</a:t>
+                      </a:r>
+                    </a:p>
+                  </a:txBody>
+                  <a:tcPr marL="56511" marR="56511" marT="28255" marB="28255" anchor="ctr">
+                    <a:lnL w="12700" cap="flat" cmpd="sng" algn="ctr">
+                      <a:solidFill>
+                        <a:schemeClr val="tx1"/>
+                      </a:solidFill>
+                      <a:prstDash val="solid"/>
+                      <a:round/>
+                      <a:headEnd type="none" w="med" len="med"/>
+                      <a:tailEnd type="none" w="med" len="med"/>
+                    </a:lnL>
+                    <a:lnR w="12700" cap="flat" cmpd="sng" algn="ctr">
+                      <a:solidFill>
+                        <a:schemeClr val="tx1"/>
+                      </a:solidFill>
+                      <a:prstDash val="solid"/>
+                      <a:round/>
+                      <a:headEnd type="none" w="med" len="med"/>
+                      <a:tailEnd type="none" w="med" len="med"/>
+                    </a:lnR>
+                    <a:lnT w="12700" cap="flat" cmpd="sng" algn="ctr">
+                      <a:solidFill>
+                        <a:schemeClr val="tx1"/>
+                      </a:solidFill>
+                      <a:prstDash val="solid"/>
+                      <a:round/>
+                      <a:headEnd type="none" w="med" len="med"/>
+                      <a:tailEnd type="none" w="med" len="med"/>
+                    </a:lnT>
+                    <a:lnB w="12700" cap="flat" cmpd="sng" algn="ctr">
+                      <a:solidFill>
+                        <a:schemeClr val="tx1"/>
+                      </a:solidFill>
+                      <a:prstDash val="solid"/>
+                      <a:round/>
+                      <a:headEnd type="none" w="med" len="med"/>
+                      <a:tailEnd type="none" w="med" len="med"/>
+                    </a:lnB>
+                  </a:tcPr>
+                </a:tc>
+                <a:tc>
+                  <a:txBody>
+                    <a:bodyPr/>
+                    <a:lstStyle/>
+                    <a:p>
+                      <a:pPr>
+                        <a:buNone/>
+                      </a:pPr>
+                      <a:r>
+                        <a:rPr lang="en-US" sz="1800"/>
+                        <a:t>Explore </a:t>
+                      </a:r>
+                      <a:r>
+                        <a:rPr lang="en-US" sz="1800" b="1"/>
+                        <a:t>genetic similarity</a:t>
+                      </a:r>
+                      <a:r>
+                        <a:rPr lang="en-US" sz="1800"/>
+                        <a:t> between samples</a:t>
+                      </a:r>
+                    </a:p>
+                  </a:txBody>
+                  <a:tcPr marL="56511" marR="56511" marT="28255" marB="28255" anchor="ctr">
+                    <a:lnL w="12700" cap="flat" cmpd="sng" algn="ctr">
+                      <a:solidFill>
+                        <a:schemeClr val="tx1"/>
+                      </a:solidFill>
+                      <a:prstDash val="solid"/>
+                      <a:round/>
+                      <a:headEnd type="none" w="med" len="med"/>
+                      <a:tailEnd type="none" w="med" len="med"/>
+                    </a:lnL>
+                    <a:lnR w="12700" cap="flat" cmpd="sng" algn="ctr">
+                      <a:solidFill>
+                        <a:schemeClr val="tx1"/>
+                      </a:solidFill>
+                      <a:prstDash val="solid"/>
+                      <a:round/>
+                      <a:headEnd type="none" w="med" len="med"/>
+                      <a:tailEnd type="none" w="med" len="med"/>
+                    </a:lnR>
+                    <a:lnT w="12700" cap="flat" cmpd="sng" algn="ctr">
+                      <a:solidFill>
+                        <a:schemeClr val="tx1"/>
+                      </a:solidFill>
+                      <a:prstDash val="solid"/>
+                      <a:round/>
+                      <a:headEnd type="none" w="med" len="med"/>
+                      <a:tailEnd type="none" w="med" len="med"/>
+                    </a:lnT>
+                    <a:lnB w="12700" cap="flat" cmpd="sng" algn="ctr">
+                      <a:solidFill>
+                        <a:schemeClr val="tx1"/>
+                      </a:solidFill>
+                      <a:prstDash val="solid"/>
+                      <a:round/>
+                      <a:headEnd type="none" w="med" len="med"/>
+                      <a:tailEnd type="none" w="med" len="med"/>
+                    </a:lnB>
+                  </a:tcPr>
+                </a:tc>
+                <a:tc>
+                  <a:txBody>
+                    <a:bodyPr/>
+                    <a:lstStyle/>
+                    <a:p>
+                      <a:pPr>
+                        <a:buNone/>
+                      </a:pPr>
+                      <a:r>
+                        <a:rPr lang="en-GB" sz="1800" b="1"/>
+                        <a:t>Hierarchical</a:t>
+                      </a:r>
+                      <a:endParaRPr lang="en-GB" sz="1800"/>
+                    </a:p>
+                  </a:txBody>
+                  <a:tcPr marL="56511" marR="56511" marT="28255" marB="28255" anchor="ctr">
+                    <a:lnL w="12700" cap="flat" cmpd="sng" algn="ctr">
+                      <a:solidFill>
+                        <a:schemeClr val="tx1"/>
+                      </a:solidFill>
+                      <a:prstDash val="solid"/>
+                      <a:round/>
+                      <a:headEnd type="none" w="med" len="med"/>
+                      <a:tailEnd type="none" w="med" len="med"/>
+                    </a:lnL>
+                    <a:lnR w="12700" cap="flat" cmpd="sng" algn="ctr">
+                      <a:solidFill>
+                        <a:schemeClr val="tx1"/>
+                      </a:solidFill>
+                      <a:prstDash val="solid"/>
+                      <a:round/>
+                      <a:headEnd type="none" w="med" len="med"/>
+                      <a:tailEnd type="none" w="med" len="med"/>
+                    </a:lnR>
+                    <a:lnT w="12700" cap="flat" cmpd="sng" algn="ctr">
+                      <a:solidFill>
+                        <a:schemeClr val="tx1"/>
+                      </a:solidFill>
+                      <a:prstDash val="solid"/>
+                      <a:round/>
+                      <a:headEnd type="none" w="med" len="med"/>
+                      <a:tailEnd type="none" w="med" len="med"/>
+                    </a:lnT>
+                    <a:lnB w="12700" cap="flat" cmpd="sng" algn="ctr">
+                      <a:solidFill>
+                        <a:schemeClr val="tx1"/>
+                      </a:solidFill>
+                      <a:prstDash val="solid"/>
+                      <a:round/>
+                      <a:headEnd type="none" w="med" len="med"/>
+                      <a:tailEnd type="none" w="med" len="med"/>
+                    </a:lnB>
+                  </a:tcPr>
+                </a:tc>
+                <a:tc>
+                  <a:txBody>
+                    <a:bodyPr/>
+                    <a:lstStyle/>
+                    <a:p>
+                      <a:pPr>
+                        <a:buNone/>
+                      </a:pPr>
+                      <a:r>
+                        <a:rPr lang="en-GB" sz="1800"/>
+                        <a:t>Dendrogram shows closeness</a:t>
+                      </a:r>
+                    </a:p>
+                  </a:txBody>
+                  <a:tcPr marL="56511" marR="56511" marT="28255" marB="28255" anchor="ctr">
+                    <a:lnL w="12700" cap="flat" cmpd="sng" algn="ctr">
+                      <a:solidFill>
+                        <a:schemeClr val="tx1"/>
+                      </a:solidFill>
+                      <a:prstDash val="solid"/>
+                      <a:round/>
+                      <a:headEnd type="none" w="med" len="med"/>
+                      <a:tailEnd type="none" w="med" len="med"/>
+                    </a:lnL>
+                    <a:lnR w="12700" cap="flat" cmpd="sng" algn="ctr">
+                      <a:solidFill>
+                        <a:schemeClr val="tx1"/>
+                      </a:solidFill>
+                      <a:prstDash val="solid"/>
+                      <a:round/>
+                      <a:headEnd type="none" w="med" len="med"/>
+                      <a:tailEnd type="none" w="med" len="med"/>
+                    </a:lnR>
+                    <a:lnT w="12700" cap="flat" cmpd="sng" algn="ctr">
+                      <a:solidFill>
+                        <a:schemeClr val="tx1"/>
+                      </a:solidFill>
+                      <a:prstDash val="solid"/>
+                      <a:round/>
+                      <a:headEnd type="none" w="med" len="med"/>
+                      <a:tailEnd type="none" w="med" len="med"/>
+                    </a:lnT>
+                    <a:lnB w="12700" cap="flat" cmpd="sng" algn="ctr">
+                      <a:solidFill>
+                        <a:schemeClr val="tx1"/>
+                      </a:solidFill>
+                      <a:prstDash val="solid"/>
+                      <a:round/>
+                      <a:headEnd type="none" w="med" len="med"/>
+                      <a:tailEnd type="none" w="med" len="med"/>
+                    </a:lnB>
+                  </a:tcPr>
+                </a:tc>
+                <a:extLst>
+                  <a:ext uri="{0D108BD9-81ED-4DB2-BD59-A6C34878D82A}">
+                    <a16:rowId xmlns:a16="http://schemas.microsoft.com/office/drawing/2014/main" val="1105859340"/>
+                  </a:ext>
+                </a:extLst>
+              </a:tr>
+              <a:tr h="395576">
+                <a:tc>
+                  <a:txBody>
+                    <a:bodyPr/>
+                    <a:lstStyle/>
+                    <a:p>
+                      <a:pPr>
+                        <a:buNone/>
+                      </a:pPr>
+                      <a:r>
+                        <a:rPr lang="en-GB" sz="1800"/>
+                        <a:t>10</a:t>
+                      </a:r>
+                    </a:p>
+                  </a:txBody>
+                  <a:tcPr marL="56511" marR="56511" marT="28255" marB="28255" anchor="ctr">
+                    <a:lnL w="12700" cap="flat" cmpd="sng" algn="ctr">
+                      <a:solidFill>
+                        <a:schemeClr val="tx1"/>
+                      </a:solidFill>
+                      <a:prstDash val="solid"/>
+                      <a:round/>
+                      <a:headEnd type="none" w="med" len="med"/>
+                      <a:tailEnd type="none" w="med" len="med"/>
+                    </a:lnL>
+                    <a:lnR w="12700" cap="flat" cmpd="sng" algn="ctr">
+                      <a:solidFill>
+                        <a:schemeClr val="tx1"/>
+                      </a:solidFill>
+                      <a:prstDash val="solid"/>
+                      <a:round/>
+                      <a:headEnd type="none" w="med" len="med"/>
+                      <a:tailEnd type="none" w="med" len="med"/>
+                    </a:lnR>
+                    <a:lnT w="12700" cap="flat" cmpd="sng" algn="ctr">
+                      <a:solidFill>
+                        <a:schemeClr val="tx1"/>
+                      </a:solidFill>
+                      <a:prstDash val="solid"/>
+                      <a:round/>
+                      <a:headEnd type="none" w="med" len="med"/>
+                      <a:tailEnd type="none" w="med" len="med"/>
+                    </a:lnT>
+                    <a:lnB w="12700" cap="flat" cmpd="sng" algn="ctr">
+                      <a:solidFill>
+                        <a:schemeClr val="tx1"/>
+                      </a:solidFill>
+                      <a:prstDash val="solid"/>
+                      <a:round/>
+                      <a:headEnd type="none" w="med" len="med"/>
+                      <a:tailEnd type="none" w="med" len="med"/>
+                    </a:lnB>
+                  </a:tcPr>
+                </a:tc>
+                <a:tc>
+                  <a:txBody>
+                    <a:bodyPr/>
+                    <a:lstStyle/>
+                    <a:p>
+                      <a:pPr>
+                        <a:buNone/>
+                      </a:pPr>
+                      <a:r>
+                        <a:rPr lang="en-US" sz="1800"/>
+                        <a:t>Segment </a:t>
+                      </a:r>
+                      <a:r>
+                        <a:rPr lang="en-US" sz="1800" b="1"/>
+                        <a:t>website visitors by behavior metrics</a:t>
+                      </a:r>
+                      <a:endParaRPr lang="en-US" sz="1800"/>
+                    </a:p>
+                  </a:txBody>
+                  <a:tcPr marL="56511" marR="56511" marT="28255" marB="28255" anchor="ctr">
+                    <a:lnL w="12700" cap="flat" cmpd="sng" algn="ctr">
+                      <a:solidFill>
+                        <a:schemeClr val="tx1"/>
+                      </a:solidFill>
+                      <a:prstDash val="solid"/>
+                      <a:round/>
+                      <a:headEnd type="none" w="med" len="med"/>
+                      <a:tailEnd type="none" w="med" len="med"/>
+                    </a:lnL>
+                    <a:lnR w="12700" cap="flat" cmpd="sng" algn="ctr">
+                      <a:solidFill>
+                        <a:schemeClr val="tx1"/>
+                      </a:solidFill>
+                      <a:prstDash val="solid"/>
+                      <a:round/>
+                      <a:headEnd type="none" w="med" len="med"/>
+                      <a:tailEnd type="none" w="med" len="med"/>
+                    </a:lnR>
+                    <a:lnT w="12700" cap="flat" cmpd="sng" algn="ctr">
+                      <a:solidFill>
+                        <a:schemeClr val="tx1"/>
+                      </a:solidFill>
+                      <a:prstDash val="solid"/>
+                      <a:round/>
+                      <a:headEnd type="none" w="med" len="med"/>
+                      <a:tailEnd type="none" w="med" len="med"/>
+                    </a:lnT>
+                    <a:lnB w="12700" cap="flat" cmpd="sng" algn="ctr">
+                      <a:solidFill>
+                        <a:schemeClr val="tx1"/>
+                      </a:solidFill>
+                      <a:prstDash val="solid"/>
+                      <a:round/>
+                      <a:headEnd type="none" w="med" len="med"/>
+                      <a:tailEnd type="none" w="med" len="med"/>
+                    </a:lnB>
+                  </a:tcPr>
+                </a:tc>
+                <a:tc>
+                  <a:txBody>
+                    <a:bodyPr/>
+                    <a:lstStyle/>
+                    <a:p>
+                      <a:pPr>
+                        <a:buNone/>
+                      </a:pPr>
+                      <a:r>
+                        <a:rPr lang="en-GB" sz="1800" b="1"/>
+                        <a:t>k-Means</a:t>
+                      </a:r>
+                      <a:endParaRPr lang="en-GB" sz="1800"/>
+                    </a:p>
+                  </a:txBody>
+                  <a:tcPr marL="56511" marR="56511" marT="28255" marB="28255" anchor="ctr">
+                    <a:lnL w="12700" cap="flat" cmpd="sng" algn="ctr">
+                      <a:solidFill>
+                        <a:schemeClr val="tx1"/>
+                      </a:solidFill>
+                      <a:prstDash val="solid"/>
+                      <a:round/>
+                      <a:headEnd type="none" w="med" len="med"/>
+                      <a:tailEnd type="none" w="med" len="med"/>
+                    </a:lnL>
+                    <a:lnR w="12700" cap="flat" cmpd="sng" algn="ctr">
+                      <a:solidFill>
+                        <a:schemeClr val="tx1"/>
+                      </a:solidFill>
+                      <a:prstDash val="solid"/>
+                      <a:round/>
+                      <a:headEnd type="none" w="med" len="med"/>
+                      <a:tailEnd type="none" w="med" len="med"/>
+                    </a:lnR>
+                    <a:lnT w="12700" cap="flat" cmpd="sng" algn="ctr">
+                      <a:solidFill>
+                        <a:schemeClr val="tx1"/>
+                      </a:solidFill>
+                      <a:prstDash val="solid"/>
+                      <a:round/>
+                      <a:headEnd type="none" w="med" len="med"/>
+                      <a:tailEnd type="none" w="med" len="med"/>
+                    </a:lnT>
+                    <a:lnB w="12700" cap="flat" cmpd="sng" algn="ctr">
+                      <a:solidFill>
+                        <a:schemeClr val="tx1"/>
+                      </a:solidFill>
+                      <a:prstDash val="solid"/>
+                      <a:round/>
+                      <a:headEnd type="none" w="med" len="med"/>
+                      <a:tailEnd type="none" w="med" len="med"/>
+                    </a:lnB>
+                  </a:tcPr>
+                </a:tc>
+                <a:tc>
+                  <a:txBody>
+                    <a:bodyPr/>
+                    <a:lstStyle/>
+                    <a:p>
+                      <a:pPr>
+                        <a:buNone/>
+                      </a:pPr>
+                      <a:r>
+                        <a:rPr lang="en-GB" sz="1800" dirty="0"/>
+                        <a:t>Scalable numeric clustering</a:t>
+                      </a:r>
+                    </a:p>
+                  </a:txBody>
+                  <a:tcPr marL="56511" marR="56511" marT="28255" marB="28255" anchor="ctr">
+                    <a:lnL w="12700" cap="flat" cmpd="sng" algn="ctr">
+                      <a:solidFill>
+                        <a:schemeClr val="tx1"/>
+                      </a:solidFill>
+                      <a:prstDash val="solid"/>
+                      <a:round/>
+                      <a:headEnd type="none" w="med" len="med"/>
+                      <a:tailEnd type="none" w="med" len="med"/>
+                    </a:lnL>
+                    <a:lnR w="12700" cap="flat" cmpd="sng" algn="ctr">
+                      <a:solidFill>
+                        <a:schemeClr val="tx1"/>
+                      </a:solidFill>
+                      <a:prstDash val="solid"/>
+                      <a:round/>
+                      <a:headEnd type="none" w="med" len="med"/>
+                      <a:tailEnd type="none" w="med" len="med"/>
+                    </a:lnR>
+                    <a:lnT w="12700" cap="flat" cmpd="sng" algn="ctr">
+                      <a:solidFill>
+                        <a:schemeClr val="tx1"/>
+                      </a:solidFill>
+                      <a:prstDash val="solid"/>
+                      <a:round/>
+                      <a:headEnd type="none" w="med" len="med"/>
+                      <a:tailEnd type="none" w="med" len="med"/>
+                    </a:lnT>
+                    <a:lnB w="12700" cap="flat" cmpd="sng" algn="ctr">
+                      <a:solidFill>
+                        <a:schemeClr val="tx1"/>
+                      </a:solidFill>
+                      <a:prstDash val="solid"/>
+                      <a:round/>
+                      <a:headEnd type="none" w="med" len="med"/>
+                      <a:tailEnd type="none" w="med" len="med"/>
+                    </a:lnB>
+                  </a:tcPr>
+                </a:tc>
+                <a:extLst>
+                  <a:ext uri="{0D108BD9-81ED-4DB2-BD59-A6C34878D82A}">
+                    <a16:rowId xmlns:a16="http://schemas.microsoft.com/office/drawing/2014/main" val="1846605389"/>
+                  </a:ext>
+                </a:extLst>
+              </a:tr>
+            </a:tbl>
+          </a:graphicData>
+        </a:graphic>
+      </p:graphicFrame>
+    </p:spTree>
+    <p:extLst>
+      <p:ext uri="{BB962C8B-B14F-4D97-AF65-F5344CB8AC3E}">
+        <p14:creationId xmlns:p14="http://schemas.microsoft.com/office/powerpoint/2010/main" val="1989207460"/>
       </p:ext>
     </p:extLst>
   </p:cSld>
@@ -13473,36 +20112,6 @@
           </a:p>
         </p:txBody>
       </p:sp>
-      <p:pic>
-        <p:nvPicPr>
-          <p:cNvPr id="10" name="Picture 9">
-            <a:extLst>
-              <a:ext uri="{FF2B5EF4-FFF2-40B4-BE49-F238E27FC236}">
-                <a16:creationId xmlns:a16="http://schemas.microsoft.com/office/drawing/2014/main" id="{2FEB7B3B-777B-1947-F33F-88283DCECCE3}"/>
-              </a:ext>
-            </a:extLst>
-          </p:cNvPr>
-          <p:cNvPicPr>
-            <a:picLocks noChangeAspect="1"/>
-          </p:cNvPicPr>
-          <p:nvPr/>
-        </p:nvPicPr>
-        <p:blipFill>
-          <a:blip r:embed="rId2"/>
-          <a:stretch>
-            <a:fillRect/>
-          </a:stretch>
-        </p:blipFill>
-        <p:spPr>
-          <a:xfrm>
-            <a:off x="7095028" y="2790784"/>
-            <a:ext cx="4772691" cy="3810532"/>
-          </a:xfrm>
-          <a:prstGeom prst="rect">
-            <a:avLst/>
-          </a:prstGeom>
-        </p:spPr>
-      </p:pic>
       <p:sp>
         <p:nvSpPr>
           <p:cNvPr id="11" name="TextBox 10">
@@ -13718,6 +20327,36 @@
           </a:p>
         </p:txBody>
       </p:sp>
+      <p:pic>
+        <p:nvPicPr>
+          <p:cNvPr id="3" name="Picture 2">
+            <a:extLst>
+              <a:ext uri="{FF2B5EF4-FFF2-40B4-BE49-F238E27FC236}">
+                <a16:creationId xmlns:a16="http://schemas.microsoft.com/office/drawing/2014/main" id="{86AB2E4A-894B-572E-294D-EBA5A2110B21}"/>
+              </a:ext>
+            </a:extLst>
+          </p:cNvPr>
+          <p:cNvPicPr>
+            <a:picLocks noChangeAspect="1"/>
+          </p:cNvPicPr>
+          <p:nvPr/>
+        </p:nvPicPr>
+        <p:blipFill>
+          <a:blip r:embed="rId2"/>
+          <a:stretch>
+            <a:fillRect/>
+          </a:stretch>
+        </p:blipFill>
+        <p:spPr>
+          <a:xfrm>
+            <a:off x="7274737" y="2815853"/>
+            <a:ext cx="4498453" cy="3186639"/>
+          </a:xfrm>
+          <a:prstGeom prst="rect">
+            <a:avLst/>
+          </a:prstGeom>
+        </p:spPr>
+      </p:pic>
     </p:spTree>
     <p:extLst>
       <p:ext uri="{BB962C8B-B14F-4D97-AF65-F5344CB8AC3E}">
@@ -18563,6 +25202,204 @@
       </p:grpSpPr>
       <p:sp>
         <p:nvSpPr>
+          <p:cNvPr id="2" name="Title 1">
+            <a:extLst>
+              <a:ext uri="{FF2B5EF4-FFF2-40B4-BE49-F238E27FC236}">
+                <a16:creationId xmlns:a16="http://schemas.microsoft.com/office/drawing/2014/main" id="{F6D85BFF-7303-346D-CBC1-30FF01774C11}"/>
+              </a:ext>
+            </a:extLst>
+          </p:cNvPr>
+          <p:cNvSpPr>
+            <a:spLocks noGrp="1"/>
+          </p:cNvSpPr>
+          <p:nvPr>
+            <p:ph type="title"/>
+          </p:nvPr>
+        </p:nvSpPr>
+        <p:spPr/>
+        <p:txBody>
+          <a:bodyPr/>
+          <a:lstStyle/>
+          <a:p>
+            <a:r>
+              <a:rPr lang="en-IN" dirty="0" err="1"/>
+              <a:t>Apriori</a:t>
+            </a:r>
+            <a:r>
+              <a:rPr lang="en-IN" dirty="0"/>
+              <a:t> Algorithm</a:t>
+            </a:r>
+            <a:endParaRPr lang="en-GB" dirty="0"/>
+          </a:p>
+        </p:txBody>
+      </p:sp>
+      <p:sp>
+        <p:nvSpPr>
+          <p:cNvPr id="3" name="Content Placeholder 2">
+            <a:extLst>
+              <a:ext uri="{FF2B5EF4-FFF2-40B4-BE49-F238E27FC236}">
+                <a16:creationId xmlns:a16="http://schemas.microsoft.com/office/drawing/2014/main" id="{F2F823F9-DF00-F901-162C-EA4E13FBA4FD}"/>
+              </a:ext>
+            </a:extLst>
+          </p:cNvPr>
+          <p:cNvSpPr>
+            <a:spLocks noGrp="1"/>
+          </p:cNvSpPr>
+          <p:nvPr>
+            <p:ph idx="1"/>
+          </p:nvPr>
+        </p:nvSpPr>
+        <p:spPr/>
+        <p:txBody>
+          <a:bodyPr>
+            <a:normAutofit fontScale="92500"/>
+          </a:bodyPr>
+          <a:lstStyle/>
+          <a:p>
+            <a:r>
+              <a:rPr lang="en-US" dirty="0"/>
+              <a:t>A </a:t>
+            </a:r>
+            <a:r>
+              <a:rPr lang="en-US" b="1" dirty="0"/>
+              <a:t>data mining algorithm</a:t>
+            </a:r>
+            <a:r>
+              <a:rPr lang="en-US" dirty="0"/>
+              <a:t> used to find </a:t>
+            </a:r>
+            <a:r>
+              <a:rPr lang="en-US" b="1" dirty="0"/>
+              <a:t>frequent </a:t>
+            </a:r>
+            <a:r>
+              <a:rPr lang="en-US" b="1" dirty="0" err="1"/>
+              <a:t>itemsets</a:t>
+            </a:r>
+            <a:r>
+              <a:rPr lang="en-US" dirty="0"/>
+              <a:t> and </a:t>
+            </a:r>
+            <a:r>
+              <a:rPr lang="en-US" b="1" dirty="0"/>
+              <a:t>association rules</a:t>
+            </a:r>
+            <a:r>
+              <a:rPr lang="en-US" dirty="0"/>
+              <a:t> in transactional data</a:t>
+            </a:r>
+          </a:p>
+          <a:p>
+            <a:r>
+              <a:rPr lang="en-US" dirty="0"/>
+              <a:t>Classic use: Market Basket Analysis (</a:t>
+            </a:r>
+            <a:r>
+              <a:rPr lang="en-US" i="1" dirty="0"/>
+              <a:t>People who bought this book also bought this</a:t>
+            </a:r>
+            <a:r>
+              <a:rPr lang="en-US" dirty="0"/>
+              <a:t>)</a:t>
+            </a:r>
+          </a:p>
+          <a:p>
+            <a:r>
+              <a:rPr lang="en-US" dirty="0"/>
+              <a:t>Inputs: Transaction dataset (each row = items bought together)</a:t>
+            </a:r>
+          </a:p>
+          <a:p>
+            <a:r>
+              <a:rPr lang="en-US" dirty="0"/>
+              <a:t>Outputs: Frequent </a:t>
+            </a:r>
+            <a:r>
+              <a:rPr lang="en-US" dirty="0" err="1"/>
+              <a:t>itemsets</a:t>
+            </a:r>
+            <a:r>
+              <a:rPr lang="en-US" dirty="0"/>
+              <a:t>, Association rules, e.g. A -&gt; B</a:t>
+            </a:r>
+          </a:p>
+          <a:p>
+            <a:r>
+              <a:rPr lang="en-US" dirty="0"/>
+              <a:t>Core idea: If an itemset is frequent, all its subsets must also be frequent</a:t>
+            </a:r>
+          </a:p>
+          <a:p>
+            <a:pPr lvl="1"/>
+            <a:r>
+              <a:rPr lang="en-US" dirty="0"/>
+              <a:t>If {milk, bread} is frequent</a:t>
+            </a:r>
+          </a:p>
+          <a:p>
+            <a:pPr lvl="1"/>
+            <a:r>
+              <a:rPr lang="en-US" dirty="0"/>
+              <a:t>then {milk} and {bread} </a:t>
+            </a:r>
+            <a:r>
+              <a:rPr lang="en-US" b="1" dirty="0"/>
+              <a:t>must</a:t>
+            </a:r>
+            <a:r>
+              <a:rPr lang="en-US" dirty="0"/>
+              <a:t> be frequent</a:t>
+            </a:r>
+          </a:p>
+          <a:p>
+            <a:r>
+              <a:rPr lang="en-US" dirty="0"/>
+              <a:t>This rule helps </a:t>
+            </a:r>
+            <a:r>
+              <a:rPr lang="en-US" b="1" dirty="0"/>
+              <a:t>prune</a:t>
+            </a:r>
+            <a:r>
+              <a:rPr lang="en-US" dirty="0"/>
+              <a:t> (remove) useless combinations early</a:t>
+            </a:r>
+            <a:endParaRPr lang="en-GB" dirty="0"/>
+          </a:p>
+        </p:txBody>
+      </p:sp>
+    </p:spTree>
+    <p:extLst>
+      <p:ext uri="{BB962C8B-B14F-4D97-AF65-F5344CB8AC3E}">
+        <p14:creationId xmlns:p14="http://schemas.microsoft.com/office/powerpoint/2010/main" val="259794190"/>
+      </p:ext>
+    </p:extLst>
+  </p:cSld>
+  <p:clrMapOvr>
+    <a:masterClrMapping/>
+  </p:clrMapOvr>
+</p:sld>
+</file>
+
+<file path=ppt/slides/slide8.xml><?xml version="1.0" encoding="utf-8"?>
+<p:sld xmlns:a="http://schemas.openxmlformats.org/drawingml/2006/main" xmlns:r="http://schemas.openxmlformats.org/officeDocument/2006/relationships" xmlns:p="http://schemas.openxmlformats.org/presentationml/2006/main">
+  <p:cSld>
+    <p:spTree>
+      <p:nvGrpSpPr>
+        <p:cNvPr id="1" name=""/>
+        <p:cNvGrpSpPr/>
+        <p:nvPr/>
+      </p:nvGrpSpPr>
+      <p:grpSpPr>
+        <a:xfrm>
+          <a:off x="0" y="0"/>
+          <a:ext cx="0" cy="0"/>
+          <a:chOff x="0" y="0"/>
+          <a:chExt cx="0" cy="0"/>
+        </a:xfrm>
+      </p:grpSpPr>
+      <p:sp>
+        <p:nvSpPr>
           <p:cNvPr id="4" name="Title 1">
             <a:extLst>
               <a:ext uri="{FF2B5EF4-FFF2-40B4-BE49-F238E27FC236}">
@@ -18642,8 +25479,8 @@
           </a:prstGeom>
           <a:solidFill>
             <a:schemeClr val="accent4">
-              <a:lumMod val="40000"/>
-              <a:lumOff val="60000"/>
+              <a:lumMod val="20000"/>
+              <a:lumOff val="80000"/>
             </a:schemeClr>
           </a:solidFill>
         </p:spPr>
@@ -21000,7 +27837,7 @@
           <a:p>
             <a:r>
               <a:rPr lang="en-IN" sz="1400" dirty="0"/>
-              <a:t>Step 3: Generate L2 (Frequent 2-itsemsets)</a:t>
+              <a:t>Step 4: Generate L2 (Frequent 2-itsemsets)</a:t>
             </a:r>
           </a:p>
           <a:p>
@@ -21050,7 +27887,7 @@
           <a:p>
             <a:r>
               <a:rPr lang="en-IN" sz="1400" dirty="0"/>
-              <a:t>Step 4: No frequent 3-itemsets: Stop</a:t>
+              <a:t>No frequent 3-itemsets: Stop</a:t>
             </a:r>
           </a:p>
         </p:txBody>
@@ -21132,7 +27969,7 @@
         <p:spPr>
           <a:xfrm>
             <a:off x="7889512" y="1160878"/>
-            <a:ext cx="3704522" cy="4185761"/>
+            <a:ext cx="3704522" cy="5478423"/>
           </a:xfrm>
           <a:prstGeom prst="rect">
             <a:avLst/>
@@ -21153,7 +27990,7 @@
             <a:pPr algn="ctr"/>
             <a:r>
               <a:rPr lang="en-IN" sz="1400" b="1" dirty="0"/>
-              <a:t>Generating Association Rules</a:t>
+              <a:t>Step 5: Generate Association Rules</a:t>
             </a:r>
           </a:p>
           <a:p>
@@ -21201,8 +28038,12 @@
               <a:buChar char="-"/>
             </a:pPr>
             <a:r>
+              <a:rPr lang="en-IN" sz="1400" b="1" dirty="0"/>
+              <a:t>Support </a:t>
+            </a:r>
+            <a:r>
               <a:rPr lang="en-IN" sz="1400" dirty="0"/>
-              <a:t>Support (Bread and Milk) = 2/4 = 0.5</a:t>
+              <a:t>(Bread and Milk) = 2/4 = 0.5</a:t>
             </a:r>
           </a:p>
           <a:p>
@@ -21211,8 +28052,12 @@
               <a:buChar char="-"/>
             </a:pPr>
             <a:r>
+              <a:rPr lang="en-IN" sz="1400" b="1" dirty="0"/>
+              <a:t>Support</a:t>
+            </a:r>
+            <a:r>
               <a:rPr lang="en-IN" sz="1400" dirty="0"/>
-              <a:t>Support (Bread) = 3/4 = 0.75</a:t>
+              <a:t> (Bread) = 3/4 = 0.75</a:t>
             </a:r>
           </a:p>
           <a:p>
@@ -21221,8 +28066,12 @@
               <a:buChar char="-"/>
             </a:pPr>
             <a:r>
+              <a:rPr lang="en-IN" sz="1400" b="1" dirty="0"/>
+              <a:t>Support</a:t>
+            </a:r>
+            <a:r>
               <a:rPr lang="en-IN" sz="1400" dirty="0"/>
-              <a:t>Support (Milk) = 3/4 = 0.75</a:t>
+              <a:t> (Milk) = 3/4 = 0.75</a:t>
             </a:r>
           </a:p>
           <a:p>
@@ -21250,8 +28099,22 @@
               <a:buChar char="-"/>
             </a:pPr>
             <a:r>
+              <a:rPr lang="en-IN" sz="1400" b="1" dirty="0"/>
+              <a:t>Confidence</a:t>
+            </a:r>
+            <a:r>
               <a:rPr lang="en-IN" sz="1400" dirty="0"/>
-              <a:t>Confidence = 0.5/0.75 = 0.67</a:t>
+              <a:t> = 0.5/0.75 = 0.67</a:t>
+            </a:r>
+          </a:p>
+          <a:p>
+            <a:pPr marL="742950" lvl="1" indent="-285750">
+              <a:buFontTx/>
+              <a:buChar char="-"/>
+            </a:pPr>
+            <a:r>
+              <a:rPr lang="en-IN" sz="1400" dirty="0"/>
+              <a:t>67% of the time when Bread is bought, Milk is bought, too</a:t>
             </a:r>
           </a:p>
           <a:p>
@@ -21270,24 +28133,214 @@
               <a:buChar char="-"/>
             </a:pPr>
             <a:r>
+              <a:rPr lang="en-IN" sz="1400" b="1" dirty="0"/>
+              <a:t>Confidence</a:t>
+            </a:r>
+            <a:r>
               <a:rPr lang="en-IN" sz="1400" dirty="0"/>
-              <a:t>Confidence = 0.5/0.75 = 0.67</a:t>
+              <a:t> = 0.5/0.75 = 0.67</a:t>
+            </a:r>
+          </a:p>
+          <a:p>
+            <a:pPr marL="742950" lvl="1" indent="-285750">
+              <a:buFontTx/>
+              <a:buChar char="-"/>
+            </a:pPr>
+            <a:r>
+              <a:rPr lang="en-IN" sz="1400" dirty="0"/>
+              <a:t>67% of the time when Milk is bought, Bread is bought, too</a:t>
             </a:r>
             <a:endParaRPr lang="en-GB" sz="1400" dirty="0"/>
           </a:p>
           <a:p>
-            <a:pPr lvl="1"/>
-            <a:endParaRPr lang="en-GB" sz="1400" dirty="0"/>
-          </a:p>
-          <a:p>
-            <a:r>
-              <a:rPr lang="en-IN" sz="1400"/>
+            <a:r>
+              <a:rPr lang="en-IN" sz="1400" dirty="0"/>
               <a:t>Repeat for (Bread, Butter)</a:t>
+            </a:r>
+          </a:p>
+          <a:p>
+            <a:endParaRPr lang="en-IN" sz="1400" dirty="0"/>
+          </a:p>
+          <a:p>
+            <a:r>
+              <a:rPr lang="en-US" sz="1400" b="1" dirty="0"/>
+              <a:t>Lift</a:t>
+            </a:r>
+            <a:r>
+              <a:rPr lang="en-US" sz="1400" dirty="0"/>
+              <a:t>(Bread → Milk) = 0.67 / 0.75 ≈ 0.89</a:t>
+            </a:r>
+          </a:p>
+          <a:p>
+            <a:r>
+              <a:rPr lang="en-US" sz="1400" dirty="0"/>
+              <a:t>(&lt; 1 → weak/negative association)</a:t>
             </a:r>
             <a:endParaRPr lang="en-GB" sz="1400" dirty="0"/>
           </a:p>
         </p:txBody>
       </p:sp>
+      <p:sp>
+        <p:nvSpPr>
+          <p:cNvPr id="2" name="TextBox 1">
+            <a:extLst>
+              <a:ext uri="{FF2B5EF4-FFF2-40B4-BE49-F238E27FC236}">
+                <a16:creationId xmlns:a16="http://schemas.microsoft.com/office/drawing/2014/main" id="{91878690-958A-A5EA-1C7B-04A186FB46EB}"/>
+              </a:ext>
+            </a:extLst>
+          </p:cNvPr>
+          <p:cNvSpPr txBox="1"/>
+          <p:nvPr/>
+        </p:nvSpPr>
+        <p:spPr>
+          <a:xfrm>
+            <a:off x="137373" y="3853044"/>
+            <a:ext cx="3541167" cy="954107"/>
+          </a:xfrm>
+          <a:prstGeom prst="rect">
+            <a:avLst/>
+          </a:prstGeom>
+          <a:solidFill>
+            <a:schemeClr val="accent4">
+              <a:lumMod val="20000"/>
+              <a:lumOff val="80000"/>
+            </a:schemeClr>
+          </a:solidFill>
+        </p:spPr>
+        <p:txBody>
+          <a:bodyPr wrap="square" rtlCol="0">
+            <a:spAutoFit/>
+          </a:bodyPr>
+          <a:lstStyle/>
+          <a:p>
+            <a:r>
+              <a:rPr lang="en-IN" sz="1400" u="sng" dirty="0"/>
+              <a:t>Key concepts</a:t>
+            </a:r>
+          </a:p>
+          <a:p>
+            <a:r>
+              <a:rPr lang="en-IN" sz="1400" b="1" dirty="0"/>
+              <a:t>Support</a:t>
+            </a:r>
+            <a:r>
+              <a:rPr lang="en-IN" sz="1400" dirty="0"/>
+              <a:t>: How often an itemset appears</a:t>
+            </a:r>
+          </a:p>
+          <a:p>
+            <a:r>
+              <a:rPr lang="en-IN" sz="1400" b="1" dirty="0"/>
+              <a:t>Confidence</a:t>
+            </a:r>
+            <a:r>
+              <a:rPr lang="en-IN" sz="1400" dirty="0"/>
+              <a:t>: How reliable a rule is</a:t>
+            </a:r>
+          </a:p>
+          <a:p>
+            <a:r>
+              <a:rPr lang="en-IN" sz="1400" b="1" dirty="0"/>
+              <a:t>Lift</a:t>
+            </a:r>
+            <a:r>
+              <a:rPr lang="en-IN" sz="1400" dirty="0"/>
+              <a:t>: How strong an association is</a:t>
+            </a:r>
+            <a:endParaRPr lang="en-GB" sz="1400" dirty="0"/>
+          </a:p>
+        </p:txBody>
+      </p:sp>
+      <p:pic>
+        <p:nvPicPr>
+          <p:cNvPr id="16" name="Picture 15">
+            <a:extLst>
+              <a:ext uri="{FF2B5EF4-FFF2-40B4-BE49-F238E27FC236}">
+                <a16:creationId xmlns:a16="http://schemas.microsoft.com/office/drawing/2014/main" id="{3F02125A-5E7F-C299-BD08-DE8271CC7CE1}"/>
+              </a:ext>
+            </a:extLst>
+          </p:cNvPr>
+          <p:cNvPicPr>
+            <a:picLocks noChangeAspect="1"/>
+          </p:cNvPicPr>
+          <p:nvPr/>
+        </p:nvPicPr>
+        <p:blipFill>
+          <a:blip r:embed="rId2"/>
+          <a:stretch>
+            <a:fillRect/>
+          </a:stretch>
+        </p:blipFill>
+        <p:spPr>
+          <a:xfrm>
+            <a:off x="409599" y="4853811"/>
+            <a:ext cx="2833360" cy="536715"/>
+          </a:xfrm>
+          <a:prstGeom prst="rect">
+            <a:avLst/>
+          </a:prstGeom>
+        </p:spPr>
+      </p:pic>
+      <p:pic>
+        <p:nvPicPr>
+          <p:cNvPr id="18" name="Picture 17">
+            <a:extLst>
+              <a:ext uri="{FF2B5EF4-FFF2-40B4-BE49-F238E27FC236}">
+                <a16:creationId xmlns:a16="http://schemas.microsoft.com/office/drawing/2014/main" id="{DF61887A-449B-BA01-9F26-1D0C6D71B198}"/>
+              </a:ext>
+            </a:extLst>
+          </p:cNvPr>
+          <p:cNvPicPr>
+            <a:picLocks noChangeAspect="1"/>
+          </p:cNvPicPr>
+          <p:nvPr/>
+        </p:nvPicPr>
+        <p:blipFill>
+          <a:blip r:embed="rId3"/>
+          <a:stretch>
+            <a:fillRect/>
+          </a:stretch>
+        </p:blipFill>
+        <p:spPr>
+          <a:xfrm>
+            <a:off x="352176" y="5473005"/>
+            <a:ext cx="2890783" cy="474356"/>
+          </a:xfrm>
+          <a:prstGeom prst="rect">
+            <a:avLst/>
+          </a:prstGeom>
+        </p:spPr>
+      </p:pic>
+      <p:pic>
+        <p:nvPicPr>
+          <p:cNvPr id="20" name="Picture 19">
+            <a:extLst>
+              <a:ext uri="{FF2B5EF4-FFF2-40B4-BE49-F238E27FC236}">
+                <a16:creationId xmlns:a16="http://schemas.microsoft.com/office/drawing/2014/main" id="{522544A6-FDEB-4D79-D96F-8AF701191612}"/>
+              </a:ext>
+            </a:extLst>
+          </p:cNvPr>
+          <p:cNvPicPr>
+            <a:picLocks noChangeAspect="1"/>
+          </p:cNvPicPr>
+          <p:nvPr/>
+        </p:nvPicPr>
+        <p:blipFill>
+          <a:blip r:embed="rId4"/>
+          <a:stretch>
+            <a:fillRect/>
+          </a:stretch>
+        </p:blipFill>
+        <p:spPr>
+          <a:xfrm>
+            <a:off x="754619" y="6045357"/>
+            <a:ext cx="2085895" cy="567858"/>
+          </a:xfrm>
+          <a:prstGeom prst="rect">
+            <a:avLst/>
+          </a:prstGeom>
+        </p:spPr>
+      </p:pic>
     </p:spTree>
     <p:extLst>
       <p:ext uri="{BB962C8B-B14F-4D97-AF65-F5344CB8AC3E}">
@@ -21301,7 +28354,7 @@
 </p:sld>
 </file>
 
-<file path=ppt/slides/slide8.xml><?xml version="1.0" encoding="utf-8"?>
+<file path=ppt/slides/slide9.xml><?xml version="1.0" encoding="utf-8"?>
 <p:sld xmlns:a="http://schemas.openxmlformats.org/drawingml/2006/main" xmlns:r="http://schemas.openxmlformats.org/officeDocument/2006/relationships" xmlns:p="http://schemas.openxmlformats.org/presentationml/2006/main">
   <p:cSld>
     <p:spTree>
@@ -24305,2379 +31358,6 @@
     <p:extLst>
       <p:ext uri="{BB962C8B-B14F-4D97-AF65-F5344CB8AC3E}">
         <p14:creationId xmlns:p14="http://schemas.microsoft.com/office/powerpoint/2010/main" val="3270991069"/>
-      </p:ext>
-    </p:extLst>
-  </p:cSld>
-  <p:clrMapOvr>
-    <a:masterClrMapping/>
-  </p:clrMapOvr>
-</p:sld>
-</file>
-
-<file path=ppt/slides/slide9.xml><?xml version="1.0" encoding="utf-8"?>
-<p:sld xmlns:a="http://schemas.openxmlformats.org/drawingml/2006/main" xmlns:r="http://schemas.openxmlformats.org/officeDocument/2006/relationships" xmlns:p="http://schemas.openxmlformats.org/presentationml/2006/main">
-  <p:cSld>
-    <p:spTree>
-      <p:nvGrpSpPr>
-        <p:cNvPr id="1" name=""/>
-        <p:cNvGrpSpPr/>
-        <p:nvPr/>
-      </p:nvGrpSpPr>
-      <p:grpSpPr>
-        <a:xfrm>
-          <a:off x="0" y="0"/>
-          <a:ext cx="0" cy="0"/>
-          <a:chOff x="0" y="0"/>
-          <a:chExt cx="0" cy="0"/>
-        </a:xfrm>
-      </p:grpSpPr>
-      <p:sp>
-        <p:nvSpPr>
-          <p:cNvPr id="4" name="Title 1">
-            <a:extLst>
-              <a:ext uri="{FF2B5EF4-FFF2-40B4-BE49-F238E27FC236}">
-                <a16:creationId xmlns:a16="http://schemas.microsoft.com/office/drawing/2014/main" id="{AC4EB731-D35D-C6AC-B632-2A0B9233FF19}"/>
-              </a:ext>
-            </a:extLst>
-          </p:cNvPr>
-          <p:cNvSpPr txBox="1">
-            <a:spLocks/>
-          </p:cNvSpPr>
-          <p:nvPr/>
-        </p:nvSpPr>
-        <p:spPr>
-          <a:xfrm>
-            <a:off x="91324" y="120820"/>
-            <a:ext cx="3840443" cy="807539"/>
-          </a:xfrm>
-          <a:prstGeom prst="rect">
-            <a:avLst/>
-          </a:prstGeom>
-        </p:spPr>
-        <p:txBody>
-          <a:bodyPr vert="horz" lIns="91440" tIns="45720" rIns="91440" bIns="45720" rtlCol="0" anchor="ctr">
-            <a:normAutofit fontScale="97500"/>
-          </a:bodyPr>
-          <a:lstStyle>
-            <a:lvl1pPr algn="l" defTabSz="914400" rtl="0" eaLnBrk="1" latinLnBrk="0" hangingPunct="1">
-              <a:lnSpc>
-                <a:spcPct val="90000"/>
-              </a:lnSpc>
-              <a:spcBef>
-                <a:spcPct val="0"/>
-              </a:spcBef>
-              <a:buNone/>
-              <a:defRPr sz="4400" kern="1200">
-                <a:solidFill>
-                  <a:schemeClr val="tx1"/>
-                </a:solidFill>
-                <a:latin typeface="+mj-lt"/>
-                <a:ea typeface="+mj-ea"/>
-                <a:cs typeface="+mj-cs"/>
-              </a:defRPr>
-            </a:lvl1pPr>
-          </a:lstStyle>
-          <a:p>
-            <a:r>
-              <a:rPr lang="en-IN" sz="3200" dirty="0"/>
-              <a:t>ELCAT Algorithm</a:t>
-            </a:r>
-            <a:endParaRPr lang="en-GB" sz="3200" dirty="0"/>
-          </a:p>
-        </p:txBody>
-      </p:sp>
-      <p:sp>
-        <p:nvSpPr>
-          <p:cNvPr id="5" name="TextBox 4">
-            <a:extLst>
-              <a:ext uri="{FF2B5EF4-FFF2-40B4-BE49-F238E27FC236}">
-                <a16:creationId xmlns:a16="http://schemas.microsoft.com/office/drawing/2014/main" id="{F1292BB4-C195-E7DF-EC23-7E1E281BFEC2}"/>
-              </a:ext>
-            </a:extLst>
-          </p:cNvPr>
-          <p:cNvSpPr txBox="1"/>
-          <p:nvPr/>
-        </p:nvSpPr>
-        <p:spPr>
-          <a:xfrm>
-            <a:off x="137373" y="767816"/>
-            <a:ext cx="3541167" cy="954107"/>
-          </a:xfrm>
-          <a:prstGeom prst="rect">
-            <a:avLst/>
-          </a:prstGeom>
-          <a:solidFill>
-            <a:schemeClr val="accent4">
-              <a:lumMod val="40000"/>
-              <a:lumOff val="60000"/>
-            </a:schemeClr>
-          </a:solidFill>
-        </p:spPr>
-        <p:txBody>
-          <a:bodyPr wrap="square" rtlCol="0">
-            <a:spAutoFit/>
-          </a:bodyPr>
-          <a:lstStyle/>
-          <a:p>
-            <a:r>
-              <a:rPr lang="en-IN" sz="1400" b="1" dirty="0"/>
-              <a:t>Equivalent Class Transformation</a:t>
-            </a:r>
-            <a:endParaRPr lang="en-IN" sz="1400" dirty="0"/>
-          </a:p>
-          <a:p>
-            <a:endParaRPr lang="en-IN" sz="1400" dirty="0"/>
-          </a:p>
-          <a:p>
-            <a:r>
-              <a:rPr lang="en-US" sz="1400" dirty="0"/>
-              <a:t>Finds frequent </a:t>
-            </a:r>
-            <a:r>
-              <a:rPr lang="en-US" sz="1400" dirty="0" err="1"/>
-              <a:t>itemsets</a:t>
-            </a:r>
-            <a:r>
-              <a:rPr lang="en-US" sz="1400" dirty="0"/>
-              <a:t> by intersecting transaction ID lists (TID-lists)</a:t>
-            </a:r>
-            <a:endParaRPr lang="en-IN" sz="1400" dirty="0"/>
-          </a:p>
-        </p:txBody>
-      </p:sp>
-      <p:graphicFrame>
-        <p:nvGraphicFramePr>
-          <p:cNvPr id="6" name="Table 5">
-            <a:extLst>
-              <a:ext uri="{FF2B5EF4-FFF2-40B4-BE49-F238E27FC236}">
-                <a16:creationId xmlns:a16="http://schemas.microsoft.com/office/drawing/2014/main" id="{3B00494F-402E-E7B4-0F10-FA3E5C4D5072}"/>
-              </a:ext>
-            </a:extLst>
-          </p:cNvPr>
-          <p:cNvGraphicFramePr>
-            <a:graphicFrameLocks noGrp="1"/>
-          </p:cNvGraphicFramePr>
-          <p:nvPr>
-            <p:extLst>
-              <p:ext uri="{D42A27DB-BD31-4B8C-83A1-F6EECF244321}">
-                <p14:modId xmlns:p14="http://schemas.microsoft.com/office/powerpoint/2010/main" val="3482068169"/>
-              </p:ext>
-            </p:extLst>
-          </p:nvPr>
-        </p:nvGraphicFramePr>
-        <p:xfrm>
-          <a:off x="169899" y="2150158"/>
-          <a:ext cx="3541167" cy="1828800"/>
-        </p:xfrm>
-        <a:graphic>
-          <a:graphicData uri="http://schemas.openxmlformats.org/drawingml/2006/table">
-            <a:tbl>
-              <a:tblPr firstRow="1">
-                <a:tableStyleId>{5A111915-BE36-4E01-A7E5-04B1672EAD32}</a:tableStyleId>
-              </a:tblPr>
-              <a:tblGrid>
-                <a:gridCol w="715961">
-                  <a:extLst>
-                    <a:ext uri="{9D8B030D-6E8A-4147-A177-3AD203B41FA5}">
-                      <a16:colId xmlns:a16="http://schemas.microsoft.com/office/drawing/2014/main" val="3645117958"/>
-                    </a:ext>
-                  </a:extLst>
-                </a:gridCol>
-                <a:gridCol w="2825206">
-                  <a:extLst>
-                    <a:ext uri="{9D8B030D-6E8A-4147-A177-3AD203B41FA5}">
-                      <a16:colId xmlns:a16="http://schemas.microsoft.com/office/drawing/2014/main" val="2794275391"/>
-                    </a:ext>
-                  </a:extLst>
-                </a:gridCol>
-              </a:tblGrid>
-              <a:tr h="277998">
-                <a:tc>
-                  <a:txBody>
-                    <a:bodyPr/>
-                    <a:lstStyle/>
-                    <a:p>
-                      <a:pPr>
-                        <a:buNone/>
-                      </a:pPr>
-                      <a:r>
-                        <a:rPr lang="en-GB" sz="1400"/>
-                        <a:t>TID</a:t>
-                      </a:r>
-                    </a:p>
-                  </a:txBody>
-                  <a:tcPr anchor="ctr">
-                    <a:lnL w="12700" cap="flat" cmpd="sng" algn="ctr">
-                      <a:solidFill>
-                        <a:schemeClr val="tx1"/>
-                      </a:solidFill>
-                      <a:prstDash val="solid"/>
-                      <a:round/>
-                      <a:headEnd type="none" w="med" len="med"/>
-                      <a:tailEnd type="none" w="med" len="med"/>
-                    </a:lnL>
-                    <a:lnR w="12700" cap="flat" cmpd="sng" algn="ctr">
-                      <a:solidFill>
-                        <a:schemeClr val="tx1"/>
-                      </a:solidFill>
-                      <a:prstDash val="solid"/>
-                      <a:round/>
-                      <a:headEnd type="none" w="med" len="med"/>
-                      <a:tailEnd type="none" w="med" len="med"/>
-                    </a:lnR>
-                    <a:lnT w="12700" cap="flat" cmpd="sng" algn="ctr">
-                      <a:solidFill>
-                        <a:schemeClr val="tx1"/>
-                      </a:solidFill>
-                      <a:prstDash val="solid"/>
-                      <a:round/>
-                      <a:headEnd type="none" w="med" len="med"/>
-                      <a:tailEnd type="none" w="med" len="med"/>
-                    </a:lnT>
-                    <a:lnB w="12700" cap="flat" cmpd="sng" algn="ctr">
-                      <a:solidFill>
-                        <a:schemeClr val="tx1"/>
-                      </a:solidFill>
-                      <a:prstDash val="solid"/>
-                      <a:round/>
-                      <a:headEnd type="none" w="med" len="med"/>
-                      <a:tailEnd type="none" w="med" len="med"/>
-                    </a:lnB>
-                  </a:tcPr>
-                </a:tc>
-                <a:tc>
-                  <a:txBody>
-                    <a:bodyPr/>
-                    <a:lstStyle/>
-                    <a:p>
-                      <a:pPr>
-                        <a:buNone/>
-                      </a:pPr>
-                      <a:r>
-                        <a:rPr lang="en-GB" sz="1400"/>
-                        <a:t>Items</a:t>
-                      </a:r>
-                    </a:p>
-                  </a:txBody>
-                  <a:tcPr anchor="ctr">
-                    <a:lnL w="12700" cap="flat" cmpd="sng" algn="ctr">
-                      <a:solidFill>
-                        <a:schemeClr val="tx1"/>
-                      </a:solidFill>
-                      <a:prstDash val="solid"/>
-                      <a:round/>
-                      <a:headEnd type="none" w="med" len="med"/>
-                      <a:tailEnd type="none" w="med" len="med"/>
-                    </a:lnL>
-                    <a:lnR w="12700" cap="flat" cmpd="sng" algn="ctr">
-                      <a:solidFill>
-                        <a:schemeClr val="tx1"/>
-                      </a:solidFill>
-                      <a:prstDash val="solid"/>
-                      <a:round/>
-                      <a:headEnd type="none" w="med" len="med"/>
-                      <a:tailEnd type="none" w="med" len="med"/>
-                    </a:lnR>
-                    <a:lnT w="12700" cap="flat" cmpd="sng" algn="ctr">
-                      <a:solidFill>
-                        <a:schemeClr val="tx1"/>
-                      </a:solidFill>
-                      <a:prstDash val="solid"/>
-                      <a:round/>
-                      <a:headEnd type="none" w="med" len="med"/>
-                      <a:tailEnd type="none" w="med" len="med"/>
-                    </a:lnT>
-                    <a:lnB w="12700" cap="flat" cmpd="sng" algn="ctr">
-                      <a:solidFill>
-                        <a:schemeClr val="tx1"/>
-                      </a:solidFill>
-                      <a:prstDash val="solid"/>
-                      <a:round/>
-                      <a:headEnd type="none" w="med" len="med"/>
-                      <a:tailEnd type="none" w="med" len="med"/>
-                    </a:lnB>
-                  </a:tcPr>
-                </a:tc>
-                <a:extLst>
-                  <a:ext uri="{0D108BD9-81ED-4DB2-BD59-A6C34878D82A}">
-                    <a16:rowId xmlns:a16="http://schemas.microsoft.com/office/drawing/2014/main" val="1186997191"/>
-                  </a:ext>
-                </a:extLst>
-              </a:tr>
-              <a:tr h="277998">
-                <a:tc>
-                  <a:txBody>
-                    <a:bodyPr/>
-                    <a:lstStyle/>
-                    <a:p>
-                      <a:pPr>
-                        <a:buNone/>
-                      </a:pPr>
-                      <a:r>
-                        <a:rPr lang="en-GB" sz="1400"/>
-                        <a:t>T1</a:t>
-                      </a:r>
-                    </a:p>
-                  </a:txBody>
-                  <a:tcPr anchor="ctr">
-                    <a:lnL w="12700" cap="flat" cmpd="sng" algn="ctr">
-                      <a:solidFill>
-                        <a:schemeClr val="tx1"/>
-                      </a:solidFill>
-                      <a:prstDash val="solid"/>
-                      <a:round/>
-                      <a:headEnd type="none" w="med" len="med"/>
-                      <a:tailEnd type="none" w="med" len="med"/>
-                    </a:lnL>
-                    <a:lnR w="12700" cap="flat" cmpd="sng" algn="ctr">
-                      <a:solidFill>
-                        <a:schemeClr val="tx1"/>
-                      </a:solidFill>
-                      <a:prstDash val="solid"/>
-                      <a:round/>
-                      <a:headEnd type="none" w="med" len="med"/>
-                      <a:tailEnd type="none" w="med" len="med"/>
-                    </a:lnR>
-                    <a:lnT w="12700" cap="flat" cmpd="sng" algn="ctr">
-                      <a:solidFill>
-                        <a:schemeClr val="tx1"/>
-                      </a:solidFill>
-                      <a:prstDash val="solid"/>
-                      <a:round/>
-                      <a:headEnd type="none" w="med" len="med"/>
-                      <a:tailEnd type="none" w="med" len="med"/>
-                    </a:lnT>
-                    <a:lnB w="12700" cap="flat" cmpd="sng" algn="ctr">
-                      <a:solidFill>
-                        <a:schemeClr val="tx1"/>
-                      </a:solidFill>
-                      <a:prstDash val="solid"/>
-                      <a:round/>
-                      <a:headEnd type="none" w="med" len="med"/>
-                      <a:tailEnd type="none" w="med" len="med"/>
-                    </a:lnB>
-                  </a:tcPr>
-                </a:tc>
-                <a:tc>
-                  <a:txBody>
-                    <a:bodyPr/>
-                    <a:lstStyle/>
-                    <a:p>
-                      <a:pPr>
-                        <a:buNone/>
-                      </a:pPr>
-                      <a:r>
-                        <a:rPr lang="en-GB" sz="1400" dirty="0"/>
-                        <a:t>Bread, Milk</a:t>
-                      </a:r>
-                    </a:p>
-                  </a:txBody>
-                  <a:tcPr anchor="ctr">
-                    <a:lnL w="12700" cap="flat" cmpd="sng" algn="ctr">
-                      <a:solidFill>
-                        <a:schemeClr val="tx1"/>
-                      </a:solidFill>
-                      <a:prstDash val="solid"/>
-                      <a:round/>
-                      <a:headEnd type="none" w="med" len="med"/>
-                      <a:tailEnd type="none" w="med" len="med"/>
-                    </a:lnL>
-                    <a:lnR w="12700" cap="flat" cmpd="sng" algn="ctr">
-                      <a:solidFill>
-                        <a:schemeClr val="tx1"/>
-                      </a:solidFill>
-                      <a:prstDash val="solid"/>
-                      <a:round/>
-                      <a:headEnd type="none" w="med" len="med"/>
-                      <a:tailEnd type="none" w="med" len="med"/>
-                    </a:lnR>
-                    <a:lnT w="12700" cap="flat" cmpd="sng" algn="ctr">
-                      <a:solidFill>
-                        <a:schemeClr val="tx1"/>
-                      </a:solidFill>
-                      <a:prstDash val="solid"/>
-                      <a:round/>
-                      <a:headEnd type="none" w="med" len="med"/>
-                      <a:tailEnd type="none" w="med" len="med"/>
-                    </a:lnT>
-                    <a:lnB w="12700" cap="flat" cmpd="sng" algn="ctr">
-                      <a:solidFill>
-                        <a:schemeClr val="tx1"/>
-                      </a:solidFill>
-                      <a:prstDash val="solid"/>
-                      <a:round/>
-                      <a:headEnd type="none" w="med" len="med"/>
-                      <a:tailEnd type="none" w="med" len="med"/>
-                    </a:lnB>
-                  </a:tcPr>
-                </a:tc>
-                <a:extLst>
-                  <a:ext uri="{0D108BD9-81ED-4DB2-BD59-A6C34878D82A}">
-                    <a16:rowId xmlns:a16="http://schemas.microsoft.com/office/drawing/2014/main" val="4156398346"/>
-                  </a:ext>
-                </a:extLst>
-              </a:tr>
-              <a:tr h="277998">
-                <a:tc>
-                  <a:txBody>
-                    <a:bodyPr/>
-                    <a:lstStyle/>
-                    <a:p>
-                      <a:pPr>
-                        <a:buNone/>
-                      </a:pPr>
-                      <a:r>
-                        <a:rPr lang="en-GB" sz="1400"/>
-                        <a:t>T2</a:t>
-                      </a:r>
-                    </a:p>
-                  </a:txBody>
-                  <a:tcPr anchor="ctr">
-                    <a:lnL w="12700" cap="flat" cmpd="sng" algn="ctr">
-                      <a:solidFill>
-                        <a:schemeClr val="tx1"/>
-                      </a:solidFill>
-                      <a:prstDash val="solid"/>
-                      <a:round/>
-                      <a:headEnd type="none" w="med" len="med"/>
-                      <a:tailEnd type="none" w="med" len="med"/>
-                    </a:lnL>
-                    <a:lnR w="12700" cap="flat" cmpd="sng" algn="ctr">
-                      <a:solidFill>
-                        <a:schemeClr val="tx1"/>
-                      </a:solidFill>
-                      <a:prstDash val="solid"/>
-                      <a:round/>
-                      <a:headEnd type="none" w="med" len="med"/>
-                      <a:tailEnd type="none" w="med" len="med"/>
-                    </a:lnR>
-                    <a:lnT w="12700" cap="flat" cmpd="sng" algn="ctr">
-                      <a:solidFill>
-                        <a:schemeClr val="tx1"/>
-                      </a:solidFill>
-                      <a:prstDash val="solid"/>
-                      <a:round/>
-                      <a:headEnd type="none" w="med" len="med"/>
-                      <a:tailEnd type="none" w="med" len="med"/>
-                    </a:lnT>
-                    <a:lnB w="12700" cap="flat" cmpd="sng" algn="ctr">
-                      <a:solidFill>
-                        <a:schemeClr val="tx1"/>
-                      </a:solidFill>
-                      <a:prstDash val="solid"/>
-                      <a:round/>
-                      <a:headEnd type="none" w="med" len="med"/>
-                      <a:tailEnd type="none" w="med" len="med"/>
-                    </a:lnB>
-                  </a:tcPr>
-                </a:tc>
-                <a:tc>
-                  <a:txBody>
-                    <a:bodyPr/>
-                    <a:lstStyle/>
-                    <a:p>
-                      <a:pPr>
-                        <a:buNone/>
-                      </a:pPr>
-                      <a:r>
-                        <a:rPr lang="en-GB" sz="1400" dirty="0"/>
-                        <a:t>Bread, Cola, Eggs</a:t>
-                      </a:r>
-                    </a:p>
-                  </a:txBody>
-                  <a:tcPr anchor="ctr">
-                    <a:lnL w="12700" cap="flat" cmpd="sng" algn="ctr">
-                      <a:solidFill>
-                        <a:schemeClr val="tx1"/>
-                      </a:solidFill>
-                      <a:prstDash val="solid"/>
-                      <a:round/>
-                      <a:headEnd type="none" w="med" len="med"/>
-                      <a:tailEnd type="none" w="med" len="med"/>
-                    </a:lnL>
-                    <a:lnR w="12700" cap="flat" cmpd="sng" algn="ctr">
-                      <a:solidFill>
-                        <a:schemeClr val="tx1"/>
-                      </a:solidFill>
-                      <a:prstDash val="solid"/>
-                      <a:round/>
-                      <a:headEnd type="none" w="med" len="med"/>
-                      <a:tailEnd type="none" w="med" len="med"/>
-                    </a:lnR>
-                    <a:lnT w="12700" cap="flat" cmpd="sng" algn="ctr">
-                      <a:solidFill>
-                        <a:schemeClr val="tx1"/>
-                      </a:solidFill>
-                      <a:prstDash val="solid"/>
-                      <a:round/>
-                      <a:headEnd type="none" w="med" len="med"/>
-                      <a:tailEnd type="none" w="med" len="med"/>
-                    </a:lnT>
-                    <a:lnB w="12700" cap="flat" cmpd="sng" algn="ctr">
-                      <a:solidFill>
-                        <a:schemeClr val="tx1"/>
-                      </a:solidFill>
-                      <a:prstDash val="solid"/>
-                      <a:round/>
-                      <a:headEnd type="none" w="med" len="med"/>
-                      <a:tailEnd type="none" w="med" len="med"/>
-                    </a:lnB>
-                  </a:tcPr>
-                </a:tc>
-                <a:extLst>
-                  <a:ext uri="{0D108BD9-81ED-4DB2-BD59-A6C34878D82A}">
-                    <a16:rowId xmlns:a16="http://schemas.microsoft.com/office/drawing/2014/main" val="181371722"/>
-                  </a:ext>
-                </a:extLst>
-              </a:tr>
-              <a:tr h="277998">
-                <a:tc>
-                  <a:txBody>
-                    <a:bodyPr/>
-                    <a:lstStyle/>
-                    <a:p>
-                      <a:pPr>
-                        <a:buNone/>
-                      </a:pPr>
-                      <a:r>
-                        <a:rPr lang="en-GB" sz="1400"/>
-                        <a:t>T3</a:t>
-                      </a:r>
-                    </a:p>
-                  </a:txBody>
-                  <a:tcPr anchor="ctr">
-                    <a:lnL w="12700" cap="flat" cmpd="sng" algn="ctr">
-                      <a:solidFill>
-                        <a:schemeClr val="tx1"/>
-                      </a:solidFill>
-                      <a:prstDash val="solid"/>
-                      <a:round/>
-                      <a:headEnd type="none" w="med" len="med"/>
-                      <a:tailEnd type="none" w="med" len="med"/>
-                    </a:lnL>
-                    <a:lnR w="12700" cap="flat" cmpd="sng" algn="ctr">
-                      <a:solidFill>
-                        <a:schemeClr val="tx1"/>
-                      </a:solidFill>
-                      <a:prstDash val="solid"/>
-                      <a:round/>
-                      <a:headEnd type="none" w="med" len="med"/>
-                      <a:tailEnd type="none" w="med" len="med"/>
-                    </a:lnR>
-                    <a:lnT w="12700" cap="flat" cmpd="sng" algn="ctr">
-                      <a:solidFill>
-                        <a:schemeClr val="tx1"/>
-                      </a:solidFill>
-                      <a:prstDash val="solid"/>
-                      <a:round/>
-                      <a:headEnd type="none" w="med" len="med"/>
-                      <a:tailEnd type="none" w="med" len="med"/>
-                    </a:lnT>
-                    <a:lnB w="12700" cap="flat" cmpd="sng" algn="ctr">
-                      <a:solidFill>
-                        <a:schemeClr val="tx1"/>
-                      </a:solidFill>
-                      <a:prstDash val="solid"/>
-                      <a:round/>
-                      <a:headEnd type="none" w="med" len="med"/>
-                      <a:tailEnd type="none" w="med" len="med"/>
-                    </a:lnB>
-                  </a:tcPr>
-                </a:tc>
-                <a:tc>
-                  <a:txBody>
-                    <a:bodyPr/>
-                    <a:lstStyle/>
-                    <a:p>
-                      <a:pPr>
-                        <a:buNone/>
-                      </a:pPr>
-                      <a:r>
-                        <a:rPr lang="en-GB" sz="1400" dirty="0"/>
-                        <a:t>Milk, Cola, Eggs</a:t>
-                      </a:r>
-                    </a:p>
-                  </a:txBody>
-                  <a:tcPr anchor="ctr">
-                    <a:lnL w="12700" cap="flat" cmpd="sng" algn="ctr">
-                      <a:solidFill>
-                        <a:schemeClr val="tx1"/>
-                      </a:solidFill>
-                      <a:prstDash val="solid"/>
-                      <a:round/>
-                      <a:headEnd type="none" w="med" len="med"/>
-                      <a:tailEnd type="none" w="med" len="med"/>
-                    </a:lnL>
-                    <a:lnR w="12700" cap="flat" cmpd="sng" algn="ctr">
-                      <a:solidFill>
-                        <a:schemeClr val="tx1"/>
-                      </a:solidFill>
-                      <a:prstDash val="solid"/>
-                      <a:round/>
-                      <a:headEnd type="none" w="med" len="med"/>
-                      <a:tailEnd type="none" w="med" len="med"/>
-                    </a:lnR>
-                    <a:lnT w="12700" cap="flat" cmpd="sng" algn="ctr">
-                      <a:solidFill>
-                        <a:schemeClr val="tx1"/>
-                      </a:solidFill>
-                      <a:prstDash val="solid"/>
-                      <a:round/>
-                      <a:headEnd type="none" w="med" len="med"/>
-                      <a:tailEnd type="none" w="med" len="med"/>
-                    </a:lnT>
-                    <a:lnB w="12700" cap="flat" cmpd="sng" algn="ctr">
-                      <a:solidFill>
-                        <a:schemeClr val="tx1"/>
-                      </a:solidFill>
-                      <a:prstDash val="solid"/>
-                      <a:round/>
-                      <a:headEnd type="none" w="med" len="med"/>
-                      <a:tailEnd type="none" w="med" len="med"/>
-                    </a:lnB>
-                  </a:tcPr>
-                </a:tc>
-                <a:extLst>
-                  <a:ext uri="{0D108BD9-81ED-4DB2-BD59-A6C34878D82A}">
-                    <a16:rowId xmlns:a16="http://schemas.microsoft.com/office/drawing/2014/main" val="2458712475"/>
-                  </a:ext>
-                </a:extLst>
-              </a:tr>
-              <a:tr h="277998">
-                <a:tc>
-                  <a:txBody>
-                    <a:bodyPr/>
-                    <a:lstStyle/>
-                    <a:p>
-                      <a:pPr>
-                        <a:buNone/>
-                      </a:pPr>
-                      <a:r>
-                        <a:rPr lang="en-GB" sz="1400"/>
-                        <a:t>T4</a:t>
-                      </a:r>
-                    </a:p>
-                  </a:txBody>
-                  <a:tcPr anchor="ctr">
-                    <a:lnL w="12700" cap="flat" cmpd="sng" algn="ctr">
-                      <a:solidFill>
-                        <a:schemeClr val="tx1"/>
-                      </a:solidFill>
-                      <a:prstDash val="solid"/>
-                      <a:round/>
-                      <a:headEnd type="none" w="med" len="med"/>
-                      <a:tailEnd type="none" w="med" len="med"/>
-                    </a:lnL>
-                    <a:lnR w="12700" cap="flat" cmpd="sng" algn="ctr">
-                      <a:solidFill>
-                        <a:schemeClr val="tx1"/>
-                      </a:solidFill>
-                      <a:prstDash val="solid"/>
-                      <a:round/>
-                      <a:headEnd type="none" w="med" len="med"/>
-                      <a:tailEnd type="none" w="med" len="med"/>
-                    </a:lnR>
-                    <a:lnT w="12700" cap="flat" cmpd="sng" algn="ctr">
-                      <a:solidFill>
-                        <a:schemeClr val="tx1"/>
-                      </a:solidFill>
-                      <a:prstDash val="solid"/>
-                      <a:round/>
-                      <a:headEnd type="none" w="med" len="med"/>
-                      <a:tailEnd type="none" w="med" len="med"/>
-                    </a:lnT>
-                    <a:lnB w="12700" cap="flat" cmpd="sng" algn="ctr">
-                      <a:solidFill>
-                        <a:schemeClr val="tx1"/>
-                      </a:solidFill>
-                      <a:prstDash val="solid"/>
-                      <a:round/>
-                      <a:headEnd type="none" w="med" len="med"/>
-                      <a:tailEnd type="none" w="med" len="med"/>
-                    </a:lnB>
-                  </a:tcPr>
-                </a:tc>
-                <a:tc>
-                  <a:txBody>
-                    <a:bodyPr/>
-                    <a:lstStyle/>
-                    <a:p>
-                      <a:pPr>
-                        <a:buNone/>
-                      </a:pPr>
-                      <a:r>
-                        <a:rPr lang="en-GB" sz="1400" dirty="0"/>
-                        <a:t>Bread, Milk, Cola</a:t>
-                      </a:r>
-                    </a:p>
-                  </a:txBody>
-                  <a:tcPr anchor="ctr">
-                    <a:lnL w="12700" cap="flat" cmpd="sng" algn="ctr">
-                      <a:solidFill>
-                        <a:schemeClr val="tx1"/>
-                      </a:solidFill>
-                      <a:prstDash val="solid"/>
-                      <a:round/>
-                      <a:headEnd type="none" w="med" len="med"/>
-                      <a:tailEnd type="none" w="med" len="med"/>
-                    </a:lnL>
-                    <a:lnR w="12700" cap="flat" cmpd="sng" algn="ctr">
-                      <a:solidFill>
-                        <a:schemeClr val="tx1"/>
-                      </a:solidFill>
-                      <a:prstDash val="solid"/>
-                      <a:round/>
-                      <a:headEnd type="none" w="med" len="med"/>
-                      <a:tailEnd type="none" w="med" len="med"/>
-                    </a:lnR>
-                    <a:lnT w="12700" cap="flat" cmpd="sng" algn="ctr">
-                      <a:solidFill>
-                        <a:schemeClr val="tx1"/>
-                      </a:solidFill>
-                      <a:prstDash val="solid"/>
-                      <a:round/>
-                      <a:headEnd type="none" w="med" len="med"/>
-                      <a:tailEnd type="none" w="med" len="med"/>
-                    </a:lnT>
-                    <a:lnB w="12700" cap="flat" cmpd="sng" algn="ctr">
-                      <a:solidFill>
-                        <a:schemeClr val="tx1"/>
-                      </a:solidFill>
-                      <a:prstDash val="solid"/>
-                      <a:round/>
-                      <a:headEnd type="none" w="med" len="med"/>
-                      <a:tailEnd type="none" w="med" len="med"/>
-                    </a:lnB>
-                  </a:tcPr>
-                </a:tc>
-                <a:extLst>
-                  <a:ext uri="{0D108BD9-81ED-4DB2-BD59-A6C34878D82A}">
-                    <a16:rowId xmlns:a16="http://schemas.microsoft.com/office/drawing/2014/main" val="3422806461"/>
-                  </a:ext>
-                </a:extLst>
-              </a:tr>
-              <a:tr h="277998">
-                <a:tc>
-                  <a:txBody>
-                    <a:bodyPr/>
-                    <a:lstStyle/>
-                    <a:p>
-                      <a:pPr>
-                        <a:buNone/>
-                      </a:pPr>
-                      <a:r>
-                        <a:rPr lang="en-GB" sz="1400"/>
-                        <a:t>T5</a:t>
-                      </a:r>
-                    </a:p>
-                  </a:txBody>
-                  <a:tcPr anchor="ctr">
-                    <a:lnL w="12700" cap="flat" cmpd="sng" algn="ctr">
-                      <a:solidFill>
-                        <a:schemeClr val="tx1"/>
-                      </a:solidFill>
-                      <a:prstDash val="solid"/>
-                      <a:round/>
-                      <a:headEnd type="none" w="med" len="med"/>
-                      <a:tailEnd type="none" w="med" len="med"/>
-                    </a:lnL>
-                    <a:lnR w="12700" cap="flat" cmpd="sng" algn="ctr">
-                      <a:solidFill>
-                        <a:schemeClr val="tx1"/>
-                      </a:solidFill>
-                      <a:prstDash val="solid"/>
-                      <a:round/>
-                      <a:headEnd type="none" w="med" len="med"/>
-                      <a:tailEnd type="none" w="med" len="med"/>
-                    </a:lnR>
-                    <a:lnT w="12700" cap="flat" cmpd="sng" algn="ctr">
-                      <a:solidFill>
-                        <a:schemeClr val="tx1"/>
-                      </a:solidFill>
-                      <a:prstDash val="solid"/>
-                      <a:round/>
-                      <a:headEnd type="none" w="med" len="med"/>
-                      <a:tailEnd type="none" w="med" len="med"/>
-                    </a:lnT>
-                    <a:lnB w="12700" cap="flat" cmpd="sng" algn="ctr">
-                      <a:solidFill>
-                        <a:schemeClr val="tx1"/>
-                      </a:solidFill>
-                      <a:prstDash val="solid"/>
-                      <a:round/>
-                      <a:headEnd type="none" w="med" len="med"/>
-                      <a:tailEnd type="none" w="med" len="med"/>
-                    </a:lnB>
-                  </a:tcPr>
-                </a:tc>
-                <a:tc>
-                  <a:txBody>
-                    <a:bodyPr/>
-                    <a:lstStyle/>
-                    <a:p>
-                      <a:pPr>
-                        <a:buNone/>
-                      </a:pPr>
-                      <a:r>
-                        <a:rPr lang="en-GB" sz="1400" dirty="0"/>
-                        <a:t>Bread, Milk, Eggs</a:t>
-                      </a:r>
-                    </a:p>
-                  </a:txBody>
-                  <a:tcPr anchor="ctr">
-                    <a:lnL w="12700" cap="flat" cmpd="sng" algn="ctr">
-                      <a:solidFill>
-                        <a:schemeClr val="tx1"/>
-                      </a:solidFill>
-                      <a:prstDash val="solid"/>
-                      <a:round/>
-                      <a:headEnd type="none" w="med" len="med"/>
-                      <a:tailEnd type="none" w="med" len="med"/>
-                    </a:lnL>
-                    <a:lnR w="12700" cap="flat" cmpd="sng" algn="ctr">
-                      <a:solidFill>
-                        <a:schemeClr val="tx1"/>
-                      </a:solidFill>
-                      <a:prstDash val="solid"/>
-                      <a:round/>
-                      <a:headEnd type="none" w="med" len="med"/>
-                      <a:tailEnd type="none" w="med" len="med"/>
-                    </a:lnR>
-                    <a:lnT w="12700" cap="flat" cmpd="sng" algn="ctr">
-                      <a:solidFill>
-                        <a:schemeClr val="tx1"/>
-                      </a:solidFill>
-                      <a:prstDash val="solid"/>
-                      <a:round/>
-                      <a:headEnd type="none" w="med" len="med"/>
-                      <a:tailEnd type="none" w="med" len="med"/>
-                    </a:lnT>
-                    <a:lnB w="12700" cap="flat" cmpd="sng" algn="ctr">
-                      <a:solidFill>
-                        <a:schemeClr val="tx1"/>
-                      </a:solidFill>
-                      <a:prstDash val="solid"/>
-                      <a:round/>
-                      <a:headEnd type="none" w="med" len="med"/>
-                      <a:tailEnd type="none" w="med" len="med"/>
-                    </a:lnB>
-                  </a:tcPr>
-                </a:tc>
-                <a:extLst>
-                  <a:ext uri="{0D108BD9-81ED-4DB2-BD59-A6C34878D82A}">
-                    <a16:rowId xmlns:a16="http://schemas.microsoft.com/office/drawing/2014/main" val="4206445157"/>
-                  </a:ext>
-                </a:extLst>
-              </a:tr>
-            </a:tbl>
-          </a:graphicData>
-        </a:graphic>
-      </p:graphicFrame>
-      <p:sp>
-        <p:nvSpPr>
-          <p:cNvPr id="7" name="TextBox 6">
-            <a:extLst>
-              <a:ext uri="{FF2B5EF4-FFF2-40B4-BE49-F238E27FC236}">
-                <a16:creationId xmlns:a16="http://schemas.microsoft.com/office/drawing/2014/main" id="{71671EED-03C2-0122-50EE-CB307118FBD1}"/>
-              </a:ext>
-            </a:extLst>
-          </p:cNvPr>
-          <p:cNvSpPr txBox="1"/>
-          <p:nvPr/>
-        </p:nvSpPr>
-        <p:spPr>
-          <a:xfrm>
-            <a:off x="202424" y="1842381"/>
-            <a:ext cx="3476116" cy="307777"/>
-          </a:xfrm>
-          <a:prstGeom prst="rect">
-            <a:avLst/>
-          </a:prstGeom>
-          <a:noFill/>
-        </p:spPr>
-        <p:txBody>
-          <a:bodyPr wrap="square" rtlCol="0">
-            <a:spAutoFit/>
-          </a:bodyPr>
-          <a:lstStyle/>
-          <a:p>
-            <a:pPr algn="ctr"/>
-            <a:r>
-              <a:rPr lang="en-IN" sz="1400" dirty="0"/>
-              <a:t>Sample dataset, Min Support = 3</a:t>
-            </a:r>
-            <a:endParaRPr lang="en-GB" sz="1400" dirty="0"/>
-          </a:p>
-        </p:txBody>
-      </p:sp>
-      <p:sp>
-        <p:nvSpPr>
-          <p:cNvPr id="8" name="TextBox 7">
-            <a:extLst>
-              <a:ext uri="{FF2B5EF4-FFF2-40B4-BE49-F238E27FC236}">
-                <a16:creationId xmlns:a16="http://schemas.microsoft.com/office/drawing/2014/main" id="{8F102030-624C-F81A-744D-52BBF8C7C576}"/>
-              </a:ext>
-            </a:extLst>
-          </p:cNvPr>
-          <p:cNvSpPr txBox="1"/>
-          <p:nvPr/>
-        </p:nvSpPr>
-        <p:spPr>
-          <a:xfrm>
-            <a:off x="169899" y="4193529"/>
-            <a:ext cx="3476116" cy="307777"/>
-          </a:xfrm>
-          <a:prstGeom prst="rect">
-            <a:avLst/>
-          </a:prstGeom>
-          <a:noFill/>
-        </p:spPr>
-        <p:txBody>
-          <a:bodyPr wrap="square" rtlCol="0">
-            <a:spAutoFit/>
-          </a:bodyPr>
-          <a:lstStyle/>
-          <a:p>
-            <a:pPr algn="ctr"/>
-            <a:r>
-              <a:rPr lang="en-IN" sz="1400" dirty="0"/>
-              <a:t>Rearrange to have Item -&gt; TID list</a:t>
-            </a:r>
-            <a:endParaRPr lang="en-GB" sz="1400" dirty="0"/>
-          </a:p>
-        </p:txBody>
-      </p:sp>
-      <p:graphicFrame>
-        <p:nvGraphicFramePr>
-          <p:cNvPr id="9" name="Table 8">
-            <a:extLst>
-              <a:ext uri="{FF2B5EF4-FFF2-40B4-BE49-F238E27FC236}">
-                <a16:creationId xmlns:a16="http://schemas.microsoft.com/office/drawing/2014/main" id="{EB5C9EAE-5A60-E65D-4FA1-24A434B56F92}"/>
-              </a:ext>
-            </a:extLst>
-          </p:cNvPr>
-          <p:cNvGraphicFramePr>
-            <a:graphicFrameLocks noGrp="1"/>
-          </p:cNvGraphicFramePr>
-          <p:nvPr>
-            <p:extLst>
-              <p:ext uri="{D42A27DB-BD31-4B8C-83A1-F6EECF244321}">
-                <p14:modId xmlns:p14="http://schemas.microsoft.com/office/powerpoint/2010/main" val="4053822305"/>
-              </p:ext>
-            </p:extLst>
-          </p:nvPr>
-        </p:nvGraphicFramePr>
-        <p:xfrm>
-          <a:off x="137373" y="4501306"/>
-          <a:ext cx="3573693" cy="1524000"/>
-        </p:xfrm>
-        <a:graphic>
-          <a:graphicData uri="http://schemas.openxmlformats.org/drawingml/2006/table">
-            <a:tbl>
-              <a:tblPr firstRow="1">
-                <a:tableStyleId>{69012ECD-51FC-41F1-AA8D-1B2483CD663E}</a:tableStyleId>
-              </a:tblPr>
-              <a:tblGrid>
-                <a:gridCol w="784007">
-                  <a:extLst>
-                    <a:ext uri="{9D8B030D-6E8A-4147-A177-3AD203B41FA5}">
-                      <a16:colId xmlns:a16="http://schemas.microsoft.com/office/drawing/2014/main" val="35555995"/>
-                    </a:ext>
-                  </a:extLst>
-                </a:gridCol>
-                <a:gridCol w="1598455">
-                  <a:extLst>
-                    <a:ext uri="{9D8B030D-6E8A-4147-A177-3AD203B41FA5}">
-                      <a16:colId xmlns:a16="http://schemas.microsoft.com/office/drawing/2014/main" val="3956983461"/>
-                    </a:ext>
-                  </a:extLst>
-                </a:gridCol>
-                <a:gridCol w="1191231">
-                  <a:extLst>
-                    <a:ext uri="{9D8B030D-6E8A-4147-A177-3AD203B41FA5}">
-                      <a16:colId xmlns:a16="http://schemas.microsoft.com/office/drawing/2014/main" val="2689623778"/>
-                    </a:ext>
-                  </a:extLst>
-                </a:gridCol>
-              </a:tblGrid>
-              <a:tr h="266820">
-                <a:tc>
-                  <a:txBody>
-                    <a:bodyPr/>
-                    <a:lstStyle/>
-                    <a:p>
-                      <a:pPr>
-                        <a:buNone/>
-                      </a:pPr>
-                      <a:r>
-                        <a:rPr lang="en-GB" sz="1400"/>
-                        <a:t>Item</a:t>
-                      </a:r>
-                    </a:p>
-                  </a:txBody>
-                  <a:tcPr anchor="ctr">
-                    <a:lnL w="12700" cap="flat" cmpd="sng" algn="ctr">
-                      <a:solidFill>
-                        <a:schemeClr val="tx1"/>
-                      </a:solidFill>
-                      <a:prstDash val="solid"/>
-                      <a:round/>
-                      <a:headEnd type="none" w="med" len="med"/>
-                      <a:tailEnd type="none" w="med" len="med"/>
-                    </a:lnL>
-                    <a:lnR w="12700" cap="flat" cmpd="sng" algn="ctr">
-                      <a:solidFill>
-                        <a:schemeClr val="tx1"/>
-                      </a:solidFill>
-                      <a:prstDash val="solid"/>
-                      <a:round/>
-                      <a:headEnd type="none" w="med" len="med"/>
-                      <a:tailEnd type="none" w="med" len="med"/>
-                    </a:lnR>
-                    <a:lnT w="12700" cap="flat" cmpd="sng" algn="ctr">
-                      <a:solidFill>
-                        <a:schemeClr val="tx1"/>
-                      </a:solidFill>
-                      <a:prstDash val="solid"/>
-                      <a:round/>
-                      <a:headEnd type="none" w="med" len="med"/>
-                      <a:tailEnd type="none" w="med" len="med"/>
-                    </a:lnT>
-                    <a:lnB w="12700" cap="flat" cmpd="sng" algn="ctr">
-                      <a:solidFill>
-                        <a:schemeClr val="tx1"/>
-                      </a:solidFill>
-                      <a:prstDash val="solid"/>
-                      <a:round/>
-                      <a:headEnd type="none" w="med" len="med"/>
-                      <a:tailEnd type="none" w="med" len="med"/>
-                    </a:lnB>
-                  </a:tcPr>
-                </a:tc>
-                <a:tc>
-                  <a:txBody>
-                    <a:bodyPr/>
-                    <a:lstStyle/>
-                    <a:p>
-                      <a:pPr>
-                        <a:buNone/>
-                      </a:pPr>
-                      <a:r>
-                        <a:rPr lang="en-GB" sz="1400"/>
-                        <a:t>TID-list</a:t>
-                      </a:r>
-                    </a:p>
-                  </a:txBody>
-                  <a:tcPr anchor="ctr">
-                    <a:lnL w="12700" cap="flat" cmpd="sng" algn="ctr">
-                      <a:solidFill>
-                        <a:schemeClr val="tx1"/>
-                      </a:solidFill>
-                      <a:prstDash val="solid"/>
-                      <a:round/>
-                      <a:headEnd type="none" w="med" len="med"/>
-                      <a:tailEnd type="none" w="med" len="med"/>
-                    </a:lnL>
-                    <a:lnR w="12700" cap="flat" cmpd="sng" algn="ctr">
-                      <a:solidFill>
-                        <a:schemeClr val="tx1"/>
-                      </a:solidFill>
-                      <a:prstDash val="solid"/>
-                      <a:round/>
-                      <a:headEnd type="none" w="med" len="med"/>
-                      <a:tailEnd type="none" w="med" len="med"/>
-                    </a:lnR>
-                    <a:lnT w="12700" cap="flat" cmpd="sng" algn="ctr">
-                      <a:solidFill>
-                        <a:schemeClr val="tx1"/>
-                      </a:solidFill>
-                      <a:prstDash val="solid"/>
-                      <a:round/>
-                      <a:headEnd type="none" w="med" len="med"/>
-                      <a:tailEnd type="none" w="med" len="med"/>
-                    </a:lnT>
-                    <a:lnB w="12700" cap="flat" cmpd="sng" algn="ctr">
-                      <a:solidFill>
-                        <a:schemeClr val="tx1"/>
-                      </a:solidFill>
-                      <a:prstDash val="solid"/>
-                      <a:round/>
-                      <a:headEnd type="none" w="med" len="med"/>
-                      <a:tailEnd type="none" w="med" len="med"/>
-                    </a:lnB>
-                  </a:tcPr>
-                </a:tc>
-                <a:tc>
-                  <a:txBody>
-                    <a:bodyPr/>
-                    <a:lstStyle/>
-                    <a:p>
-                      <a:pPr>
-                        <a:buNone/>
-                      </a:pPr>
-                      <a:r>
-                        <a:rPr lang="en-GB" sz="1400"/>
-                        <a:t>Support</a:t>
-                      </a:r>
-                    </a:p>
-                  </a:txBody>
-                  <a:tcPr anchor="ctr">
-                    <a:lnL w="12700" cap="flat" cmpd="sng" algn="ctr">
-                      <a:solidFill>
-                        <a:schemeClr val="tx1"/>
-                      </a:solidFill>
-                      <a:prstDash val="solid"/>
-                      <a:round/>
-                      <a:headEnd type="none" w="med" len="med"/>
-                      <a:tailEnd type="none" w="med" len="med"/>
-                    </a:lnL>
-                    <a:lnR w="12700" cap="flat" cmpd="sng" algn="ctr">
-                      <a:solidFill>
-                        <a:schemeClr val="tx1"/>
-                      </a:solidFill>
-                      <a:prstDash val="solid"/>
-                      <a:round/>
-                      <a:headEnd type="none" w="med" len="med"/>
-                      <a:tailEnd type="none" w="med" len="med"/>
-                    </a:lnR>
-                    <a:lnT w="12700" cap="flat" cmpd="sng" algn="ctr">
-                      <a:solidFill>
-                        <a:schemeClr val="tx1"/>
-                      </a:solidFill>
-                      <a:prstDash val="solid"/>
-                      <a:round/>
-                      <a:headEnd type="none" w="med" len="med"/>
-                      <a:tailEnd type="none" w="med" len="med"/>
-                    </a:lnT>
-                    <a:lnB w="12700" cap="flat" cmpd="sng" algn="ctr">
-                      <a:solidFill>
-                        <a:schemeClr val="tx1"/>
-                      </a:solidFill>
-                      <a:prstDash val="solid"/>
-                      <a:round/>
-                      <a:headEnd type="none" w="med" len="med"/>
-                      <a:tailEnd type="none" w="med" len="med"/>
-                    </a:lnB>
-                  </a:tcPr>
-                </a:tc>
-                <a:extLst>
-                  <a:ext uri="{0D108BD9-81ED-4DB2-BD59-A6C34878D82A}">
-                    <a16:rowId xmlns:a16="http://schemas.microsoft.com/office/drawing/2014/main" val="3731177880"/>
-                  </a:ext>
-                </a:extLst>
-              </a:tr>
-              <a:tr h="266820">
-                <a:tc>
-                  <a:txBody>
-                    <a:bodyPr/>
-                    <a:lstStyle/>
-                    <a:p>
-                      <a:pPr>
-                        <a:buNone/>
-                      </a:pPr>
-                      <a:r>
-                        <a:rPr lang="en-GB" sz="1400"/>
-                        <a:t>Bread</a:t>
-                      </a:r>
-                    </a:p>
-                  </a:txBody>
-                  <a:tcPr anchor="ctr">
-                    <a:lnL w="12700" cap="flat" cmpd="sng" algn="ctr">
-                      <a:solidFill>
-                        <a:schemeClr val="tx1"/>
-                      </a:solidFill>
-                      <a:prstDash val="solid"/>
-                      <a:round/>
-                      <a:headEnd type="none" w="med" len="med"/>
-                      <a:tailEnd type="none" w="med" len="med"/>
-                    </a:lnL>
-                    <a:lnR w="12700" cap="flat" cmpd="sng" algn="ctr">
-                      <a:solidFill>
-                        <a:schemeClr val="tx1"/>
-                      </a:solidFill>
-                      <a:prstDash val="solid"/>
-                      <a:round/>
-                      <a:headEnd type="none" w="med" len="med"/>
-                      <a:tailEnd type="none" w="med" len="med"/>
-                    </a:lnR>
-                    <a:lnT w="12700" cap="flat" cmpd="sng" algn="ctr">
-                      <a:solidFill>
-                        <a:schemeClr val="tx1"/>
-                      </a:solidFill>
-                      <a:prstDash val="solid"/>
-                      <a:round/>
-                      <a:headEnd type="none" w="med" len="med"/>
-                      <a:tailEnd type="none" w="med" len="med"/>
-                    </a:lnT>
-                    <a:lnB w="12700" cap="flat" cmpd="sng" algn="ctr">
-                      <a:solidFill>
-                        <a:schemeClr val="tx1"/>
-                      </a:solidFill>
-                      <a:prstDash val="solid"/>
-                      <a:round/>
-                      <a:headEnd type="none" w="med" len="med"/>
-                      <a:tailEnd type="none" w="med" len="med"/>
-                    </a:lnB>
-                  </a:tcPr>
-                </a:tc>
-                <a:tc>
-                  <a:txBody>
-                    <a:bodyPr/>
-                    <a:lstStyle/>
-                    <a:p>
-                      <a:pPr>
-                        <a:buNone/>
-                      </a:pPr>
-                      <a:r>
-                        <a:rPr lang="en-GB" sz="1400"/>
-                        <a:t>{T1, T2, T4, T5}</a:t>
-                      </a:r>
-                    </a:p>
-                  </a:txBody>
-                  <a:tcPr anchor="ctr">
-                    <a:lnL w="12700" cap="flat" cmpd="sng" algn="ctr">
-                      <a:solidFill>
-                        <a:schemeClr val="tx1"/>
-                      </a:solidFill>
-                      <a:prstDash val="solid"/>
-                      <a:round/>
-                      <a:headEnd type="none" w="med" len="med"/>
-                      <a:tailEnd type="none" w="med" len="med"/>
-                    </a:lnL>
-                    <a:lnR w="12700" cap="flat" cmpd="sng" algn="ctr">
-                      <a:solidFill>
-                        <a:schemeClr val="tx1"/>
-                      </a:solidFill>
-                      <a:prstDash val="solid"/>
-                      <a:round/>
-                      <a:headEnd type="none" w="med" len="med"/>
-                      <a:tailEnd type="none" w="med" len="med"/>
-                    </a:lnR>
-                    <a:lnT w="12700" cap="flat" cmpd="sng" algn="ctr">
-                      <a:solidFill>
-                        <a:schemeClr val="tx1"/>
-                      </a:solidFill>
-                      <a:prstDash val="solid"/>
-                      <a:round/>
-                      <a:headEnd type="none" w="med" len="med"/>
-                      <a:tailEnd type="none" w="med" len="med"/>
-                    </a:lnT>
-                    <a:lnB w="12700" cap="flat" cmpd="sng" algn="ctr">
-                      <a:solidFill>
-                        <a:schemeClr val="tx1"/>
-                      </a:solidFill>
-                      <a:prstDash val="solid"/>
-                      <a:round/>
-                      <a:headEnd type="none" w="med" len="med"/>
-                      <a:tailEnd type="none" w="med" len="med"/>
-                    </a:lnB>
-                  </a:tcPr>
-                </a:tc>
-                <a:tc>
-                  <a:txBody>
-                    <a:bodyPr/>
-                    <a:lstStyle/>
-                    <a:p>
-                      <a:pPr>
-                        <a:buNone/>
-                      </a:pPr>
-                      <a:r>
-                        <a:rPr lang="en-GB" sz="1400" dirty="0"/>
-                        <a:t>4</a:t>
-                      </a:r>
-                    </a:p>
-                  </a:txBody>
-                  <a:tcPr anchor="ctr">
-                    <a:lnL w="12700" cap="flat" cmpd="sng" algn="ctr">
-                      <a:solidFill>
-                        <a:schemeClr val="tx1"/>
-                      </a:solidFill>
-                      <a:prstDash val="solid"/>
-                      <a:round/>
-                      <a:headEnd type="none" w="med" len="med"/>
-                      <a:tailEnd type="none" w="med" len="med"/>
-                    </a:lnL>
-                    <a:lnR w="12700" cap="flat" cmpd="sng" algn="ctr">
-                      <a:solidFill>
-                        <a:schemeClr val="tx1"/>
-                      </a:solidFill>
-                      <a:prstDash val="solid"/>
-                      <a:round/>
-                      <a:headEnd type="none" w="med" len="med"/>
-                      <a:tailEnd type="none" w="med" len="med"/>
-                    </a:lnR>
-                    <a:lnT w="12700" cap="flat" cmpd="sng" algn="ctr">
-                      <a:solidFill>
-                        <a:schemeClr val="tx1"/>
-                      </a:solidFill>
-                      <a:prstDash val="solid"/>
-                      <a:round/>
-                      <a:headEnd type="none" w="med" len="med"/>
-                      <a:tailEnd type="none" w="med" len="med"/>
-                    </a:lnT>
-                    <a:lnB w="12700" cap="flat" cmpd="sng" algn="ctr">
-                      <a:solidFill>
-                        <a:schemeClr val="tx1"/>
-                      </a:solidFill>
-                      <a:prstDash val="solid"/>
-                      <a:round/>
-                      <a:headEnd type="none" w="med" len="med"/>
-                      <a:tailEnd type="none" w="med" len="med"/>
-                    </a:lnB>
-                  </a:tcPr>
-                </a:tc>
-                <a:extLst>
-                  <a:ext uri="{0D108BD9-81ED-4DB2-BD59-A6C34878D82A}">
-                    <a16:rowId xmlns:a16="http://schemas.microsoft.com/office/drawing/2014/main" val="3042075438"/>
-                  </a:ext>
-                </a:extLst>
-              </a:tr>
-              <a:tr h="266820">
-                <a:tc>
-                  <a:txBody>
-                    <a:bodyPr/>
-                    <a:lstStyle/>
-                    <a:p>
-                      <a:pPr>
-                        <a:buNone/>
-                      </a:pPr>
-                      <a:r>
-                        <a:rPr lang="en-GB" sz="1400"/>
-                        <a:t>Milk</a:t>
-                      </a:r>
-                    </a:p>
-                  </a:txBody>
-                  <a:tcPr anchor="ctr">
-                    <a:lnL w="12700" cap="flat" cmpd="sng" algn="ctr">
-                      <a:solidFill>
-                        <a:schemeClr val="tx1"/>
-                      </a:solidFill>
-                      <a:prstDash val="solid"/>
-                      <a:round/>
-                      <a:headEnd type="none" w="med" len="med"/>
-                      <a:tailEnd type="none" w="med" len="med"/>
-                    </a:lnL>
-                    <a:lnR w="12700" cap="flat" cmpd="sng" algn="ctr">
-                      <a:solidFill>
-                        <a:schemeClr val="tx1"/>
-                      </a:solidFill>
-                      <a:prstDash val="solid"/>
-                      <a:round/>
-                      <a:headEnd type="none" w="med" len="med"/>
-                      <a:tailEnd type="none" w="med" len="med"/>
-                    </a:lnR>
-                    <a:lnT w="12700" cap="flat" cmpd="sng" algn="ctr">
-                      <a:solidFill>
-                        <a:schemeClr val="tx1"/>
-                      </a:solidFill>
-                      <a:prstDash val="solid"/>
-                      <a:round/>
-                      <a:headEnd type="none" w="med" len="med"/>
-                      <a:tailEnd type="none" w="med" len="med"/>
-                    </a:lnT>
-                    <a:lnB w="12700" cap="flat" cmpd="sng" algn="ctr">
-                      <a:solidFill>
-                        <a:schemeClr val="tx1"/>
-                      </a:solidFill>
-                      <a:prstDash val="solid"/>
-                      <a:round/>
-                      <a:headEnd type="none" w="med" len="med"/>
-                      <a:tailEnd type="none" w="med" len="med"/>
-                    </a:lnB>
-                  </a:tcPr>
-                </a:tc>
-                <a:tc>
-                  <a:txBody>
-                    <a:bodyPr/>
-                    <a:lstStyle/>
-                    <a:p>
-                      <a:pPr>
-                        <a:buNone/>
-                      </a:pPr>
-                      <a:r>
-                        <a:rPr lang="en-GB" sz="1400"/>
-                        <a:t>{T1, T3, T4, T5}</a:t>
-                      </a:r>
-                    </a:p>
-                  </a:txBody>
-                  <a:tcPr anchor="ctr">
-                    <a:lnL w="12700" cap="flat" cmpd="sng" algn="ctr">
-                      <a:solidFill>
-                        <a:schemeClr val="tx1"/>
-                      </a:solidFill>
-                      <a:prstDash val="solid"/>
-                      <a:round/>
-                      <a:headEnd type="none" w="med" len="med"/>
-                      <a:tailEnd type="none" w="med" len="med"/>
-                    </a:lnL>
-                    <a:lnR w="12700" cap="flat" cmpd="sng" algn="ctr">
-                      <a:solidFill>
-                        <a:schemeClr val="tx1"/>
-                      </a:solidFill>
-                      <a:prstDash val="solid"/>
-                      <a:round/>
-                      <a:headEnd type="none" w="med" len="med"/>
-                      <a:tailEnd type="none" w="med" len="med"/>
-                    </a:lnR>
-                    <a:lnT w="12700" cap="flat" cmpd="sng" algn="ctr">
-                      <a:solidFill>
-                        <a:schemeClr val="tx1"/>
-                      </a:solidFill>
-                      <a:prstDash val="solid"/>
-                      <a:round/>
-                      <a:headEnd type="none" w="med" len="med"/>
-                      <a:tailEnd type="none" w="med" len="med"/>
-                    </a:lnT>
-                    <a:lnB w="12700" cap="flat" cmpd="sng" algn="ctr">
-                      <a:solidFill>
-                        <a:schemeClr val="tx1"/>
-                      </a:solidFill>
-                      <a:prstDash val="solid"/>
-                      <a:round/>
-                      <a:headEnd type="none" w="med" len="med"/>
-                      <a:tailEnd type="none" w="med" len="med"/>
-                    </a:lnB>
-                  </a:tcPr>
-                </a:tc>
-                <a:tc>
-                  <a:txBody>
-                    <a:bodyPr/>
-                    <a:lstStyle/>
-                    <a:p>
-                      <a:pPr>
-                        <a:buNone/>
-                      </a:pPr>
-                      <a:r>
-                        <a:rPr lang="en-GB" sz="1400"/>
-                        <a:t>4</a:t>
-                      </a:r>
-                    </a:p>
-                  </a:txBody>
-                  <a:tcPr anchor="ctr">
-                    <a:lnL w="12700" cap="flat" cmpd="sng" algn="ctr">
-                      <a:solidFill>
-                        <a:schemeClr val="tx1"/>
-                      </a:solidFill>
-                      <a:prstDash val="solid"/>
-                      <a:round/>
-                      <a:headEnd type="none" w="med" len="med"/>
-                      <a:tailEnd type="none" w="med" len="med"/>
-                    </a:lnL>
-                    <a:lnR w="12700" cap="flat" cmpd="sng" algn="ctr">
-                      <a:solidFill>
-                        <a:schemeClr val="tx1"/>
-                      </a:solidFill>
-                      <a:prstDash val="solid"/>
-                      <a:round/>
-                      <a:headEnd type="none" w="med" len="med"/>
-                      <a:tailEnd type="none" w="med" len="med"/>
-                    </a:lnR>
-                    <a:lnT w="12700" cap="flat" cmpd="sng" algn="ctr">
-                      <a:solidFill>
-                        <a:schemeClr val="tx1"/>
-                      </a:solidFill>
-                      <a:prstDash val="solid"/>
-                      <a:round/>
-                      <a:headEnd type="none" w="med" len="med"/>
-                      <a:tailEnd type="none" w="med" len="med"/>
-                    </a:lnT>
-                    <a:lnB w="12700" cap="flat" cmpd="sng" algn="ctr">
-                      <a:solidFill>
-                        <a:schemeClr val="tx1"/>
-                      </a:solidFill>
-                      <a:prstDash val="solid"/>
-                      <a:round/>
-                      <a:headEnd type="none" w="med" len="med"/>
-                      <a:tailEnd type="none" w="med" len="med"/>
-                    </a:lnB>
-                  </a:tcPr>
-                </a:tc>
-                <a:extLst>
-                  <a:ext uri="{0D108BD9-81ED-4DB2-BD59-A6C34878D82A}">
-                    <a16:rowId xmlns:a16="http://schemas.microsoft.com/office/drawing/2014/main" val="368282354"/>
-                  </a:ext>
-                </a:extLst>
-              </a:tr>
-              <a:tr h="266820">
-                <a:tc>
-                  <a:txBody>
-                    <a:bodyPr/>
-                    <a:lstStyle/>
-                    <a:p>
-                      <a:pPr>
-                        <a:buNone/>
-                      </a:pPr>
-                      <a:r>
-                        <a:rPr lang="en-GB" sz="1400"/>
-                        <a:t>Cola</a:t>
-                      </a:r>
-                    </a:p>
-                  </a:txBody>
-                  <a:tcPr anchor="ctr">
-                    <a:lnL w="12700" cap="flat" cmpd="sng" algn="ctr">
-                      <a:solidFill>
-                        <a:schemeClr val="tx1"/>
-                      </a:solidFill>
-                      <a:prstDash val="solid"/>
-                      <a:round/>
-                      <a:headEnd type="none" w="med" len="med"/>
-                      <a:tailEnd type="none" w="med" len="med"/>
-                    </a:lnL>
-                    <a:lnR w="12700" cap="flat" cmpd="sng" algn="ctr">
-                      <a:solidFill>
-                        <a:schemeClr val="tx1"/>
-                      </a:solidFill>
-                      <a:prstDash val="solid"/>
-                      <a:round/>
-                      <a:headEnd type="none" w="med" len="med"/>
-                      <a:tailEnd type="none" w="med" len="med"/>
-                    </a:lnR>
-                    <a:lnT w="12700" cap="flat" cmpd="sng" algn="ctr">
-                      <a:solidFill>
-                        <a:schemeClr val="tx1"/>
-                      </a:solidFill>
-                      <a:prstDash val="solid"/>
-                      <a:round/>
-                      <a:headEnd type="none" w="med" len="med"/>
-                      <a:tailEnd type="none" w="med" len="med"/>
-                    </a:lnT>
-                    <a:lnB w="12700" cap="flat" cmpd="sng" algn="ctr">
-                      <a:solidFill>
-                        <a:schemeClr val="tx1"/>
-                      </a:solidFill>
-                      <a:prstDash val="solid"/>
-                      <a:round/>
-                      <a:headEnd type="none" w="med" len="med"/>
-                      <a:tailEnd type="none" w="med" len="med"/>
-                    </a:lnB>
-                  </a:tcPr>
-                </a:tc>
-                <a:tc>
-                  <a:txBody>
-                    <a:bodyPr/>
-                    <a:lstStyle/>
-                    <a:p>
-                      <a:pPr>
-                        <a:buNone/>
-                      </a:pPr>
-                      <a:r>
-                        <a:rPr lang="en-GB" sz="1400"/>
-                        <a:t>{T2, T3, T4}</a:t>
-                      </a:r>
-                    </a:p>
-                  </a:txBody>
-                  <a:tcPr anchor="ctr">
-                    <a:lnL w="12700" cap="flat" cmpd="sng" algn="ctr">
-                      <a:solidFill>
-                        <a:schemeClr val="tx1"/>
-                      </a:solidFill>
-                      <a:prstDash val="solid"/>
-                      <a:round/>
-                      <a:headEnd type="none" w="med" len="med"/>
-                      <a:tailEnd type="none" w="med" len="med"/>
-                    </a:lnL>
-                    <a:lnR w="12700" cap="flat" cmpd="sng" algn="ctr">
-                      <a:solidFill>
-                        <a:schemeClr val="tx1"/>
-                      </a:solidFill>
-                      <a:prstDash val="solid"/>
-                      <a:round/>
-                      <a:headEnd type="none" w="med" len="med"/>
-                      <a:tailEnd type="none" w="med" len="med"/>
-                    </a:lnR>
-                    <a:lnT w="12700" cap="flat" cmpd="sng" algn="ctr">
-                      <a:solidFill>
-                        <a:schemeClr val="tx1"/>
-                      </a:solidFill>
-                      <a:prstDash val="solid"/>
-                      <a:round/>
-                      <a:headEnd type="none" w="med" len="med"/>
-                      <a:tailEnd type="none" w="med" len="med"/>
-                    </a:lnT>
-                    <a:lnB w="12700" cap="flat" cmpd="sng" algn="ctr">
-                      <a:solidFill>
-                        <a:schemeClr val="tx1"/>
-                      </a:solidFill>
-                      <a:prstDash val="solid"/>
-                      <a:round/>
-                      <a:headEnd type="none" w="med" len="med"/>
-                      <a:tailEnd type="none" w="med" len="med"/>
-                    </a:lnB>
-                  </a:tcPr>
-                </a:tc>
-                <a:tc>
-                  <a:txBody>
-                    <a:bodyPr/>
-                    <a:lstStyle/>
-                    <a:p>
-                      <a:pPr>
-                        <a:buNone/>
-                      </a:pPr>
-                      <a:r>
-                        <a:rPr lang="en-GB" sz="1400"/>
-                        <a:t>3</a:t>
-                      </a:r>
-                    </a:p>
-                  </a:txBody>
-                  <a:tcPr anchor="ctr">
-                    <a:lnL w="12700" cap="flat" cmpd="sng" algn="ctr">
-                      <a:solidFill>
-                        <a:schemeClr val="tx1"/>
-                      </a:solidFill>
-                      <a:prstDash val="solid"/>
-                      <a:round/>
-                      <a:headEnd type="none" w="med" len="med"/>
-                      <a:tailEnd type="none" w="med" len="med"/>
-                    </a:lnL>
-                    <a:lnR w="12700" cap="flat" cmpd="sng" algn="ctr">
-                      <a:solidFill>
-                        <a:schemeClr val="tx1"/>
-                      </a:solidFill>
-                      <a:prstDash val="solid"/>
-                      <a:round/>
-                      <a:headEnd type="none" w="med" len="med"/>
-                      <a:tailEnd type="none" w="med" len="med"/>
-                    </a:lnR>
-                    <a:lnT w="12700" cap="flat" cmpd="sng" algn="ctr">
-                      <a:solidFill>
-                        <a:schemeClr val="tx1"/>
-                      </a:solidFill>
-                      <a:prstDash val="solid"/>
-                      <a:round/>
-                      <a:headEnd type="none" w="med" len="med"/>
-                      <a:tailEnd type="none" w="med" len="med"/>
-                    </a:lnT>
-                    <a:lnB w="12700" cap="flat" cmpd="sng" algn="ctr">
-                      <a:solidFill>
-                        <a:schemeClr val="tx1"/>
-                      </a:solidFill>
-                      <a:prstDash val="solid"/>
-                      <a:round/>
-                      <a:headEnd type="none" w="med" len="med"/>
-                      <a:tailEnd type="none" w="med" len="med"/>
-                    </a:lnB>
-                  </a:tcPr>
-                </a:tc>
-                <a:extLst>
-                  <a:ext uri="{0D108BD9-81ED-4DB2-BD59-A6C34878D82A}">
-                    <a16:rowId xmlns:a16="http://schemas.microsoft.com/office/drawing/2014/main" val="3633014095"/>
-                  </a:ext>
-                </a:extLst>
-              </a:tr>
-              <a:tr h="266820">
-                <a:tc>
-                  <a:txBody>
-                    <a:bodyPr/>
-                    <a:lstStyle/>
-                    <a:p>
-                      <a:pPr>
-                        <a:buNone/>
-                      </a:pPr>
-                      <a:r>
-                        <a:rPr lang="en-GB" sz="1400"/>
-                        <a:t>Eggs</a:t>
-                      </a:r>
-                    </a:p>
-                  </a:txBody>
-                  <a:tcPr anchor="ctr">
-                    <a:lnL w="12700" cap="flat" cmpd="sng" algn="ctr">
-                      <a:solidFill>
-                        <a:schemeClr val="tx1"/>
-                      </a:solidFill>
-                      <a:prstDash val="solid"/>
-                      <a:round/>
-                      <a:headEnd type="none" w="med" len="med"/>
-                      <a:tailEnd type="none" w="med" len="med"/>
-                    </a:lnL>
-                    <a:lnR w="12700" cap="flat" cmpd="sng" algn="ctr">
-                      <a:solidFill>
-                        <a:schemeClr val="tx1"/>
-                      </a:solidFill>
-                      <a:prstDash val="solid"/>
-                      <a:round/>
-                      <a:headEnd type="none" w="med" len="med"/>
-                      <a:tailEnd type="none" w="med" len="med"/>
-                    </a:lnR>
-                    <a:lnT w="12700" cap="flat" cmpd="sng" algn="ctr">
-                      <a:solidFill>
-                        <a:schemeClr val="tx1"/>
-                      </a:solidFill>
-                      <a:prstDash val="solid"/>
-                      <a:round/>
-                      <a:headEnd type="none" w="med" len="med"/>
-                      <a:tailEnd type="none" w="med" len="med"/>
-                    </a:lnT>
-                    <a:lnB w="12700" cap="flat" cmpd="sng" algn="ctr">
-                      <a:solidFill>
-                        <a:schemeClr val="tx1"/>
-                      </a:solidFill>
-                      <a:prstDash val="solid"/>
-                      <a:round/>
-                      <a:headEnd type="none" w="med" len="med"/>
-                      <a:tailEnd type="none" w="med" len="med"/>
-                    </a:lnB>
-                  </a:tcPr>
-                </a:tc>
-                <a:tc>
-                  <a:txBody>
-                    <a:bodyPr/>
-                    <a:lstStyle/>
-                    <a:p>
-                      <a:pPr>
-                        <a:buNone/>
-                      </a:pPr>
-                      <a:r>
-                        <a:rPr lang="en-GB" sz="1400"/>
-                        <a:t>{T2, T3, T5}</a:t>
-                      </a:r>
-                    </a:p>
-                  </a:txBody>
-                  <a:tcPr anchor="ctr">
-                    <a:lnL w="12700" cap="flat" cmpd="sng" algn="ctr">
-                      <a:solidFill>
-                        <a:schemeClr val="tx1"/>
-                      </a:solidFill>
-                      <a:prstDash val="solid"/>
-                      <a:round/>
-                      <a:headEnd type="none" w="med" len="med"/>
-                      <a:tailEnd type="none" w="med" len="med"/>
-                    </a:lnL>
-                    <a:lnR w="12700" cap="flat" cmpd="sng" algn="ctr">
-                      <a:solidFill>
-                        <a:schemeClr val="tx1"/>
-                      </a:solidFill>
-                      <a:prstDash val="solid"/>
-                      <a:round/>
-                      <a:headEnd type="none" w="med" len="med"/>
-                      <a:tailEnd type="none" w="med" len="med"/>
-                    </a:lnR>
-                    <a:lnT w="12700" cap="flat" cmpd="sng" algn="ctr">
-                      <a:solidFill>
-                        <a:schemeClr val="tx1"/>
-                      </a:solidFill>
-                      <a:prstDash val="solid"/>
-                      <a:round/>
-                      <a:headEnd type="none" w="med" len="med"/>
-                      <a:tailEnd type="none" w="med" len="med"/>
-                    </a:lnT>
-                    <a:lnB w="12700" cap="flat" cmpd="sng" algn="ctr">
-                      <a:solidFill>
-                        <a:schemeClr val="tx1"/>
-                      </a:solidFill>
-                      <a:prstDash val="solid"/>
-                      <a:round/>
-                      <a:headEnd type="none" w="med" len="med"/>
-                      <a:tailEnd type="none" w="med" len="med"/>
-                    </a:lnB>
-                  </a:tcPr>
-                </a:tc>
-                <a:tc>
-                  <a:txBody>
-                    <a:bodyPr/>
-                    <a:lstStyle/>
-                    <a:p>
-                      <a:pPr>
-                        <a:buNone/>
-                      </a:pPr>
-                      <a:r>
-                        <a:rPr lang="en-GB" sz="1400" dirty="0"/>
-                        <a:t>3</a:t>
-                      </a:r>
-                    </a:p>
-                  </a:txBody>
-                  <a:tcPr anchor="ctr">
-                    <a:lnL w="12700" cap="flat" cmpd="sng" algn="ctr">
-                      <a:solidFill>
-                        <a:schemeClr val="tx1"/>
-                      </a:solidFill>
-                      <a:prstDash val="solid"/>
-                      <a:round/>
-                      <a:headEnd type="none" w="med" len="med"/>
-                      <a:tailEnd type="none" w="med" len="med"/>
-                    </a:lnL>
-                    <a:lnR w="12700" cap="flat" cmpd="sng" algn="ctr">
-                      <a:solidFill>
-                        <a:schemeClr val="tx1"/>
-                      </a:solidFill>
-                      <a:prstDash val="solid"/>
-                      <a:round/>
-                      <a:headEnd type="none" w="med" len="med"/>
-                      <a:tailEnd type="none" w="med" len="med"/>
-                    </a:lnR>
-                    <a:lnT w="12700" cap="flat" cmpd="sng" algn="ctr">
-                      <a:solidFill>
-                        <a:schemeClr val="tx1"/>
-                      </a:solidFill>
-                      <a:prstDash val="solid"/>
-                      <a:round/>
-                      <a:headEnd type="none" w="med" len="med"/>
-                      <a:tailEnd type="none" w="med" len="med"/>
-                    </a:lnT>
-                    <a:lnB w="12700" cap="flat" cmpd="sng" algn="ctr">
-                      <a:solidFill>
-                        <a:schemeClr val="tx1"/>
-                      </a:solidFill>
-                      <a:prstDash val="solid"/>
-                      <a:round/>
-                      <a:headEnd type="none" w="med" len="med"/>
-                      <a:tailEnd type="none" w="med" len="med"/>
-                    </a:lnB>
-                  </a:tcPr>
-                </a:tc>
-                <a:extLst>
-                  <a:ext uri="{0D108BD9-81ED-4DB2-BD59-A6C34878D82A}">
-                    <a16:rowId xmlns:a16="http://schemas.microsoft.com/office/drawing/2014/main" val="794353881"/>
-                  </a:ext>
-                </a:extLst>
-              </a:tr>
-            </a:tbl>
-          </a:graphicData>
-        </a:graphic>
-      </p:graphicFrame>
-      <p:sp>
-        <p:nvSpPr>
-          <p:cNvPr id="10" name="TextBox 9">
-            <a:extLst>
-              <a:ext uri="{FF2B5EF4-FFF2-40B4-BE49-F238E27FC236}">
-                <a16:creationId xmlns:a16="http://schemas.microsoft.com/office/drawing/2014/main" id="{35A3A740-13DB-BC97-49B2-097750C3ADE9}"/>
-              </a:ext>
-            </a:extLst>
-          </p:cNvPr>
-          <p:cNvSpPr txBox="1"/>
-          <p:nvPr/>
-        </p:nvSpPr>
-        <p:spPr>
-          <a:xfrm>
-            <a:off x="137373" y="6093675"/>
-            <a:ext cx="3573693" cy="307777"/>
-          </a:xfrm>
-          <a:prstGeom prst="rect">
-            <a:avLst/>
-          </a:prstGeom>
-          <a:noFill/>
-        </p:spPr>
-        <p:txBody>
-          <a:bodyPr wrap="square" rtlCol="0">
-            <a:spAutoFit/>
-          </a:bodyPr>
-          <a:lstStyle/>
-          <a:p>
-            <a:r>
-              <a:rPr lang="en-IN" sz="1400" dirty="0">
-                <a:solidFill>
-                  <a:srgbClr val="FF0000"/>
-                </a:solidFill>
-              </a:rPr>
-              <a:t>Key point: The only database scan needed</a:t>
-            </a:r>
-            <a:endParaRPr lang="en-GB" sz="1400" dirty="0">
-              <a:solidFill>
-                <a:srgbClr val="FF0000"/>
-              </a:solidFill>
-            </a:endParaRPr>
-          </a:p>
-        </p:txBody>
-      </p:sp>
-      <p:sp>
-        <p:nvSpPr>
-          <p:cNvPr id="11" name="TextBox 10">
-            <a:extLst>
-              <a:ext uri="{FF2B5EF4-FFF2-40B4-BE49-F238E27FC236}">
-                <a16:creationId xmlns:a16="http://schemas.microsoft.com/office/drawing/2014/main" id="{A9B51B20-3983-EED5-7B5E-7B6F0FAD5086}"/>
-              </a:ext>
-            </a:extLst>
-          </p:cNvPr>
-          <p:cNvSpPr txBox="1"/>
-          <p:nvPr/>
-        </p:nvSpPr>
-        <p:spPr>
-          <a:xfrm>
-            <a:off x="4121634" y="205009"/>
-            <a:ext cx="2547174" cy="307777"/>
-          </a:xfrm>
-          <a:prstGeom prst="rect">
-            <a:avLst/>
-          </a:prstGeom>
-          <a:noFill/>
-        </p:spPr>
-        <p:txBody>
-          <a:bodyPr wrap="square" rtlCol="0">
-            <a:spAutoFit/>
-          </a:bodyPr>
-          <a:lstStyle/>
-          <a:p>
-            <a:pPr algn="ctr"/>
-            <a:r>
-              <a:rPr lang="en-IN" sz="1400" dirty="0"/>
-              <a:t>Step 1: Frequent 1-itemsets (L1)</a:t>
-            </a:r>
-            <a:endParaRPr lang="en-GB" sz="1400" dirty="0"/>
-          </a:p>
-        </p:txBody>
-      </p:sp>
-      <p:sp>
-        <p:nvSpPr>
-          <p:cNvPr id="12" name="TextBox 11">
-            <a:extLst>
-              <a:ext uri="{FF2B5EF4-FFF2-40B4-BE49-F238E27FC236}">
-                <a16:creationId xmlns:a16="http://schemas.microsoft.com/office/drawing/2014/main" id="{FB6C445C-8EED-E7F7-7D0F-BBA592858957}"/>
-              </a:ext>
-            </a:extLst>
-          </p:cNvPr>
-          <p:cNvSpPr txBox="1"/>
-          <p:nvPr/>
-        </p:nvSpPr>
-        <p:spPr>
-          <a:xfrm>
-            <a:off x="3977816" y="694324"/>
-            <a:ext cx="3086100" cy="738664"/>
-          </a:xfrm>
-          <a:prstGeom prst="rect">
-            <a:avLst/>
-          </a:prstGeom>
-          <a:solidFill>
-            <a:schemeClr val="accent2">
-              <a:lumMod val="40000"/>
-              <a:lumOff val="60000"/>
-            </a:schemeClr>
-          </a:solidFill>
-        </p:spPr>
-        <p:txBody>
-          <a:bodyPr wrap="square" rtlCol="0">
-            <a:spAutoFit/>
-          </a:bodyPr>
-          <a:lstStyle/>
-          <a:p>
-            <a:pPr algn="ctr"/>
-            <a:r>
-              <a:rPr lang="en-US" sz="1400" dirty="0"/>
-              <a:t>All items satisfy min support ≥ 3</a:t>
-            </a:r>
-          </a:p>
-          <a:p>
-            <a:pPr algn="ctr"/>
-            <a:endParaRPr lang="en-US" sz="1400" dirty="0"/>
-          </a:p>
-          <a:p>
-            <a:pPr algn="ctr"/>
-            <a:r>
-              <a:rPr lang="en-GB" sz="1400" dirty="0"/>
-              <a:t>L1 = {Bread}, {Milk}, {Cola}, {Eggs}</a:t>
-            </a:r>
-          </a:p>
-        </p:txBody>
-      </p:sp>
-      <p:sp>
-        <p:nvSpPr>
-          <p:cNvPr id="17" name="TextBox 16">
-            <a:extLst>
-              <a:ext uri="{FF2B5EF4-FFF2-40B4-BE49-F238E27FC236}">
-                <a16:creationId xmlns:a16="http://schemas.microsoft.com/office/drawing/2014/main" id="{35033F16-998A-692A-484A-C69A0431CD1C}"/>
-              </a:ext>
-            </a:extLst>
-          </p:cNvPr>
-          <p:cNvSpPr txBox="1"/>
-          <p:nvPr/>
-        </p:nvSpPr>
-        <p:spPr>
-          <a:xfrm>
-            <a:off x="7325523" y="183987"/>
-            <a:ext cx="2547174" cy="523220"/>
-          </a:xfrm>
-          <a:prstGeom prst="rect">
-            <a:avLst/>
-          </a:prstGeom>
-          <a:noFill/>
-        </p:spPr>
-        <p:txBody>
-          <a:bodyPr wrap="square" rtlCol="0">
-            <a:spAutoFit/>
-          </a:bodyPr>
-          <a:lstStyle/>
-          <a:p>
-            <a:pPr algn="ctr"/>
-            <a:r>
-              <a:rPr lang="en-IN" sz="1400" dirty="0"/>
-              <a:t>Step 2: Frequent 2-itemsets </a:t>
-            </a:r>
-          </a:p>
-          <a:p>
-            <a:pPr algn="ctr"/>
-            <a:r>
-              <a:rPr lang="en-IN" sz="1400" dirty="0"/>
-              <a:t>(TID intersection)</a:t>
-            </a:r>
-            <a:endParaRPr lang="en-GB" sz="1400" dirty="0"/>
-          </a:p>
-        </p:txBody>
-      </p:sp>
-      <p:sp>
-        <p:nvSpPr>
-          <p:cNvPr id="18" name="TextBox 17">
-            <a:extLst>
-              <a:ext uri="{FF2B5EF4-FFF2-40B4-BE49-F238E27FC236}">
-                <a16:creationId xmlns:a16="http://schemas.microsoft.com/office/drawing/2014/main" id="{404FF4A3-0947-9BE2-0C80-BC74BFC7F350}"/>
-              </a:ext>
-            </a:extLst>
-          </p:cNvPr>
-          <p:cNvSpPr txBox="1"/>
-          <p:nvPr/>
-        </p:nvSpPr>
-        <p:spPr>
-          <a:xfrm>
-            <a:off x="7181704" y="707207"/>
-            <a:ext cx="3086100" cy="5693866"/>
-          </a:xfrm>
-          <a:prstGeom prst="rect">
-            <a:avLst/>
-          </a:prstGeom>
-          <a:solidFill>
-            <a:schemeClr val="accent2">
-              <a:lumMod val="40000"/>
-              <a:lumOff val="60000"/>
-            </a:schemeClr>
-          </a:solidFill>
-        </p:spPr>
-        <p:txBody>
-          <a:bodyPr wrap="square" rtlCol="0">
-            <a:spAutoFit/>
-          </a:bodyPr>
-          <a:lstStyle/>
-          <a:p>
-            <a:r>
-              <a:rPr lang="en-IN" sz="1400" dirty="0"/>
-              <a:t>{Bread, Milk}</a:t>
-            </a:r>
-          </a:p>
-          <a:p>
-            <a:r>
-              <a:rPr lang="fr-FR" sz="1400" dirty="0" err="1"/>
-              <a:t>Bread</a:t>
-            </a:r>
-            <a:r>
-              <a:rPr lang="fr-FR" sz="1400" dirty="0"/>
-              <a:t>  → {T1, T2, T4, T5}</a:t>
-            </a:r>
-          </a:p>
-          <a:p>
-            <a:r>
-              <a:rPr lang="fr-FR" sz="1400" dirty="0"/>
-              <a:t>Milk   → {T1, T3, T4, T5}</a:t>
-            </a:r>
-          </a:p>
-          <a:p>
-            <a:r>
-              <a:rPr lang="fr-FR" sz="1400" dirty="0"/>
-              <a:t>----------------------------------</a:t>
-            </a:r>
-          </a:p>
-          <a:p>
-            <a:r>
-              <a:rPr lang="fr-FR" sz="1400" dirty="0"/>
-              <a:t>Intersection = {T1, T4, T5}</a:t>
-            </a:r>
-          </a:p>
-          <a:p>
-            <a:r>
-              <a:rPr lang="fr-FR" sz="1400" dirty="0"/>
-              <a:t>Support = 3 (Ok)</a:t>
-            </a:r>
-          </a:p>
-          <a:p>
-            <a:endParaRPr lang="fr-FR" sz="1400" dirty="0"/>
-          </a:p>
-          <a:p>
-            <a:r>
-              <a:rPr lang="fr-FR" sz="1400" dirty="0"/>
-              <a:t>{</a:t>
-            </a:r>
-            <a:r>
-              <a:rPr lang="fr-FR" sz="1400" dirty="0" err="1"/>
-              <a:t>Bread</a:t>
-            </a:r>
-            <a:r>
-              <a:rPr lang="fr-FR" sz="1400" dirty="0"/>
-              <a:t>, Cola}</a:t>
-            </a:r>
-          </a:p>
-          <a:p>
-            <a:r>
-              <a:rPr lang="fr-FR" sz="1400" dirty="0"/>
-              <a:t>{T1, T2, T4, T5} ∩ {T2, T3, T4} = {T2, T4}</a:t>
-            </a:r>
-          </a:p>
-          <a:p>
-            <a:r>
-              <a:rPr lang="fr-FR" sz="1400" dirty="0"/>
-              <a:t>Support = 2 (Not ok)</a:t>
-            </a:r>
-          </a:p>
-          <a:p>
-            <a:endParaRPr lang="fr-FR" sz="1400" dirty="0"/>
-          </a:p>
-          <a:p>
-            <a:r>
-              <a:rPr lang="fr-FR" sz="1400" dirty="0"/>
-              <a:t>{Milk, Cola}</a:t>
-            </a:r>
-          </a:p>
-          <a:p>
-            <a:r>
-              <a:rPr lang="fr-FR" sz="1400" dirty="0"/>
-              <a:t>{T1, T3, T4, T5} ∩ {T2, T3, T4} = {T3, T4}</a:t>
-            </a:r>
-          </a:p>
-          <a:p>
-            <a:r>
-              <a:rPr lang="fr-FR" sz="1400" dirty="0"/>
-              <a:t>Support = 2 (Not ok)</a:t>
-            </a:r>
-          </a:p>
-          <a:p>
-            <a:endParaRPr lang="fr-FR" sz="1400" dirty="0"/>
-          </a:p>
-          <a:p>
-            <a:r>
-              <a:rPr lang="fr-FR" sz="1400" dirty="0"/>
-              <a:t>{</a:t>
-            </a:r>
-            <a:r>
-              <a:rPr lang="fr-FR" sz="1400" dirty="0" err="1"/>
-              <a:t>Bread</a:t>
-            </a:r>
-            <a:r>
-              <a:rPr lang="fr-FR" sz="1400" dirty="0"/>
-              <a:t>, </a:t>
-            </a:r>
-            <a:r>
-              <a:rPr lang="fr-FR" sz="1400" dirty="0" err="1"/>
-              <a:t>Eggs</a:t>
-            </a:r>
-            <a:r>
-              <a:rPr lang="fr-FR" sz="1400" dirty="0"/>
-              <a:t>}</a:t>
-            </a:r>
-          </a:p>
-          <a:p>
-            <a:r>
-              <a:rPr lang="fr-FR" sz="1400" dirty="0"/>
-              <a:t>{T1, T2, T4, T5} ∩ {T2, T3, T5} = {T2, T5}</a:t>
-            </a:r>
-          </a:p>
-          <a:p>
-            <a:r>
-              <a:rPr lang="fr-FR" sz="1400" dirty="0"/>
-              <a:t>Support = 2 (Not ok)</a:t>
-            </a:r>
-          </a:p>
-          <a:p>
-            <a:endParaRPr lang="fr-FR" sz="1400" dirty="0"/>
-          </a:p>
-          <a:p>
-            <a:r>
-              <a:rPr lang="fr-FR" sz="1400" dirty="0"/>
-              <a:t>{Milk, </a:t>
-            </a:r>
-            <a:r>
-              <a:rPr lang="fr-FR" sz="1400" dirty="0" err="1"/>
-              <a:t>Eggs</a:t>
-            </a:r>
-            <a:r>
-              <a:rPr lang="fr-FR" sz="1400" dirty="0"/>
-              <a:t>}</a:t>
-            </a:r>
-          </a:p>
-          <a:p>
-            <a:r>
-              <a:rPr lang="fr-FR" sz="1400" dirty="0"/>
-              <a:t>{T1, T3, T4, T5} ∩ {T2, T3, T5} = {T3, T5}</a:t>
-            </a:r>
-          </a:p>
-          <a:p>
-            <a:r>
-              <a:rPr lang="fr-FR" sz="1400" dirty="0"/>
-              <a:t>Support = 2 </a:t>
-            </a:r>
-          </a:p>
-          <a:p>
-            <a:endParaRPr lang="fr-FR" sz="1400" dirty="0"/>
-          </a:p>
-          <a:p>
-            <a:r>
-              <a:rPr lang="fr-FR" sz="1400" dirty="0"/>
-              <a:t>{Cola, </a:t>
-            </a:r>
-            <a:r>
-              <a:rPr lang="fr-FR" sz="1400" dirty="0" err="1"/>
-              <a:t>Eggs</a:t>
-            </a:r>
-            <a:r>
-              <a:rPr lang="fr-FR" sz="1400" dirty="0"/>
-              <a:t>}</a:t>
-            </a:r>
-          </a:p>
-          <a:p>
-            <a:r>
-              <a:rPr lang="fr-FR" sz="1400" dirty="0"/>
-              <a:t>{T2, T3, T4} ∩ {T2, T3, T5} = {T2, T3}</a:t>
-            </a:r>
-          </a:p>
-          <a:p>
-            <a:r>
-              <a:rPr lang="fr-FR" sz="1400" dirty="0"/>
-              <a:t>Support = 2 (Not ok)</a:t>
-            </a:r>
-            <a:endParaRPr lang="en-GB" sz="1400" dirty="0"/>
-          </a:p>
-        </p:txBody>
-      </p:sp>
-      <p:sp>
-        <p:nvSpPr>
-          <p:cNvPr id="19" name="TextBox 18">
-            <a:extLst>
-              <a:ext uri="{FF2B5EF4-FFF2-40B4-BE49-F238E27FC236}">
-                <a16:creationId xmlns:a16="http://schemas.microsoft.com/office/drawing/2014/main" id="{A163A566-4A52-4EA7-E96E-7CFC449116CF}"/>
-              </a:ext>
-            </a:extLst>
-          </p:cNvPr>
-          <p:cNvSpPr txBox="1"/>
-          <p:nvPr/>
-        </p:nvSpPr>
-        <p:spPr>
-          <a:xfrm>
-            <a:off x="4302729" y="3593365"/>
-            <a:ext cx="1975383" cy="1815882"/>
-          </a:xfrm>
-          <a:prstGeom prst="rect">
-            <a:avLst/>
-          </a:prstGeom>
-          <a:solidFill>
-            <a:schemeClr val="accent6">
-              <a:lumMod val="20000"/>
-              <a:lumOff val="80000"/>
-            </a:schemeClr>
-          </a:solidFill>
-        </p:spPr>
-        <p:txBody>
-          <a:bodyPr wrap="square" rtlCol="0">
-            <a:spAutoFit/>
-          </a:bodyPr>
-          <a:lstStyle/>
-          <a:p>
-            <a:r>
-              <a:rPr lang="en-IN" sz="1400" dirty="0"/>
-              <a:t>L1</a:t>
-            </a:r>
-          </a:p>
-          <a:p>
-            <a:pPr marL="285750" indent="-285750">
-              <a:buFontTx/>
-              <a:buChar char="-"/>
-            </a:pPr>
-            <a:r>
-              <a:rPr lang="en-IN" sz="1400" dirty="0"/>
-              <a:t>{Bread} (4)</a:t>
-            </a:r>
-          </a:p>
-          <a:p>
-            <a:pPr marL="285750" indent="-285750">
-              <a:buFontTx/>
-              <a:buChar char="-"/>
-            </a:pPr>
-            <a:r>
-              <a:rPr lang="en-IN" sz="1400" dirty="0"/>
-              <a:t>{Milk} (4)</a:t>
-            </a:r>
-          </a:p>
-          <a:p>
-            <a:pPr marL="285750" indent="-285750">
-              <a:buFontTx/>
-              <a:buChar char="-"/>
-            </a:pPr>
-            <a:r>
-              <a:rPr lang="en-IN" sz="1400" dirty="0"/>
-              <a:t>{Cola} (4)</a:t>
-            </a:r>
-          </a:p>
-          <a:p>
-            <a:pPr marL="285750" indent="-285750">
-              <a:buFontTx/>
-              <a:buChar char="-"/>
-            </a:pPr>
-            <a:r>
-              <a:rPr lang="en-IN" sz="1400" dirty="0"/>
-              <a:t>{Eggs} (4)</a:t>
-            </a:r>
-          </a:p>
-          <a:p>
-            <a:endParaRPr lang="en-IN" sz="1400" dirty="0"/>
-          </a:p>
-          <a:p>
-            <a:r>
-              <a:rPr lang="en-IN" sz="1400" dirty="0"/>
-              <a:t>L2</a:t>
-            </a:r>
-          </a:p>
-          <a:p>
-            <a:pPr marL="285750" indent="-285750">
-              <a:buFontTx/>
-              <a:buChar char="-"/>
-            </a:pPr>
-            <a:r>
-              <a:rPr lang="en-IN" sz="1400" dirty="0"/>
-              <a:t>{Bread, Milk} (3)</a:t>
-            </a:r>
-          </a:p>
-        </p:txBody>
-      </p:sp>
-      <p:sp>
-        <p:nvSpPr>
-          <p:cNvPr id="20" name="TextBox 19">
-            <a:extLst>
-              <a:ext uri="{FF2B5EF4-FFF2-40B4-BE49-F238E27FC236}">
-                <a16:creationId xmlns:a16="http://schemas.microsoft.com/office/drawing/2014/main" id="{44AF72D0-653A-6B53-5130-115F82D56124}"/>
-              </a:ext>
-            </a:extLst>
-          </p:cNvPr>
-          <p:cNvSpPr txBox="1"/>
-          <p:nvPr/>
-        </p:nvSpPr>
-        <p:spPr>
-          <a:xfrm>
-            <a:off x="3977816" y="3189981"/>
-            <a:ext cx="2547174" cy="307777"/>
-          </a:xfrm>
-          <a:prstGeom prst="rect">
-            <a:avLst/>
-          </a:prstGeom>
-          <a:noFill/>
-        </p:spPr>
-        <p:txBody>
-          <a:bodyPr wrap="square" rtlCol="0">
-            <a:spAutoFit/>
-          </a:bodyPr>
-          <a:lstStyle/>
-          <a:p>
-            <a:pPr algn="ctr"/>
-            <a:r>
-              <a:rPr lang="en-IN" sz="1400" dirty="0"/>
-              <a:t>Step 3: Frequent </a:t>
-            </a:r>
-            <a:r>
-              <a:rPr lang="en-IN" sz="1400" dirty="0" err="1"/>
-              <a:t>itemsets</a:t>
-            </a:r>
-            <a:r>
-              <a:rPr lang="en-IN" sz="1400" dirty="0"/>
-              <a:t> found</a:t>
-            </a:r>
-          </a:p>
-        </p:txBody>
-      </p:sp>
-    </p:spTree>
-    <p:extLst>
-      <p:ext uri="{BB962C8B-B14F-4D97-AF65-F5344CB8AC3E}">
-        <p14:creationId xmlns:p14="http://schemas.microsoft.com/office/powerpoint/2010/main" val="1171273204"/>
       </p:ext>
     </p:extLst>
   </p:cSld>
